--- a/_SLIDES/DEEL1/H5/4_loopsintro.pptx
+++ b/_SLIDES/DEEL1/H5/4_loopsintro.pptx
@@ -5,7 +5,7 @@
     <p:sldMasterId id="2147483648" r:id="rId1"/>
   </p:sldMasterIdLst>
   <p:notesMasterIdLst>
-    <p:notesMasterId r:id="rId58"/>
+    <p:notesMasterId r:id="rId54"/>
   </p:notesMasterIdLst>
   <p:sldIdLst>
     <p:sldId id="296" r:id="rId2"/>
@@ -22,77 +22,73 @@
     <p:sldId id="277" r:id="rId13"/>
     <p:sldId id="278" r:id="rId14"/>
     <p:sldId id="279" r:id="rId15"/>
-    <p:sldId id="281" r:id="rId16"/>
-    <p:sldId id="318" r:id="rId17"/>
-    <p:sldId id="282" r:id="rId18"/>
-    <p:sldId id="283" r:id="rId19"/>
-    <p:sldId id="284" r:id="rId20"/>
-    <p:sldId id="285" r:id="rId21"/>
-    <p:sldId id="286" r:id="rId22"/>
-    <p:sldId id="325" r:id="rId23"/>
-    <p:sldId id="287" r:id="rId24"/>
-    <p:sldId id="317" r:id="rId25"/>
-    <p:sldId id="288" r:id="rId26"/>
-    <p:sldId id="300" r:id="rId27"/>
-    <p:sldId id="301" r:id="rId28"/>
-    <p:sldId id="293" r:id="rId29"/>
-    <p:sldId id="294" r:id="rId30"/>
-    <p:sldId id="295" r:id="rId31"/>
-    <p:sldId id="262" r:id="rId32"/>
-    <p:sldId id="263" r:id="rId33"/>
-    <p:sldId id="303" r:id="rId34"/>
-    <p:sldId id="264" r:id="rId35"/>
-    <p:sldId id="304" r:id="rId36"/>
-    <p:sldId id="265" r:id="rId37"/>
-    <p:sldId id="305" r:id="rId38"/>
-    <p:sldId id="306" r:id="rId39"/>
-    <p:sldId id="266" r:id="rId40"/>
-    <p:sldId id="267" r:id="rId41"/>
-    <p:sldId id="269" r:id="rId42"/>
-    <p:sldId id="307" r:id="rId43"/>
-    <p:sldId id="308" r:id="rId44"/>
-    <p:sldId id="309" r:id="rId45"/>
-    <p:sldId id="310" r:id="rId46"/>
-    <p:sldId id="319" r:id="rId47"/>
-    <p:sldId id="322" r:id="rId48"/>
-    <p:sldId id="320" r:id="rId49"/>
-    <p:sldId id="321" r:id="rId50"/>
-    <p:sldId id="323" r:id="rId51"/>
-    <p:sldId id="324" r:id="rId52"/>
-    <p:sldId id="313" r:id="rId53"/>
-    <p:sldId id="312" r:id="rId54"/>
-    <p:sldId id="314" r:id="rId55"/>
-    <p:sldId id="315" r:id="rId56"/>
-    <p:sldId id="316" r:id="rId57"/>
+    <p:sldId id="318" r:id="rId16"/>
+    <p:sldId id="282" r:id="rId17"/>
+    <p:sldId id="283" r:id="rId18"/>
+    <p:sldId id="284" r:id="rId19"/>
+    <p:sldId id="285" r:id="rId20"/>
+    <p:sldId id="286" r:id="rId21"/>
+    <p:sldId id="325" r:id="rId22"/>
+    <p:sldId id="281" r:id="rId23"/>
+    <p:sldId id="317" r:id="rId24"/>
+    <p:sldId id="288" r:id="rId25"/>
+    <p:sldId id="300" r:id="rId26"/>
+    <p:sldId id="301" r:id="rId27"/>
+    <p:sldId id="262" r:id="rId28"/>
+    <p:sldId id="263" r:id="rId29"/>
+    <p:sldId id="303" r:id="rId30"/>
+    <p:sldId id="264" r:id="rId31"/>
+    <p:sldId id="304" r:id="rId32"/>
+    <p:sldId id="265" r:id="rId33"/>
+    <p:sldId id="305" r:id="rId34"/>
+    <p:sldId id="306" r:id="rId35"/>
+    <p:sldId id="266" r:id="rId36"/>
+    <p:sldId id="267" r:id="rId37"/>
+    <p:sldId id="269" r:id="rId38"/>
+    <p:sldId id="307" r:id="rId39"/>
+    <p:sldId id="308" r:id="rId40"/>
+    <p:sldId id="309" r:id="rId41"/>
+    <p:sldId id="310" r:id="rId42"/>
+    <p:sldId id="319" r:id="rId43"/>
+    <p:sldId id="322" r:id="rId44"/>
+    <p:sldId id="320" r:id="rId45"/>
+    <p:sldId id="321" r:id="rId46"/>
+    <p:sldId id="323" r:id="rId47"/>
+    <p:sldId id="324" r:id="rId48"/>
+    <p:sldId id="313" r:id="rId49"/>
+    <p:sldId id="312" r:id="rId50"/>
+    <p:sldId id="314" r:id="rId51"/>
+    <p:sldId id="315" r:id="rId52"/>
+    <p:sldId id="316" r:id="rId53"/>
   </p:sldIdLst>
   <p:sldSz cx="12192000" cy="6858000"/>
   <p:notesSz cx="6858000" cy="9144000"/>
   <p:embeddedFontLst>
     <p:embeddedFont>
       <p:font typeface="Calibri" panose="020F0502020204030204" pitchFamily="34" charset="0"/>
-      <p:regular r:id="rId59"/>
-      <p:bold r:id="rId60"/>
-      <p:italic r:id="rId61"/>
-      <p:boldItalic r:id="rId62"/>
+      <p:regular r:id="rId55"/>
+      <p:bold r:id="rId56"/>
+      <p:italic r:id="rId57"/>
+      <p:boldItalic r:id="rId58"/>
     </p:embeddedFont>
     <p:embeddedFont>
       <p:font typeface="Calibri Light" panose="020F0302020204030204" pitchFamily="34" charset="0"/>
-      <p:regular r:id="rId63"/>
-      <p:italic r:id="rId64"/>
+      <p:regular r:id="rId59"/>
+      <p:italic r:id="rId60"/>
     </p:embeddedFont>
     <p:embeddedFont>
       <p:font typeface="Consolas" panose="020B0609020204030204" pitchFamily="49" charset="0"/>
+      <p:regular r:id="rId61"/>
+      <p:bold r:id="rId62"/>
+      <p:italic r:id="rId63"/>
+      <p:boldItalic r:id="rId64"/>
+    </p:embeddedFont>
+    <p:embeddedFont>
+      <p:font typeface="Segoe UI" panose="020B0502040204020203" pitchFamily="34" charset="0"/>
       <p:regular r:id="rId65"/>
       <p:bold r:id="rId66"/>
       <p:italic r:id="rId67"/>
       <p:boldItalic r:id="rId68"/>
-    </p:embeddedFont>
-    <p:embeddedFont>
-      <p:font typeface="Segoe UI" panose="020B0502040204020203" pitchFamily="34" charset="0"/>
-      <p:regular r:id="rId69"/>
-      <p:bold r:id="rId70"/>
-      <p:italic r:id="rId71"/>
-      <p:boldItalic r:id="rId72"/>
     </p:embeddedFont>
   </p:embeddedFontLst>
   <p:defaultTextStyle>
@@ -3670,9 +3666,7 @@
       <dgm:prSet presAssocID="{99CCFF75-A540-4F3B-809B-60ADDF1BB777}" presName="iconRect" presStyleLbl="node1" presStyleIdx="0" presStyleCnt="2"/>
       <dgm:spPr>
         <a:blipFill>
-          <a:blip xmlns:r="http://schemas.openxmlformats.org/officeDocument/2006/relationships" r:embed="rId1">
-            <a:extLst/>
-          </a:blip>
+          <a:blip xmlns:r="http://schemas.openxmlformats.org/officeDocument/2006/relationships" r:embed="rId1"/>
           <a:srcRect/>
           <a:stretch>
             <a:fillRect/>
@@ -3723,9 +3717,7 @@
       <dgm:prSet presAssocID="{9CF921CF-E6AB-402E-AED0-EED69CE78DCF}" presName="iconRect" presStyleLbl="node1" presStyleIdx="1" presStyleCnt="2"/>
       <dgm:spPr>
         <a:blipFill>
-          <a:blip xmlns:r="http://schemas.openxmlformats.org/officeDocument/2006/relationships" r:embed="rId2">
-            <a:extLst/>
-          </a:blip>
+          <a:blip xmlns:r="http://schemas.openxmlformats.org/officeDocument/2006/relationships" r:embed="rId2"/>
           <a:srcRect/>
           <a:stretch>
             <a:fillRect/>
@@ -5021,9 +5013,7 @@
           <a:avLst/>
         </a:prstGeom>
         <a:blipFill>
-          <a:blip xmlns:r="http://schemas.openxmlformats.org/officeDocument/2006/relationships" r:embed="rId1">
-            <a:extLst/>
-          </a:blip>
+          <a:blip xmlns:r="http://schemas.openxmlformats.org/officeDocument/2006/relationships" r:embed="rId1"/>
           <a:srcRect/>
           <a:stretch>
             <a:fillRect/>
@@ -5185,9 +5175,7 @@
           <a:avLst/>
         </a:prstGeom>
         <a:blipFill>
-          <a:blip xmlns:r="http://schemas.openxmlformats.org/officeDocument/2006/relationships" r:embed="rId2">
-            <a:extLst/>
-          </a:blip>
+          <a:blip xmlns:r="http://schemas.openxmlformats.org/officeDocument/2006/relationships" r:embed="rId2"/>
           <a:srcRect/>
           <a:stretch>
             <a:fillRect/>
@@ -9634,7 +9622,7 @@
           <a:p>
             <a:fld id="{AAB1E9D1-C262-4CF5-AED2-7DBFF7C74527}" type="datetimeFigureOut">
               <a:rPr lang="nl-BE" smtClean="0"/>
-              <a:t>21/02/2019</a:t>
+              <a:t>11/11/2019</a:t>
             </a:fld>
             <a:endParaRPr lang="nl-BE"/>
           </a:p>
@@ -10161,7 +10149,7 @@
       </p:grpSpPr>
       <p:sp>
         <p:nvSpPr>
-          <p:cNvPr id="49154" name="Rectangle 7"/>
+          <p:cNvPr id="44034" name="Rectangle 7"/>
           <p:cNvSpPr>
             <a:spLocks noGrp="1" noChangeArrowheads="1"/>
           </p:cNvSpPr>
@@ -10294,14 +10282,14 @@
           </a:lstStyle>
           <a:p>
             <a:pPr eaLnBrk="1" hangingPunct="1"/>
-            <a:fld id="{3E6FA07E-80FF-4D42-89CE-C9B89773F456}" type="slidenum">
+            <a:fld id="{6A3812DA-5F7D-421C-8694-383C1FF75297}" type="slidenum">
               <a:rPr lang="en-US" sz="1200">
                 <a:solidFill>
                   <a:prstClr val="black"/>
                 </a:solidFill>
               </a:rPr>
               <a:pPr eaLnBrk="1" hangingPunct="1"/>
-              <a:t>21</a:t>
+              <a:t>22</a:t>
             </a:fld>
             <a:endParaRPr lang="en-US" sz="1200">
               <a:solidFill>
@@ -10313,7 +10301,7 @@
       </p:sp>
       <p:sp>
         <p:nvSpPr>
-          <p:cNvPr id="49155" name="Rectangle 2"/>
+          <p:cNvPr id="44035" name="Rectangle 2"/>
           <p:cNvSpPr>
             <a:spLocks noGrp="1" noRot="1" noChangeAspect="1" noChangeArrowheads="1" noTextEdit="1"/>
           </p:cNvSpPr>
@@ -10327,7 +10315,7 @@
       </p:sp>
       <p:sp>
         <p:nvSpPr>
-          <p:cNvPr id="49156" name="Rectangle 3"/>
+          <p:cNvPr id="44036" name="Rectangle 3"/>
           <p:cNvSpPr>
             <a:spLocks noGrp="1" noChangeArrowheads="1"/>
           </p:cNvSpPr>
@@ -10372,7 +10360,7 @@
     </p:spTree>
     <p:extLst>
       <p:ext uri="{BB962C8B-B14F-4D97-AF65-F5344CB8AC3E}">
-        <p14:creationId xmlns:p14="http://schemas.microsoft.com/office/powerpoint/2010/main" val="1882032255"/>
+        <p14:creationId xmlns:p14="http://schemas.microsoft.com/office/powerpoint/2010/main" val="3929849960"/>
       </p:ext>
     </p:extLst>
   </p:cSld>
@@ -10383,726 +10371,6 @@
 </file>
 
 <file path=ppt/notesSlides/notesSlide11.xml><?xml version="1.0" encoding="utf-8"?>
-<p:notes xmlns:a="http://schemas.openxmlformats.org/drawingml/2006/main" xmlns:r="http://schemas.openxmlformats.org/officeDocument/2006/relationships" xmlns:p="http://schemas.openxmlformats.org/presentationml/2006/main">
-  <p:cSld>
-    <p:spTree>
-      <p:nvGrpSpPr>
-        <p:cNvPr id="1" name=""/>
-        <p:cNvGrpSpPr/>
-        <p:nvPr/>
-      </p:nvGrpSpPr>
-      <p:grpSpPr>
-        <a:xfrm>
-          <a:off x="0" y="0"/>
-          <a:ext cx="0" cy="0"/>
-          <a:chOff x="0" y="0"/>
-          <a:chExt cx="0" cy="0"/>
-        </a:xfrm>
-      </p:grpSpPr>
-      <p:sp>
-        <p:nvSpPr>
-          <p:cNvPr id="50178" name="Rectangle 7"/>
-          <p:cNvSpPr>
-            <a:spLocks noGrp="1" noChangeArrowheads="1"/>
-          </p:cNvSpPr>
-          <p:nvPr>
-            <p:ph type="sldNum" sz="quarter" idx="5"/>
-          </p:nvPr>
-        </p:nvSpPr>
-        <p:spPr>
-          <a:noFill/>
-          <a:ln/>
-          <a:extLst>
-            <a:ext uri="{909E8E84-426E-40DD-AFC4-6F175D3DCCD1}">
-              <a14:hiddenFill xmlns:a14="http://schemas.microsoft.com/office/drawing/2010/main">
-                <a:solidFill>
-                  <a:srgbClr val="FFFFFF"/>
-                </a:solidFill>
-              </a14:hiddenFill>
-            </a:ext>
-            <a:ext uri="{91240B29-F687-4F45-9708-019B960494DF}">
-              <a14:hiddenLine xmlns:a14="http://schemas.microsoft.com/office/drawing/2010/main" w="9525">
-                <a:solidFill>
-                  <a:srgbClr val="000000"/>
-                </a:solidFill>
-                <a:miter lim="800000"/>
-                <a:headEnd/>
-                <a:tailEnd/>
-              </a14:hiddenLine>
-            </a:ext>
-          </a:extLst>
-        </p:spPr>
-        <p:txBody>
-          <a:bodyPr/>
-          <a:lstStyle>
-            <a:lvl1pPr eaLnBrk="0" hangingPunct="0">
-              <a:defRPr sz="2000">
-                <a:solidFill>
-                  <a:srgbClr val="FFFFFF"/>
-                </a:solidFill>
-                <a:latin typeface="Times New Roman" pitchFamily="1" charset="0"/>
-              </a:defRPr>
-            </a:lvl1pPr>
-            <a:lvl2pPr marL="742842" indent="-285709" eaLnBrk="0" hangingPunct="0">
-              <a:defRPr sz="2000">
-                <a:solidFill>
-                  <a:srgbClr val="FFFFFF"/>
-                </a:solidFill>
-                <a:latin typeface="Times New Roman" pitchFamily="1" charset="0"/>
-              </a:defRPr>
-            </a:lvl2pPr>
-            <a:lvl3pPr marL="1142835" indent="-228567" eaLnBrk="0" hangingPunct="0">
-              <a:defRPr sz="2000">
-                <a:solidFill>
-                  <a:srgbClr val="FFFFFF"/>
-                </a:solidFill>
-                <a:latin typeface="Times New Roman" pitchFamily="1" charset="0"/>
-              </a:defRPr>
-            </a:lvl3pPr>
-            <a:lvl4pPr marL="1599969" indent="-228567" eaLnBrk="0" hangingPunct="0">
-              <a:defRPr sz="2000">
-                <a:solidFill>
-                  <a:srgbClr val="FFFFFF"/>
-                </a:solidFill>
-                <a:latin typeface="Times New Roman" pitchFamily="1" charset="0"/>
-              </a:defRPr>
-            </a:lvl4pPr>
-            <a:lvl5pPr marL="2057103" indent="-228567" eaLnBrk="0" hangingPunct="0">
-              <a:defRPr sz="2000">
-                <a:solidFill>
-                  <a:srgbClr val="FFFFFF"/>
-                </a:solidFill>
-                <a:latin typeface="Times New Roman" pitchFamily="1" charset="0"/>
-              </a:defRPr>
-            </a:lvl5pPr>
-            <a:lvl6pPr marL="2514237" indent="-228567" eaLnBrk="0" fontAlgn="base" hangingPunct="0">
-              <a:spcBef>
-                <a:spcPct val="0"/>
-              </a:spcBef>
-              <a:spcAft>
-                <a:spcPct val="0"/>
-              </a:spcAft>
-              <a:defRPr sz="2000">
-                <a:solidFill>
-                  <a:srgbClr val="FFFFFF"/>
-                </a:solidFill>
-                <a:latin typeface="Times New Roman" pitchFamily="1" charset="0"/>
-              </a:defRPr>
-            </a:lvl6pPr>
-            <a:lvl7pPr marL="2971370" indent="-228567" eaLnBrk="0" fontAlgn="base" hangingPunct="0">
-              <a:spcBef>
-                <a:spcPct val="0"/>
-              </a:spcBef>
-              <a:spcAft>
-                <a:spcPct val="0"/>
-              </a:spcAft>
-              <a:defRPr sz="2000">
-                <a:solidFill>
-                  <a:srgbClr val="FFFFFF"/>
-                </a:solidFill>
-                <a:latin typeface="Times New Roman" pitchFamily="1" charset="0"/>
-              </a:defRPr>
-            </a:lvl7pPr>
-            <a:lvl8pPr marL="3428505" indent="-228567" eaLnBrk="0" fontAlgn="base" hangingPunct="0">
-              <a:spcBef>
-                <a:spcPct val="0"/>
-              </a:spcBef>
-              <a:spcAft>
-                <a:spcPct val="0"/>
-              </a:spcAft>
-              <a:defRPr sz="2000">
-                <a:solidFill>
-                  <a:srgbClr val="FFFFFF"/>
-                </a:solidFill>
-                <a:latin typeface="Times New Roman" pitchFamily="1" charset="0"/>
-              </a:defRPr>
-            </a:lvl8pPr>
-            <a:lvl9pPr marL="3885639" indent="-228567" eaLnBrk="0" fontAlgn="base" hangingPunct="0">
-              <a:spcBef>
-                <a:spcPct val="0"/>
-              </a:spcBef>
-              <a:spcAft>
-                <a:spcPct val="0"/>
-              </a:spcAft>
-              <a:defRPr sz="2000">
-                <a:solidFill>
-                  <a:srgbClr val="FFFFFF"/>
-                </a:solidFill>
-                <a:latin typeface="Times New Roman" pitchFamily="1" charset="0"/>
-              </a:defRPr>
-            </a:lvl9pPr>
-          </a:lstStyle>
-          <a:p>
-            <a:pPr eaLnBrk="1" hangingPunct="1"/>
-            <a:fld id="{81437588-59AB-4F81-8C76-17BA358E9208}" type="slidenum">
-              <a:rPr lang="en-US" sz="1200">
-                <a:solidFill>
-                  <a:prstClr val="black"/>
-                </a:solidFill>
-              </a:rPr>
-              <a:pPr eaLnBrk="1" hangingPunct="1"/>
-              <a:t>23</a:t>
-            </a:fld>
-            <a:endParaRPr lang="en-US" sz="1200">
-              <a:solidFill>
-                <a:prstClr val="black"/>
-              </a:solidFill>
-            </a:endParaRPr>
-          </a:p>
-        </p:txBody>
-      </p:sp>
-      <p:sp>
-        <p:nvSpPr>
-          <p:cNvPr id="50179" name="Rectangle 2"/>
-          <p:cNvSpPr>
-            <a:spLocks noGrp="1" noRot="1" noChangeAspect="1" noChangeArrowheads="1" noTextEdit="1"/>
-          </p:cNvSpPr>
-          <p:nvPr>
-            <p:ph type="sldImg"/>
-          </p:nvPr>
-        </p:nvSpPr>
-        <p:spPr>
-          <a:ln/>
-        </p:spPr>
-      </p:sp>
-      <p:sp>
-        <p:nvSpPr>
-          <p:cNvPr id="50180" name="Rectangle 3"/>
-          <p:cNvSpPr>
-            <a:spLocks noGrp="1" noChangeArrowheads="1"/>
-          </p:cNvSpPr>
-          <p:nvPr>
-            <p:ph type="body" idx="1"/>
-          </p:nvPr>
-        </p:nvSpPr>
-        <p:spPr>
-          <a:noFill/>
-          <a:ln/>
-          <a:extLst>
-            <a:ext uri="{909E8E84-426E-40DD-AFC4-6F175D3DCCD1}">
-              <a14:hiddenFill xmlns:a14="http://schemas.microsoft.com/office/drawing/2010/main">
-                <a:solidFill>
-                  <a:srgbClr val="FFFFFF"/>
-                </a:solidFill>
-              </a14:hiddenFill>
-            </a:ext>
-            <a:ext uri="{91240B29-F687-4F45-9708-019B960494DF}">
-              <a14:hiddenLine xmlns:a14="http://schemas.microsoft.com/office/drawing/2010/main" w="9525">
-                <a:solidFill>
-                  <a:srgbClr val="000000"/>
-                </a:solidFill>
-                <a:miter lim="800000"/>
-                <a:headEnd/>
-                <a:tailEnd/>
-              </a14:hiddenLine>
-            </a:ext>
-          </a:extLst>
-        </p:spPr>
-        <p:txBody>
-          <a:bodyPr/>
-          <a:lstStyle/>
-          <a:p>
-            <a:pPr eaLnBrk="1" hangingPunct="1"/>
-            <a:endParaRPr lang="en-CA">
-              <a:latin typeface="Times New Roman" pitchFamily="1" charset="0"/>
-            </a:endParaRPr>
-          </a:p>
-        </p:txBody>
-      </p:sp>
-    </p:spTree>
-    <p:extLst>
-      <p:ext uri="{BB962C8B-B14F-4D97-AF65-F5344CB8AC3E}">
-        <p14:creationId xmlns:p14="http://schemas.microsoft.com/office/powerpoint/2010/main" val="2870420558"/>
-      </p:ext>
-    </p:extLst>
-  </p:cSld>
-  <p:clrMapOvr>
-    <a:masterClrMapping/>
-  </p:clrMapOvr>
-</p:notes>
-</file>
-
-<file path=ppt/notesSlides/notesSlide12.xml><?xml version="1.0" encoding="utf-8"?>
-<p:notes xmlns:a="http://schemas.openxmlformats.org/drawingml/2006/main" xmlns:r="http://schemas.openxmlformats.org/officeDocument/2006/relationships" xmlns:p="http://schemas.openxmlformats.org/presentationml/2006/main">
-  <p:cSld>
-    <p:spTree>
-      <p:nvGrpSpPr>
-        <p:cNvPr id="1" name=""/>
-        <p:cNvGrpSpPr/>
-        <p:nvPr/>
-      </p:nvGrpSpPr>
-      <p:grpSpPr>
-        <a:xfrm>
-          <a:off x="0" y="0"/>
-          <a:ext cx="0" cy="0"/>
-          <a:chOff x="0" y="0"/>
-          <a:chExt cx="0" cy="0"/>
-        </a:xfrm>
-      </p:grpSpPr>
-      <p:sp>
-        <p:nvSpPr>
-          <p:cNvPr id="55298" name="Rectangle 7"/>
-          <p:cNvSpPr>
-            <a:spLocks noGrp="1" noChangeArrowheads="1"/>
-          </p:cNvSpPr>
-          <p:nvPr>
-            <p:ph type="sldNum" sz="quarter" idx="5"/>
-          </p:nvPr>
-        </p:nvSpPr>
-        <p:spPr>
-          <a:noFill/>
-          <a:ln/>
-          <a:extLst>
-            <a:ext uri="{909E8E84-426E-40DD-AFC4-6F175D3DCCD1}">
-              <a14:hiddenFill xmlns:a14="http://schemas.microsoft.com/office/drawing/2010/main">
-                <a:solidFill>
-                  <a:srgbClr val="FFFFFF"/>
-                </a:solidFill>
-              </a14:hiddenFill>
-            </a:ext>
-            <a:ext uri="{91240B29-F687-4F45-9708-019B960494DF}">
-              <a14:hiddenLine xmlns:a14="http://schemas.microsoft.com/office/drawing/2010/main" w="9525">
-                <a:solidFill>
-                  <a:srgbClr val="000000"/>
-                </a:solidFill>
-                <a:miter lim="800000"/>
-                <a:headEnd/>
-                <a:tailEnd/>
-              </a14:hiddenLine>
-            </a:ext>
-          </a:extLst>
-        </p:spPr>
-        <p:txBody>
-          <a:bodyPr/>
-          <a:lstStyle>
-            <a:lvl1pPr eaLnBrk="0" hangingPunct="0">
-              <a:defRPr sz="2000">
-                <a:solidFill>
-                  <a:srgbClr val="FFFFFF"/>
-                </a:solidFill>
-                <a:latin typeface="Times New Roman" pitchFamily="1" charset="0"/>
-              </a:defRPr>
-            </a:lvl1pPr>
-            <a:lvl2pPr marL="742842" indent="-285709" eaLnBrk="0" hangingPunct="0">
-              <a:defRPr sz="2000">
-                <a:solidFill>
-                  <a:srgbClr val="FFFFFF"/>
-                </a:solidFill>
-                <a:latin typeface="Times New Roman" pitchFamily="1" charset="0"/>
-              </a:defRPr>
-            </a:lvl2pPr>
-            <a:lvl3pPr marL="1142835" indent="-228567" eaLnBrk="0" hangingPunct="0">
-              <a:defRPr sz="2000">
-                <a:solidFill>
-                  <a:srgbClr val="FFFFFF"/>
-                </a:solidFill>
-                <a:latin typeface="Times New Roman" pitchFamily="1" charset="0"/>
-              </a:defRPr>
-            </a:lvl3pPr>
-            <a:lvl4pPr marL="1599969" indent="-228567" eaLnBrk="0" hangingPunct="0">
-              <a:defRPr sz="2000">
-                <a:solidFill>
-                  <a:srgbClr val="FFFFFF"/>
-                </a:solidFill>
-                <a:latin typeface="Times New Roman" pitchFamily="1" charset="0"/>
-              </a:defRPr>
-            </a:lvl4pPr>
-            <a:lvl5pPr marL="2057103" indent="-228567" eaLnBrk="0" hangingPunct="0">
-              <a:defRPr sz="2000">
-                <a:solidFill>
-                  <a:srgbClr val="FFFFFF"/>
-                </a:solidFill>
-                <a:latin typeface="Times New Roman" pitchFamily="1" charset="0"/>
-              </a:defRPr>
-            </a:lvl5pPr>
-            <a:lvl6pPr marL="2514237" indent="-228567" eaLnBrk="0" fontAlgn="base" hangingPunct="0">
-              <a:spcBef>
-                <a:spcPct val="0"/>
-              </a:spcBef>
-              <a:spcAft>
-                <a:spcPct val="0"/>
-              </a:spcAft>
-              <a:defRPr sz="2000">
-                <a:solidFill>
-                  <a:srgbClr val="FFFFFF"/>
-                </a:solidFill>
-                <a:latin typeface="Times New Roman" pitchFamily="1" charset="0"/>
-              </a:defRPr>
-            </a:lvl6pPr>
-            <a:lvl7pPr marL="2971370" indent="-228567" eaLnBrk="0" fontAlgn="base" hangingPunct="0">
-              <a:spcBef>
-                <a:spcPct val="0"/>
-              </a:spcBef>
-              <a:spcAft>
-                <a:spcPct val="0"/>
-              </a:spcAft>
-              <a:defRPr sz="2000">
-                <a:solidFill>
-                  <a:srgbClr val="FFFFFF"/>
-                </a:solidFill>
-                <a:latin typeface="Times New Roman" pitchFamily="1" charset="0"/>
-              </a:defRPr>
-            </a:lvl7pPr>
-            <a:lvl8pPr marL="3428505" indent="-228567" eaLnBrk="0" fontAlgn="base" hangingPunct="0">
-              <a:spcBef>
-                <a:spcPct val="0"/>
-              </a:spcBef>
-              <a:spcAft>
-                <a:spcPct val="0"/>
-              </a:spcAft>
-              <a:defRPr sz="2000">
-                <a:solidFill>
-                  <a:srgbClr val="FFFFFF"/>
-                </a:solidFill>
-                <a:latin typeface="Times New Roman" pitchFamily="1" charset="0"/>
-              </a:defRPr>
-            </a:lvl8pPr>
-            <a:lvl9pPr marL="3885639" indent="-228567" eaLnBrk="0" fontAlgn="base" hangingPunct="0">
-              <a:spcBef>
-                <a:spcPct val="0"/>
-              </a:spcBef>
-              <a:spcAft>
-                <a:spcPct val="0"/>
-              </a:spcAft>
-              <a:defRPr sz="2000">
-                <a:solidFill>
-                  <a:srgbClr val="FFFFFF"/>
-                </a:solidFill>
-                <a:latin typeface="Times New Roman" pitchFamily="1" charset="0"/>
-              </a:defRPr>
-            </a:lvl9pPr>
-          </a:lstStyle>
-          <a:p>
-            <a:pPr eaLnBrk="1" hangingPunct="1"/>
-            <a:fld id="{E0E1FF3B-4221-41AC-B8A9-5B51397A8CF8}" type="slidenum">
-              <a:rPr lang="en-US" sz="1200">
-                <a:solidFill>
-                  <a:prstClr val="black"/>
-                </a:solidFill>
-              </a:rPr>
-              <a:pPr eaLnBrk="1" hangingPunct="1"/>
-              <a:t>29</a:t>
-            </a:fld>
-            <a:endParaRPr lang="en-US" sz="1200">
-              <a:solidFill>
-                <a:prstClr val="black"/>
-              </a:solidFill>
-            </a:endParaRPr>
-          </a:p>
-        </p:txBody>
-      </p:sp>
-      <p:sp>
-        <p:nvSpPr>
-          <p:cNvPr id="55299" name="Rectangle 2"/>
-          <p:cNvSpPr>
-            <a:spLocks noGrp="1" noRot="1" noChangeAspect="1" noChangeArrowheads="1" noTextEdit="1"/>
-          </p:cNvSpPr>
-          <p:nvPr>
-            <p:ph type="sldImg"/>
-          </p:nvPr>
-        </p:nvSpPr>
-        <p:spPr>
-          <a:ln/>
-        </p:spPr>
-      </p:sp>
-      <p:sp>
-        <p:nvSpPr>
-          <p:cNvPr id="55300" name="Rectangle 3"/>
-          <p:cNvSpPr>
-            <a:spLocks noGrp="1" noChangeArrowheads="1"/>
-          </p:cNvSpPr>
-          <p:nvPr>
-            <p:ph type="body" idx="1"/>
-          </p:nvPr>
-        </p:nvSpPr>
-        <p:spPr>
-          <a:noFill/>
-          <a:ln/>
-          <a:extLst>
-            <a:ext uri="{909E8E84-426E-40DD-AFC4-6F175D3DCCD1}">
-              <a14:hiddenFill xmlns:a14="http://schemas.microsoft.com/office/drawing/2010/main">
-                <a:solidFill>
-                  <a:srgbClr val="FFFFFF"/>
-                </a:solidFill>
-              </a14:hiddenFill>
-            </a:ext>
-            <a:ext uri="{91240B29-F687-4F45-9708-019B960494DF}">
-              <a14:hiddenLine xmlns:a14="http://schemas.microsoft.com/office/drawing/2010/main" w="9525">
-                <a:solidFill>
-                  <a:srgbClr val="000000"/>
-                </a:solidFill>
-                <a:miter lim="800000"/>
-                <a:headEnd/>
-                <a:tailEnd/>
-              </a14:hiddenLine>
-            </a:ext>
-          </a:extLst>
-        </p:spPr>
-        <p:txBody>
-          <a:bodyPr/>
-          <a:lstStyle/>
-          <a:p>
-            <a:pPr eaLnBrk="1" hangingPunct="1"/>
-            <a:endParaRPr lang="en-CA">
-              <a:latin typeface="Times New Roman" pitchFamily="1" charset="0"/>
-            </a:endParaRPr>
-          </a:p>
-        </p:txBody>
-      </p:sp>
-    </p:spTree>
-    <p:extLst>
-      <p:ext uri="{BB962C8B-B14F-4D97-AF65-F5344CB8AC3E}">
-        <p14:creationId xmlns:p14="http://schemas.microsoft.com/office/powerpoint/2010/main" val="2030148764"/>
-      </p:ext>
-    </p:extLst>
-  </p:cSld>
-  <p:clrMapOvr>
-    <a:masterClrMapping/>
-  </p:clrMapOvr>
-</p:notes>
-</file>
-
-<file path=ppt/notesSlides/notesSlide13.xml><?xml version="1.0" encoding="utf-8"?>
-<p:notes xmlns:a="http://schemas.openxmlformats.org/drawingml/2006/main" xmlns:r="http://schemas.openxmlformats.org/officeDocument/2006/relationships" xmlns:p="http://schemas.openxmlformats.org/presentationml/2006/main">
-  <p:cSld>
-    <p:spTree>
-      <p:nvGrpSpPr>
-        <p:cNvPr id="1" name=""/>
-        <p:cNvGrpSpPr/>
-        <p:nvPr/>
-      </p:nvGrpSpPr>
-      <p:grpSpPr>
-        <a:xfrm>
-          <a:off x="0" y="0"/>
-          <a:ext cx="0" cy="0"/>
-          <a:chOff x="0" y="0"/>
-          <a:chExt cx="0" cy="0"/>
-        </a:xfrm>
-      </p:grpSpPr>
-      <p:sp>
-        <p:nvSpPr>
-          <p:cNvPr id="56322" name="Rectangle 7"/>
-          <p:cNvSpPr>
-            <a:spLocks noGrp="1" noChangeArrowheads="1"/>
-          </p:cNvSpPr>
-          <p:nvPr>
-            <p:ph type="sldNum" sz="quarter" idx="5"/>
-          </p:nvPr>
-        </p:nvSpPr>
-        <p:spPr>
-          <a:noFill/>
-          <a:ln/>
-          <a:extLst>
-            <a:ext uri="{909E8E84-426E-40DD-AFC4-6F175D3DCCD1}">
-              <a14:hiddenFill xmlns:a14="http://schemas.microsoft.com/office/drawing/2010/main">
-                <a:solidFill>
-                  <a:srgbClr val="FFFFFF"/>
-                </a:solidFill>
-              </a14:hiddenFill>
-            </a:ext>
-            <a:ext uri="{91240B29-F687-4F45-9708-019B960494DF}">
-              <a14:hiddenLine xmlns:a14="http://schemas.microsoft.com/office/drawing/2010/main" w="9525">
-                <a:solidFill>
-                  <a:srgbClr val="000000"/>
-                </a:solidFill>
-                <a:miter lim="800000"/>
-                <a:headEnd/>
-                <a:tailEnd/>
-              </a14:hiddenLine>
-            </a:ext>
-          </a:extLst>
-        </p:spPr>
-        <p:txBody>
-          <a:bodyPr/>
-          <a:lstStyle>
-            <a:lvl1pPr eaLnBrk="0" hangingPunct="0">
-              <a:defRPr sz="2000">
-                <a:solidFill>
-                  <a:srgbClr val="FFFFFF"/>
-                </a:solidFill>
-                <a:latin typeface="Times New Roman" pitchFamily="1" charset="0"/>
-              </a:defRPr>
-            </a:lvl1pPr>
-            <a:lvl2pPr marL="742842" indent="-285709" eaLnBrk="0" hangingPunct="0">
-              <a:defRPr sz="2000">
-                <a:solidFill>
-                  <a:srgbClr val="FFFFFF"/>
-                </a:solidFill>
-                <a:latin typeface="Times New Roman" pitchFamily="1" charset="0"/>
-              </a:defRPr>
-            </a:lvl2pPr>
-            <a:lvl3pPr marL="1142835" indent="-228567" eaLnBrk="0" hangingPunct="0">
-              <a:defRPr sz="2000">
-                <a:solidFill>
-                  <a:srgbClr val="FFFFFF"/>
-                </a:solidFill>
-                <a:latin typeface="Times New Roman" pitchFamily="1" charset="0"/>
-              </a:defRPr>
-            </a:lvl3pPr>
-            <a:lvl4pPr marL="1599969" indent="-228567" eaLnBrk="0" hangingPunct="0">
-              <a:defRPr sz="2000">
-                <a:solidFill>
-                  <a:srgbClr val="FFFFFF"/>
-                </a:solidFill>
-                <a:latin typeface="Times New Roman" pitchFamily="1" charset="0"/>
-              </a:defRPr>
-            </a:lvl4pPr>
-            <a:lvl5pPr marL="2057103" indent="-228567" eaLnBrk="0" hangingPunct="0">
-              <a:defRPr sz="2000">
-                <a:solidFill>
-                  <a:srgbClr val="FFFFFF"/>
-                </a:solidFill>
-                <a:latin typeface="Times New Roman" pitchFamily="1" charset="0"/>
-              </a:defRPr>
-            </a:lvl5pPr>
-            <a:lvl6pPr marL="2514237" indent="-228567" eaLnBrk="0" fontAlgn="base" hangingPunct="0">
-              <a:spcBef>
-                <a:spcPct val="0"/>
-              </a:spcBef>
-              <a:spcAft>
-                <a:spcPct val="0"/>
-              </a:spcAft>
-              <a:defRPr sz="2000">
-                <a:solidFill>
-                  <a:srgbClr val="FFFFFF"/>
-                </a:solidFill>
-                <a:latin typeface="Times New Roman" pitchFamily="1" charset="0"/>
-              </a:defRPr>
-            </a:lvl6pPr>
-            <a:lvl7pPr marL="2971370" indent="-228567" eaLnBrk="0" fontAlgn="base" hangingPunct="0">
-              <a:spcBef>
-                <a:spcPct val="0"/>
-              </a:spcBef>
-              <a:spcAft>
-                <a:spcPct val="0"/>
-              </a:spcAft>
-              <a:defRPr sz="2000">
-                <a:solidFill>
-                  <a:srgbClr val="FFFFFF"/>
-                </a:solidFill>
-                <a:latin typeface="Times New Roman" pitchFamily="1" charset="0"/>
-              </a:defRPr>
-            </a:lvl7pPr>
-            <a:lvl8pPr marL="3428505" indent="-228567" eaLnBrk="0" fontAlgn="base" hangingPunct="0">
-              <a:spcBef>
-                <a:spcPct val="0"/>
-              </a:spcBef>
-              <a:spcAft>
-                <a:spcPct val="0"/>
-              </a:spcAft>
-              <a:defRPr sz="2000">
-                <a:solidFill>
-                  <a:srgbClr val="FFFFFF"/>
-                </a:solidFill>
-                <a:latin typeface="Times New Roman" pitchFamily="1" charset="0"/>
-              </a:defRPr>
-            </a:lvl8pPr>
-            <a:lvl9pPr marL="3885639" indent="-228567" eaLnBrk="0" fontAlgn="base" hangingPunct="0">
-              <a:spcBef>
-                <a:spcPct val="0"/>
-              </a:spcBef>
-              <a:spcAft>
-                <a:spcPct val="0"/>
-              </a:spcAft>
-              <a:defRPr sz="2000">
-                <a:solidFill>
-                  <a:srgbClr val="FFFFFF"/>
-                </a:solidFill>
-                <a:latin typeface="Times New Roman" pitchFamily="1" charset="0"/>
-              </a:defRPr>
-            </a:lvl9pPr>
-          </a:lstStyle>
-          <a:p>
-            <a:pPr eaLnBrk="1" hangingPunct="1"/>
-            <a:fld id="{B5A4DDE1-5AD9-4125-B26C-EE9511483471}" type="slidenum">
-              <a:rPr lang="en-US" sz="1200">
-                <a:solidFill>
-                  <a:prstClr val="black"/>
-                </a:solidFill>
-              </a:rPr>
-              <a:pPr eaLnBrk="1" hangingPunct="1"/>
-              <a:t>30</a:t>
-            </a:fld>
-            <a:endParaRPr lang="en-US" sz="1200">
-              <a:solidFill>
-                <a:prstClr val="black"/>
-              </a:solidFill>
-            </a:endParaRPr>
-          </a:p>
-        </p:txBody>
-      </p:sp>
-      <p:sp>
-        <p:nvSpPr>
-          <p:cNvPr id="56323" name="Rectangle 2"/>
-          <p:cNvSpPr>
-            <a:spLocks noGrp="1" noRot="1" noChangeAspect="1" noChangeArrowheads="1" noTextEdit="1"/>
-          </p:cNvSpPr>
-          <p:nvPr>
-            <p:ph type="sldImg"/>
-          </p:nvPr>
-        </p:nvSpPr>
-        <p:spPr>
-          <a:ln/>
-        </p:spPr>
-      </p:sp>
-      <p:sp>
-        <p:nvSpPr>
-          <p:cNvPr id="56324" name="Rectangle 3"/>
-          <p:cNvSpPr>
-            <a:spLocks noGrp="1" noChangeArrowheads="1"/>
-          </p:cNvSpPr>
-          <p:nvPr>
-            <p:ph type="body" idx="1"/>
-          </p:nvPr>
-        </p:nvSpPr>
-        <p:spPr>
-          <a:noFill/>
-          <a:ln/>
-          <a:extLst>
-            <a:ext uri="{909E8E84-426E-40DD-AFC4-6F175D3DCCD1}">
-              <a14:hiddenFill xmlns:a14="http://schemas.microsoft.com/office/drawing/2010/main">
-                <a:solidFill>
-                  <a:srgbClr val="FFFFFF"/>
-                </a:solidFill>
-              </a14:hiddenFill>
-            </a:ext>
-            <a:ext uri="{91240B29-F687-4F45-9708-019B960494DF}">
-              <a14:hiddenLine xmlns:a14="http://schemas.microsoft.com/office/drawing/2010/main" w="9525">
-                <a:solidFill>
-                  <a:srgbClr val="000000"/>
-                </a:solidFill>
-                <a:miter lim="800000"/>
-                <a:headEnd/>
-                <a:tailEnd/>
-              </a14:hiddenLine>
-            </a:ext>
-          </a:extLst>
-        </p:spPr>
-        <p:txBody>
-          <a:bodyPr/>
-          <a:lstStyle/>
-          <a:p>
-            <a:pPr eaLnBrk="1" hangingPunct="1"/>
-            <a:endParaRPr lang="en-CA">
-              <a:latin typeface="Times New Roman" pitchFamily="1" charset="0"/>
-            </a:endParaRPr>
-          </a:p>
-        </p:txBody>
-      </p:sp>
-    </p:spTree>
-    <p:extLst>
-      <p:ext uri="{BB962C8B-B14F-4D97-AF65-F5344CB8AC3E}">
-        <p14:creationId xmlns:p14="http://schemas.microsoft.com/office/powerpoint/2010/main" val="3316715441"/>
-      </p:ext>
-    </p:extLst>
-  </p:cSld>
-  <p:clrMapOvr>
-    <a:masterClrMapping/>
-  </p:clrMapOvr>
-</p:notes>
-</file>
-
-<file path=ppt/notesSlides/notesSlide14.xml><?xml version="1.0" encoding="utf-8"?>
 <p:notes xmlns:a="http://schemas.openxmlformats.org/drawingml/2006/main" xmlns:r="http://schemas.openxmlformats.org/officeDocument/2006/relationships" xmlns:p="http://schemas.openxmlformats.org/presentationml/2006/main">
   <p:cSld>
     <p:spTree>
@@ -11257,7 +10525,7 @@
             <a:fld id="{5AF9016E-1FD8-4575-9F0F-FA24CD91C9E2}" type="slidenum">
               <a:rPr lang="nl-NL" smtClean="0"/>
               <a:pPr eaLnBrk="1" hangingPunct="1"/>
-              <a:t>33</a:t>
+              <a:t>29</a:t>
             </a:fld>
             <a:endParaRPr lang="nl-NL"/>
           </a:p>
@@ -11474,7 +10742,7 @@
 </p:notes>
 </file>
 
-<file path=ppt/notesSlides/notesSlide15.xml><?xml version="1.0" encoding="utf-8"?>
+<file path=ppt/notesSlides/notesSlide12.xml><?xml version="1.0" encoding="utf-8"?>
 <p:notes xmlns:a="http://schemas.openxmlformats.org/drawingml/2006/main" xmlns:r="http://schemas.openxmlformats.org/officeDocument/2006/relationships" xmlns:p="http://schemas.openxmlformats.org/presentationml/2006/main">
   <p:cSld>
     <p:spTree>
@@ -11549,7 +10817,7 @@
               <a:pPr>
                 <a:defRPr/>
               </a:pPr>
-              <a:t>34</a:t>
+              <a:t>30</a:t>
             </a:fld>
             <a:endParaRPr lang="en-US">
               <a:solidFill>
@@ -11572,7 +10840,7 @@
 </p:notes>
 </file>
 
-<file path=ppt/notesSlides/notesSlide16.xml><?xml version="1.0" encoding="utf-8"?>
+<file path=ppt/notesSlides/notesSlide13.xml><?xml version="1.0" encoding="utf-8"?>
 <p:notes xmlns:a="http://schemas.openxmlformats.org/drawingml/2006/main" xmlns:r="http://schemas.openxmlformats.org/officeDocument/2006/relationships" xmlns:p="http://schemas.openxmlformats.org/presentationml/2006/main">
   <p:cSld>
     <p:spTree>
@@ -11727,7 +10995,7 @@
             <a:fld id="{5AF9016E-1FD8-4575-9F0F-FA24CD91C9E2}" type="slidenum">
               <a:rPr lang="nl-NL" smtClean="0"/>
               <a:pPr eaLnBrk="1" hangingPunct="1"/>
-              <a:t>35</a:t>
+              <a:t>31</a:t>
             </a:fld>
             <a:endParaRPr lang="nl-NL"/>
           </a:p>
@@ -11944,7 +11212,7 @@
 </p:notes>
 </file>
 
-<file path=ppt/notesSlides/notesSlide17.xml><?xml version="1.0" encoding="utf-8"?>
+<file path=ppt/notesSlides/notesSlide14.xml><?xml version="1.0" encoding="utf-8"?>
 <p:notes xmlns:a="http://schemas.openxmlformats.org/drawingml/2006/main" xmlns:r="http://schemas.openxmlformats.org/officeDocument/2006/relationships" xmlns:p="http://schemas.openxmlformats.org/presentationml/2006/main">
   <p:cSld>
     <p:spTree>
@@ -12099,7 +11367,7 @@
             <a:fld id="{32110545-A426-45A0-A51E-7A445A8342AF}" type="slidenum">
               <a:rPr lang="nl-NL" smtClean="0"/>
               <a:pPr eaLnBrk="1" hangingPunct="1"/>
-              <a:t>37</a:t>
+              <a:t>33</a:t>
             </a:fld>
             <a:endParaRPr lang="nl-NL"/>
           </a:p>
@@ -12316,7 +11584,7 @@
 </p:notes>
 </file>
 
-<file path=ppt/notesSlides/notesSlide18.xml><?xml version="1.0" encoding="utf-8"?>
+<file path=ppt/notesSlides/notesSlide15.xml><?xml version="1.0" encoding="utf-8"?>
 <p:notes xmlns:a="http://schemas.openxmlformats.org/drawingml/2006/main" xmlns:r="http://schemas.openxmlformats.org/officeDocument/2006/relationships" xmlns:p="http://schemas.openxmlformats.org/presentationml/2006/main">
   <p:cSld>
     <p:spTree>
@@ -12471,7 +11739,7 @@
             <a:fld id="{1534FC16-EE58-40A3-ABD5-DE7D47633F2D}" type="slidenum">
               <a:rPr lang="nl-NL" smtClean="0"/>
               <a:pPr eaLnBrk="1" hangingPunct="1"/>
-              <a:t>38</a:t>
+              <a:t>34</a:t>
             </a:fld>
             <a:endParaRPr lang="nl-NL"/>
           </a:p>
@@ -12688,7 +11956,7 @@
 </p:notes>
 </file>
 
-<file path=ppt/notesSlides/notesSlide19.xml><?xml version="1.0" encoding="utf-8"?>
+<file path=ppt/notesSlides/notesSlide16.xml><?xml version="1.0" encoding="utf-8"?>
 <p:notes xmlns:a="http://schemas.openxmlformats.org/drawingml/2006/main" xmlns:r="http://schemas.openxmlformats.org/officeDocument/2006/relationships" xmlns:p="http://schemas.openxmlformats.org/presentationml/2006/main">
   <p:cSld>
     <p:spTree>
@@ -12847,7 +12115,7 @@
                 </a:solidFill>
               </a:rPr>
               <a:pPr eaLnBrk="1" hangingPunct="1"/>
-              <a:t>39</a:t>
+              <a:t>35</a:t>
             </a:fld>
             <a:endParaRPr lang="en-US" sz="1300">
               <a:solidFill>
@@ -12919,6 +12187,726 @@
     <p:extLst>
       <p:ext uri="{BB962C8B-B14F-4D97-AF65-F5344CB8AC3E}">
         <p14:creationId xmlns:p14="http://schemas.microsoft.com/office/powerpoint/2010/main" val="1983823661"/>
+      </p:ext>
+    </p:extLst>
+  </p:cSld>
+  <p:clrMapOvr>
+    <a:masterClrMapping/>
+  </p:clrMapOvr>
+</p:notes>
+</file>
+
+<file path=ppt/notesSlides/notesSlide17.xml><?xml version="1.0" encoding="utf-8"?>
+<p:notes xmlns:a="http://schemas.openxmlformats.org/drawingml/2006/main" xmlns:r="http://schemas.openxmlformats.org/officeDocument/2006/relationships" xmlns:p="http://schemas.openxmlformats.org/presentationml/2006/main">
+  <p:cSld>
+    <p:spTree>
+      <p:nvGrpSpPr>
+        <p:cNvPr id="1" name=""/>
+        <p:cNvGrpSpPr/>
+        <p:nvPr/>
+      </p:nvGrpSpPr>
+      <p:grpSpPr>
+        <a:xfrm>
+          <a:off x="0" y="0"/>
+          <a:ext cx="0" cy="0"/>
+          <a:chOff x="0" y="0"/>
+          <a:chExt cx="0" cy="0"/>
+        </a:xfrm>
+      </p:grpSpPr>
+      <p:sp>
+        <p:nvSpPr>
+          <p:cNvPr id="53250" name="Rectangle 7"/>
+          <p:cNvSpPr>
+            <a:spLocks noGrp="1" noChangeArrowheads="1"/>
+          </p:cNvSpPr>
+          <p:nvPr>
+            <p:ph type="sldNum" sz="quarter" idx="5"/>
+          </p:nvPr>
+        </p:nvSpPr>
+        <p:spPr>
+          <a:noFill/>
+          <a:ln/>
+          <a:extLst>
+            <a:ext uri="{909E8E84-426E-40DD-AFC4-6F175D3DCCD1}">
+              <a14:hiddenFill xmlns:a14="http://schemas.microsoft.com/office/drawing/2010/main">
+                <a:solidFill>
+                  <a:srgbClr val="FFFFFF"/>
+                </a:solidFill>
+              </a14:hiddenFill>
+            </a:ext>
+            <a:ext uri="{91240B29-F687-4F45-9708-019B960494DF}">
+              <a14:hiddenLine xmlns:a14="http://schemas.microsoft.com/office/drawing/2010/main" w="9525">
+                <a:solidFill>
+                  <a:srgbClr val="000000"/>
+                </a:solidFill>
+                <a:miter lim="800000"/>
+                <a:headEnd/>
+                <a:tailEnd/>
+              </a14:hiddenLine>
+            </a:ext>
+          </a:extLst>
+        </p:spPr>
+        <p:txBody>
+          <a:bodyPr/>
+          <a:lstStyle>
+            <a:lvl1pPr eaLnBrk="0" hangingPunct="0">
+              <a:defRPr sz="2100">
+                <a:solidFill>
+                  <a:srgbClr val="FFFFFF"/>
+                </a:solidFill>
+                <a:latin typeface="Times New Roman" pitchFamily="1" charset="0"/>
+              </a:defRPr>
+            </a:lvl1pPr>
+            <a:lvl2pPr marL="783589" indent="-301381" eaLnBrk="0" hangingPunct="0">
+              <a:defRPr sz="2100">
+                <a:solidFill>
+                  <a:srgbClr val="FFFFFF"/>
+                </a:solidFill>
+                <a:latin typeface="Times New Roman" pitchFamily="1" charset="0"/>
+              </a:defRPr>
+            </a:lvl2pPr>
+            <a:lvl3pPr marL="1205522" indent="-241104" eaLnBrk="0" hangingPunct="0">
+              <a:defRPr sz="2100">
+                <a:solidFill>
+                  <a:srgbClr val="FFFFFF"/>
+                </a:solidFill>
+                <a:latin typeface="Times New Roman" pitchFamily="1" charset="0"/>
+              </a:defRPr>
+            </a:lvl3pPr>
+            <a:lvl4pPr marL="1687731" indent="-241104" eaLnBrk="0" hangingPunct="0">
+              <a:defRPr sz="2100">
+                <a:solidFill>
+                  <a:srgbClr val="FFFFFF"/>
+                </a:solidFill>
+                <a:latin typeface="Times New Roman" pitchFamily="1" charset="0"/>
+              </a:defRPr>
+            </a:lvl4pPr>
+            <a:lvl5pPr marL="2169940" indent="-241104" eaLnBrk="0" hangingPunct="0">
+              <a:defRPr sz="2100">
+                <a:solidFill>
+                  <a:srgbClr val="FFFFFF"/>
+                </a:solidFill>
+                <a:latin typeface="Times New Roman" pitchFamily="1" charset="0"/>
+              </a:defRPr>
+            </a:lvl5pPr>
+            <a:lvl6pPr marL="2652149" indent="-241104" eaLnBrk="0" fontAlgn="base" hangingPunct="0">
+              <a:spcBef>
+                <a:spcPct val="0"/>
+              </a:spcBef>
+              <a:spcAft>
+                <a:spcPct val="0"/>
+              </a:spcAft>
+              <a:defRPr sz="2100">
+                <a:solidFill>
+                  <a:srgbClr val="FFFFFF"/>
+                </a:solidFill>
+                <a:latin typeface="Times New Roman" pitchFamily="1" charset="0"/>
+              </a:defRPr>
+            </a:lvl6pPr>
+            <a:lvl7pPr marL="3134357" indent="-241104" eaLnBrk="0" fontAlgn="base" hangingPunct="0">
+              <a:spcBef>
+                <a:spcPct val="0"/>
+              </a:spcBef>
+              <a:spcAft>
+                <a:spcPct val="0"/>
+              </a:spcAft>
+              <a:defRPr sz="2100">
+                <a:solidFill>
+                  <a:srgbClr val="FFFFFF"/>
+                </a:solidFill>
+                <a:latin typeface="Times New Roman" pitchFamily="1" charset="0"/>
+              </a:defRPr>
+            </a:lvl7pPr>
+            <a:lvl8pPr marL="3616566" indent="-241104" eaLnBrk="0" fontAlgn="base" hangingPunct="0">
+              <a:spcBef>
+                <a:spcPct val="0"/>
+              </a:spcBef>
+              <a:spcAft>
+                <a:spcPct val="0"/>
+              </a:spcAft>
+              <a:defRPr sz="2100">
+                <a:solidFill>
+                  <a:srgbClr val="FFFFFF"/>
+                </a:solidFill>
+                <a:latin typeface="Times New Roman" pitchFamily="1" charset="0"/>
+              </a:defRPr>
+            </a:lvl8pPr>
+            <a:lvl9pPr marL="4098775" indent="-241104" eaLnBrk="0" fontAlgn="base" hangingPunct="0">
+              <a:spcBef>
+                <a:spcPct val="0"/>
+              </a:spcBef>
+              <a:spcAft>
+                <a:spcPct val="0"/>
+              </a:spcAft>
+              <a:defRPr sz="2100">
+                <a:solidFill>
+                  <a:srgbClr val="FFFFFF"/>
+                </a:solidFill>
+                <a:latin typeface="Times New Roman" pitchFamily="1" charset="0"/>
+              </a:defRPr>
+            </a:lvl9pPr>
+          </a:lstStyle>
+          <a:p>
+            <a:pPr eaLnBrk="1" hangingPunct="1"/>
+            <a:fld id="{3F228A2E-50B7-4E2B-8133-7B1C6672ED94}" type="slidenum">
+              <a:rPr lang="en-US" sz="1300">
+                <a:solidFill>
+                  <a:srgbClr val="000000"/>
+                </a:solidFill>
+              </a:rPr>
+              <a:pPr eaLnBrk="1" hangingPunct="1"/>
+              <a:t>36</a:t>
+            </a:fld>
+            <a:endParaRPr lang="en-US" sz="1300">
+              <a:solidFill>
+                <a:srgbClr val="000000"/>
+              </a:solidFill>
+            </a:endParaRPr>
+          </a:p>
+        </p:txBody>
+      </p:sp>
+      <p:sp>
+        <p:nvSpPr>
+          <p:cNvPr id="53251" name="Rectangle 2"/>
+          <p:cNvSpPr>
+            <a:spLocks noGrp="1" noRot="1" noChangeAspect="1" noChangeArrowheads="1" noTextEdit="1"/>
+          </p:cNvSpPr>
+          <p:nvPr>
+            <p:ph type="sldImg"/>
+          </p:nvPr>
+        </p:nvSpPr>
+        <p:spPr>
+          <a:ln/>
+        </p:spPr>
+      </p:sp>
+      <p:sp>
+        <p:nvSpPr>
+          <p:cNvPr id="53252" name="Rectangle 3"/>
+          <p:cNvSpPr>
+            <a:spLocks noGrp="1" noChangeArrowheads="1"/>
+          </p:cNvSpPr>
+          <p:nvPr>
+            <p:ph type="body" idx="1"/>
+          </p:nvPr>
+        </p:nvSpPr>
+        <p:spPr>
+          <a:noFill/>
+          <a:ln/>
+          <a:extLst>
+            <a:ext uri="{909E8E84-426E-40DD-AFC4-6F175D3DCCD1}">
+              <a14:hiddenFill xmlns:a14="http://schemas.microsoft.com/office/drawing/2010/main">
+                <a:solidFill>
+                  <a:srgbClr val="FFFFFF"/>
+                </a:solidFill>
+              </a14:hiddenFill>
+            </a:ext>
+            <a:ext uri="{91240B29-F687-4F45-9708-019B960494DF}">
+              <a14:hiddenLine xmlns:a14="http://schemas.microsoft.com/office/drawing/2010/main" w="9525">
+                <a:solidFill>
+                  <a:srgbClr val="000000"/>
+                </a:solidFill>
+                <a:miter lim="800000"/>
+                <a:headEnd/>
+                <a:tailEnd/>
+              </a14:hiddenLine>
+            </a:ext>
+          </a:extLst>
+        </p:spPr>
+        <p:txBody>
+          <a:bodyPr/>
+          <a:lstStyle/>
+          <a:p>
+            <a:pPr eaLnBrk="1" hangingPunct="1"/>
+            <a:endParaRPr lang="en-CA">
+              <a:latin typeface="Times New Roman" pitchFamily="1" charset="0"/>
+            </a:endParaRPr>
+          </a:p>
+        </p:txBody>
+      </p:sp>
+    </p:spTree>
+    <p:extLst>
+      <p:ext uri="{BB962C8B-B14F-4D97-AF65-F5344CB8AC3E}">
+        <p14:creationId xmlns:p14="http://schemas.microsoft.com/office/powerpoint/2010/main" val="3674691331"/>
+      </p:ext>
+    </p:extLst>
+  </p:cSld>
+  <p:clrMapOvr>
+    <a:masterClrMapping/>
+  </p:clrMapOvr>
+</p:notes>
+</file>
+
+<file path=ppt/notesSlides/notesSlide18.xml><?xml version="1.0" encoding="utf-8"?>
+<p:notes xmlns:a="http://schemas.openxmlformats.org/drawingml/2006/main" xmlns:r="http://schemas.openxmlformats.org/officeDocument/2006/relationships" xmlns:p="http://schemas.openxmlformats.org/presentationml/2006/main">
+  <p:cSld>
+    <p:spTree>
+      <p:nvGrpSpPr>
+        <p:cNvPr id="1" name=""/>
+        <p:cNvGrpSpPr/>
+        <p:nvPr/>
+      </p:nvGrpSpPr>
+      <p:grpSpPr>
+        <a:xfrm>
+          <a:off x="0" y="0"/>
+          <a:ext cx="0" cy="0"/>
+          <a:chOff x="0" y="0"/>
+          <a:chExt cx="0" cy="0"/>
+        </a:xfrm>
+      </p:grpSpPr>
+      <p:sp>
+        <p:nvSpPr>
+          <p:cNvPr id="51202" name="Rectangle 7"/>
+          <p:cNvSpPr>
+            <a:spLocks noGrp="1" noChangeArrowheads="1"/>
+          </p:cNvSpPr>
+          <p:nvPr>
+            <p:ph type="sldNum" sz="quarter" idx="5"/>
+          </p:nvPr>
+        </p:nvSpPr>
+        <p:spPr>
+          <a:noFill/>
+          <a:ln/>
+          <a:extLst>
+            <a:ext uri="{909E8E84-426E-40DD-AFC4-6F175D3DCCD1}">
+              <a14:hiddenFill xmlns:a14="http://schemas.microsoft.com/office/drawing/2010/main">
+                <a:solidFill>
+                  <a:srgbClr val="FFFFFF"/>
+                </a:solidFill>
+              </a14:hiddenFill>
+            </a:ext>
+            <a:ext uri="{91240B29-F687-4F45-9708-019B960494DF}">
+              <a14:hiddenLine xmlns:a14="http://schemas.microsoft.com/office/drawing/2010/main" w="9525">
+                <a:solidFill>
+                  <a:srgbClr val="000000"/>
+                </a:solidFill>
+                <a:miter lim="800000"/>
+                <a:headEnd/>
+                <a:tailEnd/>
+              </a14:hiddenLine>
+            </a:ext>
+          </a:extLst>
+        </p:spPr>
+        <p:txBody>
+          <a:bodyPr/>
+          <a:lstStyle>
+            <a:lvl1pPr eaLnBrk="0" hangingPunct="0">
+              <a:defRPr sz="2000">
+                <a:solidFill>
+                  <a:srgbClr val="FFFFFF"/>
+                </a:solidFill>
+                <a:latin typeface="Times New Roman" pitchFamily="1" charset="0"/>
+              </a:defRPr>
+            </a:lvl1pPr>
+            <a:lvl2pPr marL="742842" indent="-285709" eaLnBrk="0" hangingPunct="0">
+              <a:defRPr sz="2000">
+                <a:solidFill>
+                  <a:srgbClr val="FFFFFF"/>
+                </a:solidFill>
+                <a:latin typeface="Times New Roman" pitchFamily="1" charset="0"/>
+              </a:defRPr>
+            </a:lvl2pPr>
+            <a:lvl3pPr marL="1142835" indent="-228567" eaLnBrk="0" hangingPunct="0">
+              <a:defRPr sz="2000">
+                <a:solidFill>
+                  <a:srgbClr val="FFFFFF"/>
+                </a:solidFill>
+                <a:latin typeface="Times New Roman" pitchFamily="1" charset="0"/>
+              </a:defRPr>
+            </a:lvl3pPr>
+            <a:lvl4pPr marL="1599969" indent="-228567" eaLnBrk="0" hangingPunct="0">
+              <a:defRPr sz="2000">
+                <a:solidFill>
+                  <a:srgbClr val="FFFFFF"/>
+                </a:solidFill>
+                <a:latin typeface="Times New Roman" pitchFamily="1" charset="0"/>
+              </a:defRPr>
+            </a:lvl4pPr>
+            <a:lvl5pPr marL="2057103" indent="-228567" eaLnBrk="0" hangingPunct="0">
+              <a:defRPr sz="2000">
+                <a:solidFill>
+                  <a:srgbClr val="FFFFFF"/>
+                </a:solidFill>
+                <a:latin typeface="Times New Roman" pitchFamily="1" charset="0"/>
+              </a:defRPr>
+            </a:lvl5pPr>
+            <a:lvl6pPr marL="2514237" indent="-228567" eaLnBrk="0" fontAlgn="base" hangingPunct="0">
+              <a:spcBef>
+                <a:spcPct val="0"/>
+              </a:spcBef>
+              <a:spcAft>
+                <a:spcPct val="0"/>
+              </a:spcAft>
+              <a:defRPr sz="2000">
+                <a:solidFill>
+                  <a:srgbClr val="FFFFFF"/>
+                </a:solidFill>
+                <a:latin typeface="Times New Roman" pitchFamily="1" charset="0"/>
+              </a:defRPr>
+            </a:lvl6pPr>
+            <a:lvl7pPr marL="2971370" indent="-228567" eaLnBrk="0" fontAlgn="base" hangingPunct="0">
+              <a:spcBef>
+                <a:spcPct val="0"/>
+              </a:spcBef>
+              <a:spcAft>
+                <a:spcPct val="0"/>
+              </a:spcAft>
+              <a:defRPr sz="2000">
+                <a:solidFill>
+                  <a:srgbClr val="FFFFFF"/>
+                </a:solidFill>
+                <a:latin typeface="Times New Roman" pitchFamily="1" charset="0"/>
+              </a:defRPr>
+            </a:lvl7pPr>
+            <a:lvl8pPr marL="3428505" indent="-228567" eaLnBrk="0" fontAlgn="base" hangingPunct="0">
+              <a:spcBef>
+                <a:spcPct val="0"/>
+              </a:spcBef>
+              <a:spcAft>
+                <a:spcPct val="0"/>
+              </a:spcAft>
+              <a:defRPr sz="2000">
+                <a:solidFill>
+                  <a:srgbClr val="FFFFFF"/>
+                </a:solidFill>
+                <a:latin typeface="Times New Roman" pitchFamily="1" charset="0"/>
+              </a:defRPr>
+            </a:lvl8pPr>
+            <a:lvl9pPr marL="3885639" indent="-228567" eaLnBrk="0" fontAlgn="base" hangingPunct="0">
+              <a:spcBef>
+                <a:spcPct val="0"/>
+              </a:spcBef>
+              <a:spcAft>
+                <a:spcPct val="0"/>
+              </a:spcAft>
+              <a:defRPr sz="2000">
+                <a:solidFill>
+                  <a:srgbClr val="FFFFFF"/>
+                </a:solidFill>
+                <a:latin typeface="Times New Roman" pitchFamily="1" charset="0"/>
+              </a:defRPr>
+            </a:lvl9pPr>
+          </a:lstStyle>
+          <a:p>
+            <a:pPr eaLnBrk="1" hangingPunct="1"/>
+            <a:fld id="{985AC87F-51DE-4152-AFAA-3A27044D7AA9}" type="slidenum">
+              <a:rPr lang="en-US" sz="1200">
+                <a:solidFill>
+                  <a:prstClr val="black"/>
+                </a:solidFill>
+              </a:rPr>
+              <a:pPr eaLnBrk="1" hangingPunct="1"/>
+              <a:t>39</a:t>
+            </a:fld>
+            <a:endParaRPr lang="en-US" sz="1200">
+              <a:solidFill>
+                <a:prstClr val="black"/>
+              </a:solidFill>
+            </a:endParaRPr>
+          </a:p>
+        </p:txBody>
+      </p:sp>
+      <p:sp>
+        <p:nvSpPr>
+          <p:cNvPr id="51203" name="Rectangle 2"/>
+          <p:cNvSpPr>
+            <a:spLocks noGrp="1" noRot="1" noChangeAspect="1" noChangeArrowheads="1" noTextEdit="1"/>
+          </p:cNvSpPr>
+          <p:nvPr>
+            <p:ph type="sldImg"/>
+          </p:nvPr>
+        </p:nvSpPr>
+        <p:spPr>
+          <a:ln/>
+        </p:spPr>
+      </p:sp>
+      <p:sp>
+        <p:nvSpPr>
+          <p:cNvPr id="51204" name="Rectangle 3"/>
+          <p:cNvSpPr>
+            <a:spLocks noGrp="1" noChangeArrowheads="1"/>
+          </p:cNvSpPr>
+          <p:nvPr>
+            <p:ph type="body" idx="1"/>
+          </p:nvPr>
+        </p:nvSpPr>
+        <p:spPr>
+          <a:noFill/>
+          <a:ln/>
+          <a:extLst>
+            <a:ext uri="{909E8E84-426E-40DD-AFC4-6F175D3DCCD1}">
+              <a14:hiddenFill xmlns:a14="http://schemas.microsoft.com/office/drawing/2010/main">
+                <a:solidFill>
+                  <a:srgbClr val="FFFFFF"/>
+                </a:solidFill>
+              </a14:hiddenFill>
+            </a:ext>
+            <a:ext uri="{91240B29-F687-4F45-9708-019B960494DF}">
+              <a14:hiddenLine xmlns:a14="http://schemas.microsoft.com/office/drawing/2010/main" w="9525">
+                <a:solidFill>
+                  <a:srgbClr val="000000"/>
+                </a:solidFill>
+                <a:miter lim="800000"/>
+                <a:headEnd/>
+                <a:tailEnd/>
+              </a14:hiddenLine>
+            </a:ext>
+          </a:extLst>
+        </p:spPr>
+        <p:txBody>
+          <a:bodyPr/>
+          <a:lstStyle/>
+          <a:p>
+            <a:pPr eaLnBrk="1" hangingPunct="1"/>
+            <a:endParaRPr lang="en-CA">
+              <a:latin typeface="Times New Roman" pitchFamily="1" charset="0"/>
+            </a:endParaRPr>
+          </a:p>
+        </p:txBody>
+      </p:sp>
+    </p:spTree>
+    <p:extLst>
+      <p:ext uri="{BB962C8B-B14F-4D97-AF65-F5344CB8AC3E}">
+        <p14:creationId xmlns:p14="http://schemas.microsoft.com/office/powerpoint/2010/main" val="3184431621"/>
+      </p:ext>
+    </p:extLst>
+  </p:cSld>
+  <p:clrMapOvr>
+    <a:masterClrMapping/>
+  </p:clrMapOvr>
+</p:notes>
+</file>
+
+<file path=ppt/notesSlides/notesSlide19.xml><?xml version="1.0" encoding="utf-8"?>
+<p:notes xmlns:a="http://schemas.openxmlformats.org/drawingml/2006/main" xmlns:r="http://schemas.openxmlformats.org/officeDocument/2006/relationships" xmlns:p="http://schemas.openxmlformats.org/presentationml/2006/main">
+  <p:cSld>
+    <p:spTree>
+      <p:nvGrpSpPr>
+        <p:cNvPr id="1" name=""/>
+        <p:cNvGrpSpPr/>
+        <p:nvPr/>
+      </p:nvGrpSpPr>
+      <p:grpSpPr>
+        <a:xfrm>
+          <a:off x="0" y="0"/>
+          <a:ext cx="0" cy="0"/>
+          <a:chOff x="0" y="0"/>
+          <a:chExt cx="0" cy="0"/>
+        </a:xfrm>
+      </p:grpSpPr>
+      <p:sp>
+        <p:nvSpPr>
+          <p:cNvPr id="52226" name="Rectangle 7"/>
+          <p:cNvSpPr>
+            <a:spLocks noGrp="1" noChangeArrowheads="1"/>
+          </p:cNvSpPr>
+          <p:nvPr>
+            <p:ph type="sldNum" sz="quarter" idx="5"/>
+          </p:nvPr>
+        </p:nvSpPr>
+        <p:spPr>
+          <a:noFill/>
+          <a:ln/>
+          <a:extLst>
+            <a:ext uri="{909E8E84-426E-40DD-AFC4-6F175D3DCCD1}">
+              <a14:hiddenFill xmlns:a14="http://schemas.microsoft.com/office/drawing/2010/main">
+                <a:solidFill>
+                  <a:srgbClr val="FFFFFF"/>
+                </a:solidFill>
+              </a14:hiddenFill>
+            </a:ext>
+            <a:ext uri="{91240B29-F687-4F45-9708-019B960494DF}">
+              <a14:hiddenLine xmlns:a14="http://schemas.microsoft.com/office/drawing/2010/main" w="9525">
+                <a:solidFill>
+                  <a:srgbClr val="000000"/>
+                </a:solidFill>
+                <a:miter lim="800000"/>
+                <a:headEnd/>
+                <a:tailEnd/>
+              </a14:hiddenLine>
+            </a:ext>
+          </a:extLst>
+        </p:spPr>
+        <p:txBody>
+          <a:bodyPr/>
+          <a:lstStyle>
+            <a:lvl1pPr eaLnBrk="0" hangingPunct="0">
+              <a:defRPr sz="2000">
+                <a:solidFill>
+                  <a:srgbClr val="FFFFFF"/>
+                </a:solidFill>
+                <a:latin typeface="Times New Roman" pitchFamily="1" charset="0"/>
+              </a:defRPr>
+            </a:lvl1pPr>
+            <a:lvl2pPr marL="742842" indent="-285709" eaLnBrk="0" hangingPunct="0">
+              <a:defRPr sz="2000">
+                <a:solidFill>
+                  <a:srgbClr val="FFFFFF"/>
+                </a:solidFill>
+                <a:latin typeface="Times New Roman" pitchFamily="1" charset="0"/>
+              </a:defRPr>
+            </a:lvl2pPr>
+            <a:lvl3pPr marL="1142835" indent="-228567" eaLnBrk="0" hangingPunct="0">
+              <a:defRPr sz="2000">
+                <a:solidFill>
+                  <a:srgbClr val="FFFFFF"/>
+                </a:solidFill>
+                <a:latin typeface="Times New Roman" pitchFamily="1" charset="0"/>
+              </a:defRPr>
+            </a:lvl3pPr>
+            <a:lvl4pPr marL="1599969" indent="-228567" eaLnBrk="0" hangingPunct="0">
+              <a:defRPr sz="2000">
+                <a:solidFill>
+                  <a:srgbClr val="FFFFFF"/>
+                </a:solidFill>
+                <a:latin typeface="Times New Roman" pitchFamily="1" charset="0"/>
+              </a:defRPr>
+            </a:lvl4pPr>
+            <a:lvl5pPr marL="2057103" indent="-228567" eaLnBrk="0" hangingPunct="0">
+              <a:defRPr sz="2000">
+                <a:solidFill>
+                  <a:srgbClr val="FFFFFF"/>
+                </a:solidFill>
+                <a:latin typeface="Times New Roman" pitchFamily="1" charset="0"/>
+              </a:defRPr>
+            </a:lvl5pPr>
+            <a:lvl6pPr marL="2514237" indent="-228567" eaLnBrk="0" fontAlgn="base" hangingPunct="0">
+              <a:spcBef>
+                <a:spcPct val="0"/>
+              </a:spcBef>
+              <a:spcAft>
+                <a:spcPct val="0"/>
+              </a:spcAft>
+              <a:defRPr sz="2000">
+                <a:solidFill>
+                  <a:srgbClr val="FFFFFF"/>
+                </a:solidFill>
+                <a:latin typeface="Times New Roman" pitchFamily="1" charset="0"/>
+              </a:defRPr>
+            </a:lvl6pPr>
+            <a:lvl7pPr marL="2971370" indent="-228567" eaLnBrk="0" fontAlgn="base" hangingPunct="0">
+              <a:spcBef>
+                <a:spcPct val="0"/>
+              </a:spcBef>
+              <a:spcAft>
+                <a:spcPct val="0"/>
+              </a:spcAft>
+              <a:defRPr sz="2000">
+                <a:solidFill>
+                  <a:srgbClr val="FFFFFF"/>
+                </a:solidFill>
+                <a:latin typeface="Times New Roman" pitchFamily="1" charset="0"/>
+              </a:defRPr>
+            </a:lvl7pPr>
+            <a:lvl8pPr marL="3428505" indent="-228567" eaLnBrk="0" fontAlgn="base" hangingPunct="0">
+              <a:spcBef>
+                <a:spcPct val="0"/>
+              </a:spcBef>
+              <a:spcAft>
+                <a:spcPct val="0"/>
+              </a:spcAft>
+              <a:defRPr sz="2000">
+                <a:solidFill>
+                  <a:srgbClr val="FFFFFF"/>
+                </a:solidFill>
+                <a:latin typeface="Times New Roman" pitchFamily="1" charset="0"/>
+              </a:defRPr>
+            </a:lvl8pPr>
+            <a:lvl9pPr marL="3885639" indent="-228567" eaLnBrk="0" fontAlgn="base" hangingPunct="0">
+              <a:spcBef>
+                <a:spcPct val="0"/>
+              </a:spcBef>
+              <a:spcAft>
+                <a:spcPct val="0"/>
+              </a:spcAft>
+              <a:defRPr sz="2000">
+                <a:solidFill>
+                  <a:srgbClr val="FFFFFF"/>
+                </a:solidFill>
+                <a:latin typeface="Times New Roman" pitchFamily="1" charset="0"/>
+              </a:defRPr>
+            </a:lvl9pPr>
+          </a:lstStyle>
+          <a:p>
+            <a:pPr eaLnBrk="1" hangingPunct="1"/>
+            <a:fld id="{2803DC45-9E8C-4B0F-A1D1-F22F3E1B8343}" type="slidenum">
+              <a:rPr lang="en-US" sz="1200">
+                <a:solidFill>
+                  <a:prstClr val="black"/>
+                </a:solidFill>
+              </a:rPr>
+              <a:pPr eaLnBrk="1" hangingPunct="1"/>
+              <a:t>40</a:t>
+            </a:fld>
+            <a:endParaRPr lang="en-US" sz="1200">
+              <a:solidFill>
+                <a:prstClr val="black"/>
+              </a:solidFill>
+            </a:endParaRPr>
+          </a:p>
+        </p:txBody>
+      </p:sp>
+      <p:sp>
+        <p:nvSpPr>
+          <p:cNvPr id="52227" name="Rectangle 2"/>
+          <p:cNvSpPr>
+            <a:spLocks noGrp="1" noRot="1" noChangeAspect="1" noChangeArrowheads="1" noTextEdit="1"/>
+          </p:cNvSpPr>
+          <p:nvPr>
+            <p:ph type="sldImg"/>
+          </p:nvPr>
+        </p:nvSpPr>
+        <p:spPr>
+          <a:ln/>
+        </p:spPr>
+      </p:sp>
+      <p:sp>
+        <p:nvSpPr>
+          <p:cNvPr id="52228" name="Rectangle 3"/>
+          <p:cNvSpPr>
+            <a:spLocks noGrp="1" noChangeArrowheads="1"/>
+          </p:cNvSpPr>
+          <p:nvPr>
+            <p:ph type="body" idx="1"/>
+          </p:nvPr>
+        </p:nvSpPr>
+        <p:spPr>
+          <a:noFill/>
+          <a:ln/>
+          <a:extLst>
+            <a:ext uri="{909E8E84-426E-40DD-AFC4-6F175D3DCCD1}">
+              <a14:hiddenFill xmlns:a14="http://schemas.microsoft.com/office/drawing/2010/main">
+                <a:solidFill>
+                  <a:srgbClr val="FFFFFF"/>
+                </a:solidFill>
+              </a14:hiddenFill>
+            </a:ext>
+            <a:ext uri="{91240B29-F687-4F45-9708-019B960494DF}">
+              <a14:hiddenLine xmlns:a14="http://schemas.microsoft.com/office/drawing/2010/main" w="9525">
+                <a:solidFill>
+                  <a:srgbClr val="000000"/>
+                </a:solidFill>
+                <a:miter lim="800000"/>
+                <a:headEnd/>
+                <a:tailEnd/>
+              </a14:hiddenLine>
+            </a:ext>
+          </a:extLst>
+        </p:spPr>
+        <p:txBody>
+          <a:bodyPr/>
+          <a:lstStyle/>
+          <a:p>
+            <a:pPr eaLnBrk="1" hangingPunct="1"/>
+            <a:endParaRPr lang="en-CA">
+              <a:latin typeface="Times New Roman" pitchFamily="1" charset="0"/>
+            </a:endParaRPr>
+          </a:p>
+        </p:txBody>
+      </p:sp>
+    </p:spTree>
+    <p:extLst>
+      <p:ext uri="{BB962C8B-B14F-4D97-AF65-F5344CB8AC3E}">
+        <p14:creationId xmlns:p14="http://schemas.microsoft.com/office/powerpoint/2010/main" val="1085505073"/>
       </p:ext>
     </p:extLst>
   </p:cSld>
@@ -13159,726 +13147,6 @@
     <p:extLst>
       <p:ext uri="{BB962C8B-B14F-4D97-AF65-F5344CB8AC3E}">
         <p14:creationId xmlns:p14="http://schemas.microsoft.com/office/powerpoint/2010/main" val="2150018065"/>
-      </p:ext>
-    </p:extLst>
-  </p:cSld>
-  <p:clrMapOvr>
-    <a:masterClrMapping/>
-  </p:clrMapOvr>
-</p:notes>
-</file>
-
-<file path=ppt/notesSlides/notesSlide20.xml><?xml version="1.0" encoding="utf-8"?>
-<p:notes xmlns:a="http://schemas.openxmlformats.org/drawingml/2006/main" xmlns:r="http://schemas.openxmlformats.org/officeDocument/2006/relationships" xmlns:p="http://schemas.openxmlformats.org/presentationml/2006/main">
-  <p:cSld>
-    <p:spTree>
-      <p:nvGrpSpPr>
-        <p:cNvPr id="1" name=""/>
-        <p:cNvGrpSpPr/>
-        <p:nvPr/>
-      </p:nvGrpSpPr>
-      <p:grpSpPr>
-        <a:xfrm>
-          <a:off x="0" y="0"/>
-          <a:ext cx="0" cy="0"/>
-          <a:chOff x="0" y="0"/>
-          <a:chExt cx="0" cy="0"/>
-        </a:xfrm>
-      </p:grpSpPr>
-      <p:sp>
-        <p:nvSpPr>
-          <p:cNvPr id="53250" name="Rectangle 7"/>
-          <p:cNvSpPr>
-            <a:spLocks noGrp="1" noChangeArrowheads="1"/>
-          </p:cNvSpPr>
-          <p:nvPr>
-            <p:ph type="sldNum" sz="quarter" idx="5"/>
-          </p:nvPr>
-        </p:nvSpPr>
-        <p:spPr>
-          <a:noFill/>
-          <a:ln/>
-          <a:extLst>
-            <a:ext uri="{909E8E84-426E-40DD-AFC4-6F175D3DCCD1}">
-              <a14:hiddenFill xmlns:a14="http://schemas.microsoft.com/office/drawing/2010/main">
-                <a:solidFill>
-                  <a:srgbClr val="FFFFFF"/>
-                </a:solidFill>
-              </a14:hiddenFill>
-            </a:ext>
-            <a:ext uri="{91240B29-F687-4F45-9708-019B960494DF}">
-              <a14:hiddenLine xmlns:a14="http://schemas.microsoft.com/office/drawing/2010/main" w="9525">
-                <a:solidFill>
-                  <a:srgbClr val="000000"/>
-                </a:solidFill>
-                <a:miter lim="800000"/>
-                <a:headEnd/>
-                <a:tailEnd/>
-              </a14:hiddenLine>
-            </a:ext>
-          </a:extLst>
-        </p:spPr>
-        <p:txBody>
-          <a:bodyPr/>
-          <a:lstStyle>
-            <a:lvl1pPr eaLnBrk="0" hangingPunct="0">
-              <a:defRPr sz="2100">
-                <a:solidFill>
-                  <a:srgbClr val="FFFFFF"/>
-                </a:solidFill>
-                <a:latin typeface="Times New Roman" pitchFamily="1" charset="0"/>
-              </a:defRPr>
-            </a:lvl1pPr>
-            <a:lvl2pPr marL="783589" indent="-301381" eaLnBrk="0" hangingPunct="0">
-              <a:defRPr sz="2100">
-                <a:solidFill>
-                  <a:srgbClr val="FFFFFF"/>
-                </a:solidFill>
-                <a:latin typeface="Times New Roman" pitchFamily="1" charset="0"/>
-              </a:defRPr>
-            </a:lvl2pPr>
-            <a:lvl3pPr marL="1205522" indent="-241104" eaLnBrk="0" hangingPunct="0">
-              <a:defRPr sz="2100">
-                <a:solidFill>
-                  <a:srgbClr val="FFFFFF"/>
-                </a:solidFill>
-                <a:latin typeface="Times New Roman" pitchFamily="1" charset="0"/>
-              </a:defRPr>
-            </a:lvl3pPr>
-            <a:lvl4pPr marL="1687731" indent="-241104" eaLnBrk="0" hangingPunct="0">
-              <a:defRPr sz="2100">
-                <a:solidFill>
-                  <a:srgbClr val="FFFFFF"/>
-                </a:solidFill>
-                <a:latin typeface="Times New Roman" pitchFamily="1" charset="0"/>
-              </a:defRPr>
-            </a:lvl4pPr>
-            <a:lvl5pPr marL="2169940" indent="-241104" eaLnBrk="0" hangingPunct="0">
-              <a:defRPr sz="2100">
-                <a:solidFill>
-                  <a:srgbClr val="FFFFFF"/>
-                </a:solidFill>
-                <a:latin typeface="Times New Roman" pitchFamily="1" charset="0"/>
-              </a:defRPr>
-            </a:lvl5pPr>
-            <a:lvl6pPr marL="2652149" indent="-241104" eaLnBrk="0" fontAlgn="base" hangingPunct="0">
-              <a:spcBef>
-                <a:spcPct val="0"/>
-              </a:spcBef>
-              <a:spcAft>
-                <a:spcPct val="0"/>
-              </a:spcAft>
-              <a:defRPr sz="2100">
-                <a:solidFill>
-                  <a:srgbClr val="FFFFFF"/>
-                </a:solidFill>
-                <a:latin typeface="Times New Roman" pitchFamily="1" charset="0"/>
-              </a:defRPr>
-            </a:lvl6pPr>
-            <a:lvl7pPr marL="3134357" indent="-241104" eaLnBrk="0" fontAlgn="base" hangingPunct="0">
-              <a:spcBef>
-                <a:spcPct val="0"/>
-              </a:spcBef>
-              <a:spcAft>
-                <a:spcPct val="0"/>
-              </a:spcAft>
-              <a:defRPr sz="2100">
-                <a:solidFill>
-                  <a:srgbClr val="FFFFFF"/>
-                </a:solidFill>
-                <a:latin typeface="Times New Roman" pitchFamily="1" charset="0"/>
-              </a:defRPr>
-            </a:lvl7pPr>
-            <a:lvl8pPr marL="3616566" indent="-241104" eaLnBrk="0" fontAlgn="base" hangingPunct="0">
-              <a:spcBef>
-                <a:spcPct val="0"/>
-              </a:spcBef>
-              <a:spcAft>
-                <a:spcPct val="0"/>
-              </a:spcAft>
-              <a:defRPr sz="2100">
-                <a:solidFill>
-                  <a:srgbClr val="FFFFFF"/>
-                </a:solidFill>
-                <a:latin typeface="Times New Roman" pitchFamily="1" charset="0"/>
-              </a:defRPr>
-            </a:lvl8pPr>
-            <a:lvl9pPr marL="4098775" indent="-241104" eaLnBrk="0" fontAlgn="base" hangingPunct="0">
-              <a:spcBef>
-                <a:spcPct val="0"/>
-              </a:spcBef>
-              <a:spcAft>
-                <a:spcPct val="0"/>
-              </a:spcAft>
-              <a:defRPr sz="2100">
-                <a:solidFill>
-                  <a:srgbClr val="FFFFFF"/>
-                </a:solidFill>
-                <a:latin typeface="Times New Roman" pitchFamily="1" charset="0"/>
-              </a:defRPr>
-            </a:lvl9pPr>
-          </a:lstStyle>
-          <a:p>
-            <a:pPr eaLnBrk="1" hangingPunct="1"/>
-            <a:fld id="{3F228A2E-50B7-4E2B-8133-7B1C6672ED94}" type="slidenum">
-              <a:rPr lang="en-US" sz="1300">
-                <a:solidFill>
-                  <a:srgbClr val="000000"/>
-                </a:solidFill>
-              </a:rPr>
-              <a:pPr eaLnBrk="1" hangingPunct="1"/>
-              <a:t>40</a:t>
-            </a:fld>
-            <a:endParaRPr lang="en-US" sz="1300">
-              <a:solidFill>
-                <a:srgbClr val="000000"/>
-              </a:solidFill>
-            </a:endParaRPr>
-          </a:p>
-        </p:txBody>
-      </p:sp>
-      <p:sp>
-        <p:nvSpPr>
-          <p:cNvPr id="53251" name="Rectangle 2"/>
-          <p:cNvSpPr>
-            <a:spLocks noGrp="1" noRot="1" noChangeAspect="1" noChangeArrowheads="1" noTextEdit="1"/>
-          </p:cNvSpPr>
-          <p:nvPr>
-            <p:ph type="sldImg"/>
-          </p:nvPr>
-        </p:nvSpPr>
-        <p:spPr>
-          <a:ln/>
-        </p:spPr>
-      </p:sp>
-      <p:sp>
-        <p:nvSpPr>
-          <p:cNvPr id="53252" name="Rectangle 3"/>
-          <p:cNvSpPr>
-            <a:spLocks noGrp="1" noChangeArrowheads="1"/>
-          </p:cNvSpPr>
-          <p:nvPr>
-            <p:ph type="body" idx="1"/>
-          </p:nvPr>
-        </p:nvSpPr>
-        <p:spPr>
-          <a:noFill/>
-          <a:ln/>
-          <a:extLst>
-            <a:ext uri="{909E8E84-426E-40DD-AFC4-6F175D3DCCD1}">
-              <a14:hiddenFill xmlns:a14="http://schemas.microsoft.com/office/drawing/2010/main">
-                <a:solidFill>
-                  <a:srgbClr val="FFFFFF"/>
-                </a:solidFill>
-              </a14:hiddenFill>
-            </a:ext>
-            <a:ext uri="{91240B29-F687-4F45-9708-019B960494DF}">
-              <a14:hiddenLine xmlns:a14="http://schemas.microsoft.com/office/drawing/2010/main" w="9525">
-                <a:solidFill>
-                  <a:srgbClr val="000000"/>
-                </a:solidFill>
-                <a:miter lim="800000"/>
-                <a:headEnd/>
-                <a:tailEnd/>
-              </a14:hiddenLine>
-            </a:ext>
-          </a:extLst>
-        </p:spPr>
-        <p:txBody>
-          <a:bodyPr/>
-          <a:lstStyle/>
-          <a:p>
-            <a:pPr eaLnBrk="1" hangingPunct="1"/>
-            <a:endParaRPr lang="en-CA">
-              <a:latin typeface="Times New Roman" pitchFamily="1" charset="0"/>
-            </a:endParaRPr>
-          </a:p>
-        </p:txBody>
-      </p:sp>
-    </p:spTree>
-    <p:extLst>
-      <p:ext uri="{BB962C8B-B14F-4D97-AF65-F5344CB8AC3E}">
-        <p14:creationId xmlns:p14="http://schemas.microsoft.com/office/powerpoint/2010/main" val="3674691331"/>
-      </p:ext>
-    </p:extLst>
-  </p:cSld>
-  <p:clrMapOvr>
-    <a:masterClrMapping/>
-  </p:clrMapOvr>
-</p:notes>
-</file>
-
-<file path=ppt/notesSlides/notesSlide21.xml><?xml version="1.0" encoding="utf-8"?>
-<p:notes xmlns:a="http://schemas.openxmlformats.org/drawingml/2006/main" xmlns:r="http://schemas.openxmlformats.org/officeDocument/2006/relationships" xmlns:p="http://schemas.openxmlformats.org/presentationml/2006/main">
-  <p:cSld>
-    <p:spTree>
-      <p:nvGrpSpPr>
-        <p:cNvPr id="1" name=""/>
-        <p:cNvGrpSpPr/>
-        <p:nvPr/>
-      </p:nvGrpSpPr>
-      <p:grpSpPr>
-        <a:xfrm>
-          <a:off x="0" y="0"/>
-          <a:ext cx="0" cy="0"/>
-          <a:chOff x="0" y="0"/>
-          <a:chExt cx="0" cy="0"/>
-        </a:xfrm>
-      </p:grpSpPr>
-      <p:sp>
-        <p:nvSpPr>
-          <p:cNvPr id="51202" name="Rectangle 7"/>
-          <p:cNvSpPr>
-            <a:spLocks noGrp="1" noChangeArrowheads="1"/>
-          </p:cNvSpPr>
-          <p:nvPr>
-            <p:ph type="sldNum" sz="quarter" idx="5"/>
-          </p:nvPr>
-        </p:nvSpPr>
-        <p:spPr>
-          <a:noFill/>
-          <a:ln/>
-          <a:extLst>
-            <a:ext uri="{909E8E84-426E-40DD-AFC4-6F175D3DCCD1}">
-              <a14:hiddenFill xmlns:a14="http://schemas.microsoft.com/office/drawing/2010/main">
-                <a:solidFill>
-                  <a:srgbClr val="FFFFFF"/>
-                </a:solidFill>
-              </a14:hiddenFill>
-            </a:ext>
-            <a:ext uri="{91240B29-F687-4F45-9708-019B960494DF}">
-              <a14:hiddenLine xmlns:a14="http://schemas.microsoft.com/office/drawing/2010/main" w="9525">
-                <a:solidFill>
-                  <a:srgbClr val="000000"/>
-                </a:solidFill>
-                <a:miter lim="800000"/>
-                <a:headEnd/>
-                <a:tailEnd/>
-              </a14:hiddenLine>
-            </a:ext>
-          </a:extLst>
-        </p:spPr>
-        <p:txBody>
-          <a:bodyPr/>
-          <a:lstStyle>
-            <a:lvl1pPr eaLnBrk="0" hangingPunct="0">
-              <a:defRPr sz="2000">
-                <a:solidFill>
-                  <a:srgbClr val="FFFFFF"/>
-                </a:solidFill>
-                <a:latin typeface="Times New Roman" pitchFamily="1" charset="0"/>
-              </a:defRPr>
-            </a:lvl1pPr>
-            <a:lvl2pPr marL="742842" indent="-285709" eaLnBrk="0" hangingPunct="0">
-              <a:defRPr sz="2000">
-                <a:solidFill>
-                  <a:srgbClr val="FFFFFF"/>
-                </a:solidFill>
-                <a:latin typeface="Times New Roman" pitchFamily="1" charset="0"/>
-              </a:defRPr>
-            </a:lvl2pPr>
-            <a:lvl3pPr marL="1142835" indent="-228567" eaLnBrk="0" hangingPunct="0">
-              <a:defRPr sz="2000">
-                <a:solidFill>
-                  <a:srgbClr val="FFFFFF"/>
-                </a:solidFill>
-                <a:latin typeface="Times New Roman" pitchFamily="1" charset="0"/>
-              </a:defRPr>
-            </a:lvl3pPr>
-            <a:lvl4pPr marL="1599969" indent="-228567" eaLnBrk="0" hangingPunct="0">
-              <a:defRPr sz="2000">
-                <a:solidFill>
-                  <a:srgbClr val="FFFFFF"/>
-                </a:solidFill>
-                <a:latin typeface="Times New Roman" pitchFamily="1" charset="0"/>
-              </a:defRPr>
-            </a:lvl4pPr>
-            <a:lvl5pPr marL="2057103" indent="-228567" eaLnBrk="0" hangingPunct="0">
-              <a:defRPr sz="2000">
-                <a:solidFill>
-                  <a:srgbClr val="FFFFFF"/>
-                </a:solidFill>
-                <a:latin typeface="Times New Roman" pitchFamily="1" charset="0"/>
-              </a:defRPr>
-            </a:lvl5pPr>
-            <a:lvl6pPr marL="2514237" indent="-228567" eaLnBrk="0" fontAlgn="base" hangingPunct="0">
-              <a:spcBef>
-                <a:spcPct val="0"/>
-              </a:spcBef>
-              <a:spcAft>
-                <a:spcPct val="0"/>
-              </a:spcAft>
-              <a:defRPr sz="2000">
-                <a:solidFill>
-                  <a:srgbClr val="FFFFFF"/>
-                </a:solidFill>
-                <a:latin typeface="Times New Roman" pitchFamily="1" charset="0"/>
-              </a:defRPr>
-            </a:lvl6pPr>
-            <a:lvl7pPr marL="2971370" indent="-228567" eaLnBrk="0" fontAlgn="base" hangingPunct="0">
-              <a:spcBef>
-                <a:spcPct val="0"/>
-              </a:spcBef>
-              <a:spcAft>
-                <a:spcPct val="0"/>
-              </a:spcAft>
-              <a:defRPr sz="2000">
-                <a:solidFill>
-                  <a:srgbClr val="FFFFFF"/>
-                </a:solidFill>
-                <a:latin typeface="Times New Roman" pitchFamily="1" charset="0"/>
-              </a:defRPr>
-            </a:lvl7pPr>
-            <a:lvl8pPr marL="3428505" indent="-228567" eaLnBrk="0" fontAlgn="base" hangingPunct="0">
-              <a:spcBef>
-                <a:spcPct val="0"/>
-              </a:spcBef>
-              <a:spcAft>
-                <a:spcPct val="0"/>
-              </a:spcAft>
-              <a:defRPr sz="2000">
-                <a:solidFill>
-                  <a:srgbClr val="FFFFFF"/>
-                </a:solidFill>
-                <a:latin typeface="Times New Roman" pitchFamily="1" charset="0"/>
-              </a:defRPr>
-            </a:lvl8pPr>
-            <a:lvl9pPr marL="3885639" indent="-228567" eaLnBrk="0" fontAlgn="base" hangingPunct="0">
-              <a:spcBef>
-                <a:spcPct val="0"/>
-              </a:spcBef>
-              <a:spcAft>
-                <a:spcPct val="0"/>
-              </a:spcAft>
-              <a:defRPr sz="2000">
-                <a:solidFill>
-                  <a:srgbClr val="FFFFFF"/>
-                </a:solidFill>
-                <a:latin typeface="Times New Roman" pitchFamily="1" charset="0"/>
-              </a:defRPr>
-            </a:lvl9pPr>
-          </a:lstStyle>
-          <a:p>
-            <a:pPr eaLnBrk="1" hangingPunct="1"/>
-            <a:fld id="{985AC87F-51DE-4152-AFAA-3A27044D7AA9}" type="slidenum">
-              <a:rPr lang="en-US" sz="1200">
-                <a:solidFill>
-                  <a:prstClr val="black"/>
-                </a:solidFill>
-              </a:rPr>
-              <a:pPr eaLnBrk="1" hangingPunct="1"/>
-              <a:t>43</a:t>
-            </a:fld>
-            <a:endParaRPr lang="en-US" sz="1200">
-              <a:solidFill>
-                <a:prstClr val="black"/>
-              </a:solidFill>
-            </a:endParaRPr>
-          </a:p>
-        </p:txBody>
-      </p:sp>
-      <p:sp>
-        <p:nvSpPr>
-          <p:cNvPr id="51203" name="Rectangle 2"/>
-          <p:cNvSpPr>
-            <a:spLocks noGrp="1" noRot="1" noChangeAspect="1" noChangeArrowheads="1" noTextEdit="1"/>
-          </p:cNvSpPr>
-          <p:nvPr>
-            <p:ph type="sldImg"/>
-          </p:nvPr>
-        </p:nvSpPr>
-        <p:spPr>
-          <a:ln/>
-        </p:spPr>
-      </p:sp>
-      <p:sp>
-        <p:nvSpPr>
-          <p:cNvPr id="51204" name="Rectangle 3"/>
-          <p:cNvSpPr>
-            <a:spLocks noGrp="1" noChangeArrowheads="1"/>
-          </p:cNvSpPr>
-          <p:nvPr>
-            <p:ph type="body" idx="1"/>
-          </p:nvPr>
-        </p:nvSpPr>
-        <p:spPr>
-          <a:noFill/>
-          <a:ln/>
-          <a:extLst>
-            <a:ext uri="{909E8E84-426E-40DD-AFC4-6F175D3DCCD1}">
-              <a14:hiddenFill xmlns:a14="http://schemas.microsoft.com/office/drawing/2010/main">
-                <a:solidFill>
-                  <a:srgbClr val="FFFFFF"/>
-                </a:solidFill>
-              </a14:hiddenFill>
-            </a:ext>
-            <a:ext uri="{91240B29-F687-4F45-9708-019B960494DF}">
-              <a14:hiddenLine xmlns:a14="http://schemas.microsoft.com/office/drawing/2010/main" w="9525">
-                <a:solidFill>
-                  <a:srgbClr val="000000"/>
-                </a:solidFill>
-                <a:miter lim="800000"/>
-                <a:headEnd/>
-                <a:tailEnd/>
-              </a14:hiddenLine>
-            </a:ext>
-          </a:extLst>
-        </p:spPr>
-        <p:txBody>
-          <a:bodyPr/>
-          <a:lstStyle/>
-          <a:p>
-            <a:pPr eaLnBrk="1" hangingPunct="1"/>
-            <a:endParaRPr lang="en-CA">
-              <a:latin typeface="Times New Roman" pitchFamily="1" charset="0"/>
-            </a:endParaRPr>
-          </a:p>
-        </p:txBody>
-      </p:sp>
-    </p:spTree>
-    <p:extLst>
-      <p:ext uri="{BB962C8B-B14F-4D97-AF65-F5344CB8AC3E}">
-        <p14:creationId xmlns:p14="http://schemas.microsoft.com/office/powerpoint/2010/main" val="3184431621"/>
-      </p:ext>
-    </p:extLst>
-  </p:cSld>
-  <p:clrMapOvr>
-    <a:masterClrMapping/>
-  </p:clrMapOvr>
-</p:notes>
-</file>
-
-<file path=ppt/notesSlides/notesSlide22.xml><?xml version="1.0" encoding="utf-8"?>
-<p:notes xmlns:a="http://schemas.openxmlformats.org/drawingml/2006/main" xmlns:r="http://schemas.openxmlformats.org/officeDocument/2006/relationships" xmlns:p="http://schemas.openxmlformats.org/presentationml/2006/main">
-  <p:cSld>
-    <p:spTree>
-      <p:nvGrpSpPr>
-        <p:cNvPr id="1" name=""/>
-        <p:cNvGrpSpPr/>
-        <p:nvPr/>
-      </p:nvGrpSpPr>
-      <p:grpSpPr>
-        <a:xfrm>
-          <a:off x="0" y="0"/>
-          <a:ext cx="0" cy="0"/>
-          <a:chOff x="0" y="0"/>
-          <a:chExt cx="0" cy="0"/>
-        </a:xfrm>
-      </p:grpSpPr>
-      <p:sp>
-        <p:nvSpPr>
-          <p:cNvPr id="52226" name="Rectangle 7"/>
-          <p:cNvSpPr>
-            <a:spLocks noGrp="1" noChangeArrowheads="1"/>
-          </p:cNvSpPr>
-          <p:nvPr>
-            <p:ph type="sldNum" sz="quarter" idx="5"/>
-          </p:nvPr>
-        </p:nvSpPr>
-        <p:spPr>
-          <a:noFill/>
-          <a:ln/>
-          <a:extLst>
-            <a:ext uri="{909E8E84-426E-40DD-AFC4-6F175D3DCCD1}">
-              <a14:hiddenFill xmlns:a14="http://schemas.microsoft.com/office/drawing/2010/main">
-                <a:solidFill>
-                  <a:srgbClr val="FFFFFF"/>
-                </a:solidFill>
-              </a14:hiddenFill>
-            </a:ext>
-            <a:ext uri="{91240B29-F687-4F45-9708-019B960494DF}">
-              <a14:hiddenLine xmlns:a14="http://schemas.microsoft.com/office/drawing/2010/main" w="9525">
-                <a:solidFill>
-                  <a:srgbClr val="000000"/>
-                </a:solidFill>
-                <a:miter lim="800000"/>
-                <a:headEnd/>
-                <a:tailEnd/>
-              </a14:hiddenLine>
-            </a:ext>
-          </a:extLst>
-        </p:spPr>
-        <p:txBody>
-          <a:bodyPr/>
-          <a:lstStyle>
-            <a:lvl1pPr eaLnBrk="0" hangingPunct="0">
-              <a:defRPr sz="2000">
-                <a:solidFill>
-                  <a:srgbClr val="FFFFFF"/>
-                </a:solidFill>
-                <a:latin typeface="Times New Roman" pitchFamily="1" charset="0"/>
-              </a:defRPr>
-            </a:lvl1pPr>
-            <a:lvl2pPr marL="742842" indent="-285709" eaLnBrk="0" hangingPunct="0">
-              <a:defRPr sz="2000">
-                <a:solidFill>
-                  <a:srgbClr val="FFFFFF"/>
-                </a:solidFill>
-                <a:latin typeface="Times New Roman" pitchFamily="1" charset="0"/>
-              </a:defRPr>
-            </a:lvl2pPr>
-            <a:lvl3pPr marL="1142835" indent="-228567" eaLnBrk="0" hangingPunct="0">
-              <a:defRPr sz="2000">
-                <a:solidFill>
-                  <a:srgbClr val="FFFFFF"/>
-                </a:solidFill>
-                <a:latin typeface="Times New Roman" pitchFamily="1" charset="0"/>
-              </a:defRPr>
-            </a:lvl3pPr>
-            <a:lvl4pPr marL="1599969" indent="-228567" eaLnBrk="0" hangingPunct="0">
-              <a:defRPr sz="2000">
-                <a:solidFill>
-                  <a:srgbClr val="FFFFFF"/>
-                </a:solidFill>
-                <a:latin typeface="Times New Roman" pitchFamily="1" charset="0"/>
-              </a:defRPr>
-            </a:lvl4pPr>
-            <a:lvl5pPr marL="2057103" indent="-228567" eaLnBrk="0" hangingPunct="0">
-              <a:defRPr sz="2000">
-                <a:solidFill>
-                  <a:srgbClr val="FFFFFF"/>
-                </a:solidFill>
-                <a:latin typeface="Times New Roman" pitchFamily="1" charset="0"/>
-              </a:defRPr>
-            </a:lvl5pPr>
-            <a:lvl6pPr marL="2514237" indent="-228567" eaLnBrk="0" fontAlgn="base" hangingPunct="0">
-              <a:spcBef>
-                <a:spcPct val="0"/>
-              </a:spcBef>
-              <a:spcAft>
-                <a:spcPct val="0"/>
-              </a:spcAft>
-              <a:defRPr sz="2000">
-                <a:solidFill>
-                  <a:srgbClr val="FFFFFF"/>
-                </a:solidFill>
-                <a:latin typeface="Times New Roman" pitchFamily="1" charset="0"/>
-              </a:defRPr>
-            </a:lvl6pPr>
-            <a:lvl7pPr marL="2971370" indent="-228567" eaLnBrk="0" fontAlgn="base" hangingPunct="0">
-              <a:spcBef>
-                <a:spcPct val="0"/>
-              </a:spcBef>
-              <a:spcAft>
-                <a:spcPct val="0"/>
-              </a:spcAft>
-              <a:defRPr sz="2000">
-                <a:solidFill>
-                  <a:srgbClr val="FFFFFF"/>
-                </a:solidFill>
-                <a:latin typeface="Times New Roman" pitchFamily="1" charset="0"/>
-              </a:defRPr>
-            </a:lvl7pPr>
-            <a:lvl8pPr marL="3428505" indent="-228567" eaLnBrk="0" fontAlgn="base" hangingPunct="0">
-              <a:spcBef>
-                <a:spcPct val="0"/>
-              </a:spcBef>
-              <a:spcAft>
-                <a:spcPct val="0"/>
-              </a:spcAft>
-              <a:defRPr sz="2000">
-                <a:solidFill>
-                  <a:srgbClr val="FFFFFF"/>
-                </a:solidFill>
-                <a:latin typeface="Times New Roman" pitchFamily="1" charset="0"/>
-              </a:defRPr>
-            </a:lvl8pPr>
-            <a:lvl9pPr marL="3885639" indent="-228567" eaLnBrk="0" fontAlgn="base" hangingPunct="0">
-              <a:spcBef>
-                <a:spcPct val="0"/>
-              </a:spcBef>
-              <a:spcAft>
-                <a:spcPct val="0"/>
-              </a:spcAft>
-              <a:defRPr sz="2000">
-                <a:solidFill>
-                  <a:srgbClr val="FFFFFF"/>
-                </a:solidFill>
-                <a:latin typeface="Times New Roman" pitchFamily="1" charset="0"/>
-              </a:defRPr>
-            </a:lvl9pPr>
-          </a:lstStyle>
-          <a:p>
-            <a:pPr eaLnBrk="1" hangingPunct="1"/>
-            <a:fld id="{2803DC45-9E8C-4B0F-A1D1-F22F3E1B8343}" type="slidenum">
-              <a:rPr lang="en-US" sz="1200">
-                <a:solidFill>
-                  <a:prstClr val="black"/>
-                </a:solidFill>
-              </a:rPr>
-              <a:pPr eaLnBrk="1" hangingPunct="1"/>
-              <a:t>44</a:t>
-            </a:fld>
-            <a:endParaRPr lang="en-US" sz="1200">
-              <a:solidFill>
-                <a:prstClr val="black"/>
-              </a:solidFill>
-            </a:endParaRPr>
-          </a:p>
-        </p:txBody>
-      </p:sp>
-      <p:sp>
-        <p:nvSpPr>
-          <p:cNvPr id="52227" name="Rectangle 2"/>
-          <p:cNvSpPr>
-            <a:spLocks noGrp="1" noRot="1" noChangeAspect="1" noChangeArrowheads="1" noTextEdit="1"/>
-          </p:cNvSpPr>
-          <p:nvPr>
-            <p:ph type="sldImg"/>
-          </p:nvPr>
-        </p:nvSpPr>
-        <p:spPr>
-          <a:ln/>
-        </p:spPr>
-      </p:sp>
-      <p:sp>
-        <p:nvSpPr>
-          <p:cNvPr id="52228" name="Rectangle 3"/>
-          <p:cNvSpPr>
-            <a:spLocks noGrp="1" noChangeArrowheads="1"/>
-          </p:cNvSpPr>
-          <p:nvPr>
-            <p:ph type="body" idx="1"/>
-          </p:nvPr>
-        </p:nvSpPr>
-        <p:spPr>
-          <a:noFill/>
-          <a:ln/>
-          <a:extLst>
-            <a:ext uri="{909E8E84-426E-40DD-AFC4-6F175D3DCCD1}">
-              <a14:hiddenFill xmlns:a14="http://schemas.microsoft.com/office/drawing/2010/main">
-                <a:solidFill>
-                  <a:srgbClr val="FFFFFF"/>
-                </a:solidFill>
-              </a14:hiddenFill>
-            </a:ext>
-            <a:ext uri="{91240B29-F687-4F45-9708-019B960494DF}">
-              <a14:hiddenLine xmlns:a14="http://schemas.microsoft.com/office/drawing/2010/main" w="9525">
-                <a:solidFill>
-                  <a:srgbClr val="000000"/>
-                </a:solidFill>
-                <a:miter lim="800000"/>
-                <a:headEnd/>
-                <a:tailEnd/>
-              </a14:hiddenLine>
-            </a:ext>
-          </a:extLst>
-        </p:spPr>
-        <p:txBody>
-          <a:bodyPr/>
-          <a:lstStyle/>
-          <a:p>
-            <a:pPr eaLnBrk="1" hangingPunct="1"/>
-            <a:endParaRPr lang="en-CA">
-              <a:latin typeface="Times New Roman" pitchFamily="1" charset="0"/>
-            </a:endParaRPr>
-          </a:p>
-        </p:txBody>
-      </p:sp>
-    </p:spTree>
-    <p:extLst>
-      <p:ext uri="{BB962C8B-B14F-4D97-AF65-F5344CB8AC3E}">
-        <p14:creationId xmlns:p14="http://schemas.microsoft.com/office/powerpoint/2010/main" val="1085505073"/>
       </p:ext>
     </p:extLst>
   </p:cSld>
@@ -15107,7 +14375,7 @@
       </p:grpSpPr>
       <p:sp>
         <p:nvSpPr>
-          <p:cNvPr id="44034" name="Rectangle 7"/>
+          <p:cNvPr id="49154" name="Rectangle 7"/>
           <p:cNvSpPr>
             <a:spLocks noGrp="1" noChangeArrowheads="1"/>
           </p:cNvSpPr>
@@ -15240,14 +14508,14 @@
           </a:lstStyle>
           <a:p>
             <a:pPr eaLnBrk="1" hangingPunct="1"/>
-            <a:fld id="{6A3812DA-5F7D-421C-8694-383C1FF75297}" type="slidenum">
+            <a:fld id="{3E6FA07E-80FF-4D42-89CE-C9B89773F456}" type="slidenum">
               <a:rPr lang="en-US" sz="1200">
                 <a:solidFill>
                   <a:prstClr val="black"/>
                 </a:solidFill>
               </a:rPr>
               <a:pPr eaLnBrk="1" hangingPunct="1"/>
-              <a:t>15</a:t>
+              <a:t>18</a:t>
             </a:fld>
             <a:endParaRPr lang="en-US" sz="1200">
               <a:solidFill>
@@ -15259,7 +14527,7 @@
       </p:sp>
       <p:sp>
         <p:nvSpPr>
-          <p:cNvPr id="44035" name="Rectangle 2"/>
+          <p:cNvPr id="49155" name="Rectangle 2"/>
           <p:cNvSpPr>
             <a:spLocks noGrp="1" noRot="1" noChangeAspect="1" noChangeArrowheads="1" noTextEdit="1"/>
           </p:cNvSpPr>
@@ -15273,7 +14541,7 @@
       </p:sp>
       <p:sp>
         <p:nvSpPr>
-          <p:cNvPr id="44036" name="Rectangle 3"/>
+          <p:cNvPr id="49156" name="Rectangle 3"/>
           <p:cNvSpPr>
             <a:spLocks noGrp="1" noChangeArrowheads="1"/>
           </p:cNvSpPr>
@@ -15318,7 +14586,7 @@
     </p:spTree>
     <p:extLst>
       <p:ext uri="{BB962C8B-B14F-4D97-AF65-F5344CB8AC3E}">
-        <p14:creationId xmlns:p14="http://schemas.microsoft.com/office/powerpoint/2010/main" val="3032753412"/>
+        <p14:creationId xmlns:p14="http://schemas.microsoft.com/office/powerpoint/2010/main" val="3714659584"/>
       </p:ext>
     </p:extLst>
   </p:cSld>
@@ -15487,7 +14755,7 @@
                 </a:solidFill>
               </a:rPr>
               <a:pPr eaLnBrk="1" hangingPunct="1"/>
-              <a:t>19</a:t>
+              <a:t>20</a:t>
             </a:fld>
             <a:endParaRPr lang="en-US" sz="1200">
               <a:solidFill>
@@ -15558,7 +14826,7 @@
     </p:spTree>
     <p:extLst>
       <p:ext uri="{BB962C8B-B14F-4D97-AF65-F5344CB8AC3E}">
-        <p14:creationId xmlns:p14="http://schemas.microsoft.com/office/powerpoint/2010/main" val="3714659584"/>
+        <p14:creationId xmlns:p14="http://schemas.microsoft.com/office/powerpoint/2010/main" val="1882032255"/>
       </p:ext>
     </p:extLst>
   </p:cSld>
@@ -15717,7 +14985,7 @@
           <a:p>
             <a:fld id="{2661A00B-007A-4326-8859-8C83DD4C6E5D}" type="datetimeFigureOut">
               <a:rPr lang="nl-BE" smtClean="0"/>
-              <a:t>21/02/2019</a:t>
+              <a:t>11/11/2019</a:t>
             </a:fld>
             <a:endParaRPr lang="nl-BE"/>
           </a:p>
@@ -15917,7 +15185,7 @@
           <a:p>
             <a:fld id="{2661A00B-007A-4326-8859-8C83DD4C6E5D}" type="datetimeFigureOut">
               <a:rPr lang="nl-BE" smtClean="0"/>
-              <a:t>21/02/2019</a:t>
+              <a:t>11/11/2019</a:t>
             </a:fld>
             <a:endParaRPr lang="nl-BE"/>
           </a:p>
@@ -16127,7 +15395,7 @@
           <a:p>
             <a:fld id="{2661A00B-007A-4326-8859-8C83DD4C6E5D}" type="datetimeFigureOut">
               <a:rPr lang="nl-BE" smtClean="0"/>
-              <a:t>21/02/2019</a:t>
+              <a:t>11/11/2019</a:t>
             </a:fld>
             <a:endParaRPr lang="nl-BE"/>
           </a:p>
@@ -16327,7 +15595,7 @@
           <a:p>
             <a:fld id="{2661A00B-007A-4326-8859-8C83DD4C6E5D}" type="datetimeFigureOut">
               <a:rPr lang="nl-BE" smtClean="0"/>
-              <a:t>21/02/2019</a:t>
+              <a:t>11/11/2019</a:t>
             </a:fld>
             <a:endParaRPr lang="nl-BE"/>
           </a:p>
@@ -16603,7 +15871,7 @@
           <a:p>
             <a:fld id="{2661A00B-007A-4326-8859-8C83DD4C6E5D}" type="datetimeFigureOut">
               <a:rPr lang="nl-BE" smtClean="0"/>
-              <a:t>21/02/2019</a:t>
+              <a:t>11/11/2019</a:t>
             </a:fld>
             <a:endParaRPr lang="nl-BE"/>
           </a:p>
@@ -16871,7 +16139,7 @@
           <a:p>
             <a:fld id="{2661A00B-007A-4326-8859-8C83DD4C6E5D}" type="datetimeFigureOut">
               <a:rPr lang="nl-BE" smtClean="0"/>
-              <a:t>21/02/2019</a:t>
+              <a:t>11/11/2019</a:t>
             </a:fld>
             <a:endParaRPr lang="nl-BE"/>
           </a:p>
@@ -17286,7 +16554,7 @@
           <a:p>
             <a:fld id="{2661A00B-007A-4326-8859-8C83DD4C6E5D}" type="datetimeFigureOut">
               <a:rPr lang="nl-BE" smtClean="0"/>
-              <a:t>21/02/2019</a:t>
+              <a:t>11/11/2019</a:t>
             </a:fld>
             <a:endParaRPr lang="nl-BE"/>
           </a:p>
@@ -17428,7 +16696,7 @@
           <a:p>
             <a:fld id="{2661A00B-007A-4326-8859-8C83DD4C6E5D}" type="datetimeFigureOut">
               <a:rPr lang="nl-BE" smtClean="0"/>
-              <a:t>21/02/2019</a:t>
+              <a:t>11/11/2019</a:t>
             </a:fld>
             <a:endParaRPr lang="nl-BE"/>
           </a:p>
@@ -17541,7 +16809,7 @@
           <a:p>
             <a:fld id="{2661A00B-007A-4326-8859-8C83DD4C6E5D}" type="datetimeFigureOut">
               <a:rPr lang="nl-BE" smtClean="0"/>
-              <a:t>21/02/2019</a:t>
+              <a:t>11/11/2019</a:t>
             </a:fld>
             <a:endParaRPr lang="nl-BE"/>
           </a:p>
@@ -17854,7 +17122,7 @@
           <a:p>
             <a:fld id="{2661A00B-007A-4326-8859-8C83DD4C6E5D}" type="datetimeFigureOut">
               <a:rPr lang="nl-BE" smtClean="0"/>
-              <a:t>21/02/2019</a:t>
+              <a:t>11/11/2019</a:t>
             </a:fld>
             <a:endParaRPr lang="nl-BE"/>
           </a:p>
@@ -18143,7 +17411,7 @@
           <a:p>
             <a:fld id="{2661A00B-007A-4326-8859-8C83DD4C6E5D}" type="datetimeFigureOut">
               <a:rPr lang="nl-BE" smtClean="0"/>
-              <a:t>21/02/2019</a:t>
+              <a:t>11/11/2019</a:t>
             </a:fld>
             <a:endParaRPr lang="nl-BE"/>
           </a:p>
@@ -18386,7 +17654,7 @@
           <a:p>
             <a:fld id="{2661A00B-007A-4326-8859-8C83DD4C6E5D}" type="datetimeFigureOut">
               <a:rPr lang="nl-BE" smtClean="0"/>
-              <a:t>21/02/2019</a:t>
+              <a:t>11/11/2019</a:t>
             </a:fld>
             <a:endParaRPr lang="nl-BE"/>
           </a:p>
@@ -20869,122 +20137,6 @@
       </p:grpSpPr>
       <p:sp>
         <p:nvSpPr>
-          <p:cNvPr id="13316" name="Rectangle 2"/>
-          <p:cNvSpPr>
-            <a:spLocks noGrp="1" noChangeArrowheads="1"/>
-          </p:cNvSpPr>
-          <p:nvPr>
-            <p:ph type="title"/>
-          </p:nvPr>
-        </p:nvSpPr>
-        <p:spPr>
-          <a:xfrm>
-            <a:off x="2057400" y="228600"/>
-            <a:ext cx="8077200" cy="1143000"/>
-          </a:xfrm>
-        </p:spPr>
-        <p:txBody>
-          <a:bodyPr/>
-          <a:lstStyle/>
-          <a:p>
-            <a:pPr eaLnBrk="1" hangingPunct="1"/>
-            <a:r>
-              <a:rPr lang="en-US" dirty="0" err="1"/>
-              <a:t>Voorbeeld</a:t>
-            </a:r>
-            <a:r>
-              <a:rPr lang="en-US" dirty="0"/>
-              <a:t> indefinite loop</a:t>
-            </a:r>
-          </a:p>
-        </p:txBody>
-      </p:sp>
-      <p:pic>
-        <p:nvPicPr>
-          <p:cNvPr id="13317" name="Picture 6"/>
-          <p:cNvPicPr>
-            <a:picLocks noChangeAspect="1" noChangeArrowheads="1"/>
-          </p:cNvPicPr>
-          <p:nvPr/>
-        </p:nvPicPr>
-        <p:blipFill>
-          <a:blip r:embed="rId3">
-            <a:extLst>
-              <a:ext uri="{28A0092B-C50C-407E-A947-70E740481C1C}">
-                <a14:useLocalDpi xmlns:a14="http://schemas.microsoft.com/office/drawing/2010/main" val="0"/>
-              </a:ext>
-            </a:extLst>
-          </a:blip>
-          <a:srcRect/>
-          <a:stretch>
-            <a:fillRect/>
-          </a:stretch>
-        </p:blipFill>
-        <p:spPr bwMode="auto">
-          <a:xfrm>
-            <a:off x="2438400" y="1163638"/>
-            <a:ext cx="7315200" cy="5084762"/>
-          </a:xfrm>
-          <a:prstGeom prst="rect">
-            <a:avLst/>
-          </a:prstGeom>
-          <a:noFill/>
-          <a:ln>
-            <a:noFill/>
-          </a:ln>
-          <a:extLst>
-            <a:ext uri="{909E8E84-426E-40DD-AFC4-6F175D3DCCD1}">
-              <a14:hiddenFill xmlns:a14="http://schemas.microsoft.com/office/drawing/2010/main">
-                <a:solidFill>
-                  <a:srgbClr val="FFFFFF"/>
-                </a:solidFill>
-              </a14:hiddenFill>
-            </a:ext>
-            <a:ext uri="{91240B29-F687-4F45-9708-019B960494DF}">
-              <a14:hiddenLine xmlns:a14="http://schemas.microsoft.com/office/drawing/2010/main" w="9525">
-                <a:solidFill>
-                  <a:srgbClr val="000000"/>
-                </a:solidFill>
-                <a:miter lim="800000"/>
-                <a:headEnd/>
-                <a:tailEnd/>
-              </a14:hiddenLine>
-            </a:ext>
-          </a:extLst>
-        </p:spPr>
-      </p:pic>
-    </p:spTree>
-    <p:extLst>
-      <p:ext uri="{BB962C8B-B14F-4D97-AF65-F5344CB8AC3E}">
-        <p14:creationId xmlns:p14="http://schemas.microsoft.com/office/powerpoint/2010/main" val="2546225356"/>
-      </p:ext>
-    </p:extLst>
-  </p:cSld>
-  <p:clrMapOvr>
-    <a:masterClrMapping/>
-  </p:clrMapOvr>
-</p:sld>
-</file>
-
-<file path=ppt/slides/slide16.xml><?xml version="1.0" encoding="utf-8"?>
-<p:sld xmlns:a="http://schemas.openxmlformats.org/drawingml/2006/main" xmlns:r="http://schemas.openxmlformats.org/officeDocument/2006/relationships" xmlns:p="http://schemas.openxmlformats.org/presentationml/2006/main">
-  <p:cSld>
-    <p:spTree>
-      <p:nvGrpSpPr>
-        <p:cNvPr id="1" name=""/>
-        <p:cNvGrpSpPr/>
-        <p:nvPr/>
-      </p:nvGrpSpPr>
-      <p:grpSpPr>
-        <a:xfrm>
-          <a:off x="0" y="0"/>
-          <a:ext cx="0" cy="0"/>
-          <a:chOff x="0" y="0"/>
-          <a:chExt cx="0" cy="0"/>
-        </a:xfrm>
-      </p:grpSpPr>
-      <p:sp>
-        <p:nvSpPr>
           <p:cNvPr id="2" name="Titel 1"/>
           <p:cNvSpPr>
             <a:spLocks noGrp="1"/>
@@ -21112,7 +20264,7 @@
 </p:sld>
 </file>
 
-<file path=ppt/slides/slide17.xml><?xml version="1.0" encoding="utf-8"?>
+<file path=ppt/slides/slide16.xml><?xml version="1.0" encoding="utf-8"?>
 <p:sld xmlns:a="http://schemas.openxmlformats.org/drawingml/2006/main" xmlns:r="http://schemas.openxmlformats.org/officeDocument/2006/relationships" xmlns:p="http://schemas.openxmlformats.org/presentationml/2006/main">
   <p:cSld>
     <p:bg>
@@ -21393,7 +20545,7 @@
 </p:sld>
 </file>
 
-<file path=ppt/slides/slide18.xml><?xml version="1.0" encoding="utf-8"?>
+<file path=ppt/slides/slide17.xml><?xml version="1.0" encoding="utf-8"?>
 <p:sld xmlns:a="http://schemas.openxmlformats.org/drawingml/2006/main" xmlns:r="http://schemas.openxmlformats.org/officeDocument/2006/relationships" xmlns:p="http://schemas.openxmlformats.org/presentationml/2006/main">
   <p:cSld>
     <p:bg>
@@ -21976,7 +21128,7 @@
 </p:sld>
 </file>
 
-<file path=ppt/slides/slide19.xml><?xml version="1.0" encoding="utf-8"?>
+<file path=ppt/slides/slide18.xml><?xml version="1.0" encoding="utf-8"?>
 <p:sld xmlns:a="http://schemas.openxmlformats.org/drawingml/2006/main" xmlns:r="http://schemas.openxmlformats.org/officeDocument/2006/relationships" xmlns:p="http://schemas.openxmlformats.org/presentationml/2006/main">
   <p:cSld>
     <p:bg>
@@ -22223,169 +21375,7 @@
 </p:sld>
 </file>
 
-<file path=ppt/slides/slide2.xml><?xml version="1.0" encoding="utf-8"?>
-<p:sld xmlns:a="http://schemas.openxmlformats.org/drawingml/2006/main" xmlns:r="http://schemas.openxmlformats.org/officeDocument/2006/relationships" xmlns:p="http://schemas.openxmlformats.org/presentationml/2006/main">
-  <p:cSld>
-    <p:spTree>
-      <p:nvGrpSpPr>
-        <p:cNvPr id="1" name=""/>
-        <p:cNvGrpSpPr/>
-        <p:nvPr/>
-      </p:nvGrpSpPr>
-      <p:grpSpPr>
-        <a:xfrm>
-          <a:off x="0" y="0"/>
-          <a:ext cx="0" cy="0"/>
-          <a:chOff x="0" y="0"/>
-          <a:chExt cx="0" cy="0"/>
-        </a:xfrm>
-      </p:grpSpPr>
-      <p:sp>
-        <p:nvSpPr>
-          <p:cNvPr id="2" name="Titel 1">
-            <a:extLst>
-              <a:ext uri="{FF2B5EF4-FFF2-40B4-BE49-F238E27FC236}">
-                <a16:creationId xmlns:a16="http://schemas.microsoft.com/office/drawing/2014/main" id="{C85E4D58-B128-4BFB-88F8-66FA5BAE2CD3}"/>
-              </a:ext>
-            </a:extLst>
-          </p:cNvPr>
-          <p:cNvSpPr>
-            <a:spLocks noGrp="1"/>
-          </p:cNvSpPr>
-          <p:nvPr>
-            <p:ph type="title"/>
-          </p:nvPr>
-        </p:nvSpPr>
-        <p:spPr/>
-        <p:txBody>
-          <a:bodyPr/>
-          <a:lstStyle/>
-          <a:p>
-            <a:r>
-              <a:rPr lang="nl-BE" dirty="0"/>
-              <a:t>Program flow</a:t>
-            </a:r>
-          </a:p>
-        </p:txBody>
-      </p:sp>
-      <p:sp>
-        <p:nvSpPr>
-          <p:cNvPr id="3" name="Tijdelijke aanduiding voor inhoud 2">
-            <a:extLst>
-              <a:ext uri="{FF2B5EF4-FFF2-40B4-BE49-F238E27FC236}">
-                <a16:creationId xmlns:a16="http://schemas.microsoft.com/office/drawing/2014/main" id="{B79D9470-41AD-4918-8D94-73E6A0D7E5AD}"/>
-              </a:ext>
-            </a:extLst>
-          </p:cNvPr>
-          <p:cNvSpPr>
-            <a:spLocks noGrp="1"/>
-          </p:cNvSpPr>
-          <p:nvPr>
-            <p:ph idx="1"/>
-          </p:nvPr>
-        </p:nvSpPr>
-        <p:spPr/>
-        <p:txBody>
-          <a:bodyPr/>
-          <a:lstStyle/>
-          <a:p>
-            <a:r>
-              <a:rPr lang="nl-BE" dirty="0"/>
-              <a:t>Na </a:t>
-            </a:r>
-            <a:r>
-              <a:rPr lang="nl-BE" b="1" dirty="0"/>
-              <a:t>‘straight line’ </a:t>
-            </a:r>
-            <a:r>
-              <a:rPr lang="nl-BE" dirty="0"/>
-              <a:t>en </a:t>
-            </a:r>
-            <a:r>
-              <a:rPr lang="nl-BE" b="1" dirty="0"/>
-              <a:t>‘</a:t>
-            </a:r>
-            <a:r>
-              <a:rPr lang="nl-BE" b="1" dirty="0" err="1"/>
-              <a:t>branching</a:t>
-            </a:r>
-            <a:r>
-              <a:rPr lang="nl-BE" b="1" dirty="0"/>
-              <a:t>/beslissingen’</a:t>
-            </a:r>
-            <a:r>
-              <a:rPr lang="nl-BE" dirty="0"/>
-              <a:t> nu ook </a:t>
-            </a:r>
-            <a:r>
-              <a:rPr lang="nl-BE" b="1" dirty="0"/>
-              <a:t>‘herhalingen’</a:t>
-            </a:r>
-            <a:endParaRPr lang="nl-BE" dirty="0"/>
-          </a:p>
-        </p:txBody>
-      </p:sp>
-      <p:pic>
-        <p:nvPicPr>
-          <p:cNvPr id="5122" name="Picture 2" descr="Image result for flow charts with loop funny">
-            <a:extLst>
-              <a:ext uri="{FF2B5EF4-FFF2-40B4-BE49-F238E27FC236}">
-                <a16:creationId xmlns:a16="http://schemas.microsoft.com/office/drawing/2014/main" id="{BCCEF150-FFCF-4E93-9894-7C5C610867E6}"/>
-              </a:ext>
-            </a:extLst>
-          </p:cNvPr>
-          <p:cNvPicPr>
-            <a:picLocks noChangeAspect="1" noChangeArrowheads="1"/>
-          </p:cNvPicPr>
-          <p:nvPr/>
-        </p:nvPicPr>
-        <p:blipFill>
-          <a:blip r:embed="rId2">
-            <a:extLst>
-              <a:ext uri="{28A0092B-C50C-407E-A947-70E740481C1C}">
-                <a14:useLocalDpi xmlns:a14="http://schemas.microsoft.com/office/drawing/2010/main" val="0"/>
-              </a:ext>
-            </a:extLst>
-          </a:blip>
-          <a:srcRect/>
-          <a:stretch>
-            <a:fillRect/>
-          </a:stretch>
-        </p:blipFill>
-        <p:spPr bwMode="auto">
-          <a:xfrm>
-            <a:off x="4706149" y="2571580"/>
-            <a:ext cx="3457575" cy="4114800"/>
-          </a:xfrm>
-          <a:prstGeom prst="rect">
-            <a:avLst/>
-          </a:prstGeom>
-          <a:noFill/>
-          <a:extLst>
-            <a:ext uri="{909E8E84-426E-40DD-AFC4-6F175D3DCCD1}">
-              <a14:hiddenFill xmlns:a14="http://schemas.microsoft.com/office/drawing/2010/main">
-                <a:solidFill>
-                  <a:srgbClr val="FFFFFF"/>
-                </a:solidFill>
-              </a14:hiddenFill>
-            </a:ext>
-          </a:extLst>
-        </p:spPr>
-      </p:pic>
-    </p:spTree>
-    <p:extLst>
-      <p:ext uri="{BB962C8B-B14F-4D97-AF65-F5344CB8AC3E}">
-        <p14:creationId xmlns:p14="http://schemas.microsoft.com/office/powerpoint/2010/main" val="2541441333"/>
-      </p:ext>
-    </p:extLst>
-  </p:cSld>
-  <p:clrMapOvr>
-    <a:masterClrMapping/>
-  </p:clrMapOvr>
-</p:sld>
-</file>
-
-<file path=ppt/slides/slide20.xml><?xml version="1.0" encoding="utf-8"?>
+<file path=ppt/slides/slide19.xml><?xml version="1.0" encoding="utf-8"?>
 <p:sld xmlns:a="http://schemas.openxmlformats.org/drawingml/2006/main" xmlns:r="http://schemas.openxmlformats.org/officeDocument/2006/relationships" xmlns:p="http://schemas.openxmlformats.org/presentationml/2006/main">
   <p:cSld>
     <p:spTree>
@@ -22843,7 +21833,169 @@
 </p:sld>
 </file>
 
-<file path=ppt/slides/slide21.xml><?xml version="1.0" encoding="utf-8"?>
+<file path=ppt/slides/slide2.xml><?xml version="1.0" encoding="utf-8"?>
+<p:sld xmlns:a="http://schemas.openxmlformats.org/drawingml/2006/main" xmlns:r="http://schemas.openxmlformats.org/officeDocument/2006/relationships" xmlns:p="http://schemas.openxmlformats.org/presentationml/2006/main">
+  <p:cSld>
+    <p:spTree>
+      <p:nvGrpSpPr>
+        <p:cNvPr id="1" name=""/>
+        <p:cNvGrpSpPr/>
+        <p:nvPr/>
+      </p:nvGrpSpPr>
+      <p:grpSpPr>
+        <a:xfrm>
+          <a:off x="0" y="0"/>
+          <a:ext cx="0" cy="0"/>
+          <a:chOff x="0" y="0"/>
+          <a:chExt cx="0" cy="0"/>
+        </a:xfrm>
+      </p:grpSpPr>
+      <p:sp>
+        <p:nvSpPr>
+          <p:cNvPr id="2" name="Titel 1">
+            <a:extLst>
+              <a:ext uri="{FF2B5EF4-FFF2-40B4-BE49-F238E27FC236}">
+                <a16:creationId xmlns:a16="http://schemas.microsoft.com/office/drawing/2014/main" id="{C85E4D58-B128-4BFB-88F8-66FA5BAE2CD3}"/>
+              </a:ext>
+            </a:extLst>
+          </p:cNvPr>
+          <p:cNvSpPr>
+            <a:spLocks noGrp="1"/>
+          </p:cNvSpPr>
+          <p:nvPr>
+            <p:ph type="title"/>
+          </p:nvPr>
+        </p:nvSpPr>
+        <p:spPr/>
+        <p:txBody>
+          <a:bodyPr/>
+          <a:lstStyle/>
+          <a:p>
+            <a:r>
+              <a:rPr lang="nl-BE" dirty="0"/>
+              <a:t>Program flow</a:t>
+            </a:r>
+          </a:p>
+        </p:txBody>
+      </p:sp>
+      <p:sp>
+        <p:nvSpPr>
+          <p:cNvPr id="3" name="Tijdelijke aanduiding voor inhoud 2">
+            <a:extLst>
+              <a:ext uri="{FF2B5EF4-FFF2-40B4-BE49-F238E27FC236}">
+                <a16:creationId xmlns:a16="http://schemas.microsoft.com/office/drawing/2014/main" id="{B79D9470-41AD-4918-8D94-73E6A0D7E5AD}"/>
+              </a:ext>
+            </a:extLst>
+          </p:cNvPr>
+          <p:cNvSpPr>
+            <a:spLocks noGrp="1"/>
+          </p:cNvSpPr>
+          <p:nvPr>
+            <p:ph idx="1"/>
+          </p:nvPr>
+        </p:nvSpPr>
+        <p:spPr/>
+        <p:txBody>
+          <a:bodyPr/>
+          <a:lstStyle/>
+          <a:p>
+            <a:r>
+              <a:rPr lang="nl-BE" dirty="0"/>
+              <a:t>Na </a:t>
+            </a:r>
+            <a:r>
+              <a:rPr lang="nl-BE" b="1" dirty="0"/>
+              <a:t>‘straight line’ </a:t>
+            </a:r>
+            <a:r>
+              <a:rPr lang="nl-BE" dirty="0"/>
+              <a:t>en </a:t>
+            </a:r>
+            <a:r>
+              <a:rPr lang="nl-BE" b="1" dirty="0"/>
+              <a:t>‘</a:t>
+            </a:r>
+            <a:r>
+              <a:rPr lang="nl-BE" b="1" dirty="0" err="1"/>
+              <a:t>branching</a:t>
+            </a:r>
+            <a:r>
+              <a:rPr lang="nl-BE" b="1" dirty="0"/>
+              <a:t>/beslissingen’</a:t>
+            </a:r>
+            <a:r>
+              <a:rPr lang="nl-BE" dirty="0"/>
+              <a:t> nu ook </a:t>
+            </a:r>
+            <a:r>
+              <a:rPr lang="nl-BE" b="1" dirty="0"/>
+              <a:t>‘herhalingen’</a:t>
+            </a:r>
+            <a:endParaRPr lang="nl-BE" dirty="0"/>
+          </a:p>
+        </p:txBody>
+      </p:sp>
+      <p:pic>
+        <p:nvPicPr>
+          <p:cNvPr id="5122" name="Picture 2" descr="Image result for flow charts with loop funny">
+            <a:extLst>
+              <a:ext uri="{FF2B5EF4-FFF2-40B4-BE49-F238E27FC236}">
+                <a16:creationId xmlns:a16="http://schemas.microsoft.com/office/drawing/2014/main" id="{BCCEF150-FFCF-4E93-9894-7C5C610867E6}"/>
+              </a:ext>
+            </a:extLst>
+          </p:cNvPr>
+          <p:cNvPicPr>
+            <a:picLocks noChangeAspect="1" noChangeArrowheads="1"/>
+          </p:cNvPicPr>
+          <p:nvPr/>
+        </p:nvPicPr>
+        <p:blipFill>
+          <a:blip r:embed="rId2">
+            <a:extLst>
+              <a:ext uri="{28A0092B-C50C-407E-A947-70E740481C1C}">
+                <a14:useLocalDpi xmlns:a14="http://schemas.microsoft.com/office/drawing/2010/main" val="0"/>
+              </a:ext>
+            </a:extLst>
+          </a:blip>
+          <a:srcRect/>
+          <a:stretch>
+            <a:fillRect/>
+          </a:stretch>
+        </p:blipFill>
+        <p:spPr bwMode="auto">
+          <a:xfrm>
+            <a:off x="4706149" y="2571580"/>
+            <a:ext cx="3457575" cy="4114800"/>
+          </a:xfrm>
+          <a:prstGeom prst="rect">
+            <a:avLst/>
+          </a:prstGeom>
+          <a:noFill/>
+          <a:extLst>
+            <a:ext uri="{909E8E84-426E-40DD-AFC4-6F175D3DCCD1}">
+              <a14:hiddenFill xmlns:a14="http://schemas.microsoft.com/office/drawing/2010/main">
+                <a:solidFill>
+                  <a:srgbClr val="FFFFFF"/>
+                </a:solidFill>
+              </a14:hiddenFill>
+            </a:ext>
+          </a:extLst>
+        </p:spPr>
+      </p:pic>
+    </p:spTree>
+    <p:extLst>
+      <p:ext uri="{BB962C8B-B14F-4D97-AF65-F5344CB8AC3E}">
+        <p14:creationId xmlns:p14="http://schemas.microsoft.com/office/powerpoint/2010/main" val="2541441333"/>
+      </p:ext>
+    </p:extLst>
+  </p:cSld>
+  <p:clrMapOvr>
+    <a:masterClrMapping/>
+  </p:clrMapOvr>
+</p:sld>
+</file>
+
+<file path=ppt/slides/slide20.xml><?xml version="1.0" encoding="utf-8"?>
 <p:sld xmlns:a="http://schemas.openxmlformats.org/drawingml/2006/main" xmlns:r="http://schemas.openxmlformats.org/officeDocument/2006/relationships" xmlns:p="http://schemas.openxmlformats.org/presentationml/2006/main">
   <p:cSld>
     <p:spTree>
@@ -23075,7 +22227,7 @@
 </p:sld>
 </file>
 
-<file path=ppt/slides/slide22.xml><?xml version="1.0" encoding="utf-8"?>
+<file path=ppt/slides/slide21.xml><?xml version="1.0" encoding="utf-8"?>
 <p:sld xmlns:a="http://schemas.openxmlformats.org/drawingml/2006/main" xmlns:r="http://schemas.openxmlformats.org/officeDocument/2006/relationships" xmlns:p="http://schemas.openxmlformats.org/presentationml/2006/main">
   <p:cSld>
     <p:bg>
@@ -23271,7 +22423,7 @@
 </p:sld>
 </file>
 
-<file path=ppt/slides/slide23.xml><?xml version="1.0" encoding="utf-8"?>
+<file path=ppt/slides/slide22.xml><?xml version="1.0" encoding="utf-8"?>
 <p:sld xmlns:a="http://schemas.openxmlformats.org/drawingml/2006/main" xmlns:r="http://schemas.openxmlformats.org/officeDocument/2006/relationships" xmlns:p="http://schemas.openxmlformats.org/presentationml/2006/main">
   <p:cSld>
     <p:spTree>
@@ -23290,64 +22442,7 @@
       </p:grpSpPr>
       <p:sp>
         <p:nvSpPr>
-          <p:cNvPr id="5" name="Slide Number Placeholder 4"/>
-          <p:cNvSpPr>
-            <a:spLocks noGrp="1"/>
-          </p:cNvSpPr>
-          <p:nvPr>
-            <p:ph type="sldNum" sz="quarter" idx="4294967295"/>
-          </p:nvPr>
-        </p:nvSpPr>
-        <p:spPr>
-          <a:xfrm>
-            <a:off x="8077200" y="6324600"/>
-            <a:ext cx="2057400" cy="381000"/>
-          </a:xfrm>
-          <a:prstGeom prst="rect">
-            <a:avLst/>
-          </a:prstGeom>
-        </p:spPr>
-        <p:txBody>
-          <a:bodyPr/>
-          <a:lstStyle/>
-          <a:p>
-            <a:pPr eaLnBrk="0" fontAlgn="base" hangingPunct="0">
-              <a:spcBef>
-                <a:spcPct val="0"/>
-              </a:spcBef>
-              <a:spcAft>
-                <a:spcPct val="0"/>
-              </a:spcAft>
-              <a:defRPr/>
-            </a:pPr>
-            <a:fld id="{14C5E397-28F0-41AD-A6BC-728AA34F6088}" type="slidenum">
-              <a:rPr lang="en-US">
-                <a:solidFill>
-                  <a:srgbClr val="666666"/>
-                </a:solidFill>
-              </a:rPr>
-              <a:pPr eaLnBrk="0" fontAlgn="base" hangingPunct="0">
-                <a:spcBef>
-                  <a:spcPct val="0"/>
-                </a:spcBef>
-                <a:spcAft>
-                  <a:spcPct val="0"/>
-                </a:spcAft>
-                <a:defRPr/>
-              </a:pPr>
-              <a:t>23</a:t>
-            </a:fld>
-            <a:endParaRPr lang="en-US" dirty="0">
-              <a:solidFill>
-                <a:srgbClr val="666666"/>
-              </a:solidFill>
-            </a:endParaRPr>
-          </a:p>
-        </p:txBody>
-      </p:sp>
-      <p:sp>
-        <p:nvSpPr>
-          <p:cNvPr id="19460" name="Rectangle 2"/>
+          <p:cNvPr id="13316" name="Rectangle 2"/>
           <p:cNvSpPr>
             <a:spLocks noGrp="1" noChangeArrowheads="1"/>
           </p:cNvSpPr>
@@ -23357,84 +22452,85 @@
         </p:nvSpPr>
         <p:spPr>
           <a:xfrm>
-            <a:off x="666404" y="224444"/>
+            <a:off x="2057400" y="228600"/>
             <a:ext cx="8077200" cy="1143000"/>
           </a:xfrm>
         </p:spPr>
         <p:txBody>
-          <a:bodyPr/>
+          <a:bodyPr>
+            <a:normAutofit fontScale="90000"/>
+          </a:bodyPr>
           <a:lstStyle/>
           <a:p>
             <a:pPr eaLnBrk="1" hangingPunct="1"/>
             <a:r>
               <a:rPr lang="en-US" dirty="0" err="1"/>
-              <a:t>Gebruik</a:t>
+              <a:t>Voorbeeld</a:t>
             </a:r>
             <a:r>
               <a:rPr lang="en-US" dirty="0"/>
-              <a:t> do while</a:t>
+              <a:t> indefinite loop</a:t>
+            </a:r>
+            <a:br>
+              <a:rPr lang="en-US" dirty="0"/>
+            </a:br>
+            <a:r>
+              <a:rPr lang="en-US" dirty="0"/>
+              <a:t>(</a:t>
+            </a:r>
+            <a:r>
+              <a:rPr lang="en-US" dirty="0" err="1"/>
+              <a:t>kan</a:t>
+            </a:r>
+            <a:r>
+              <a:rPr lang="en-US" dirty="0"/>
+              <a:t> </a:t>
+            </a:r>
+            <a:r>
+              <a:rPr lang="en-US" dirty="0" err="1"/>
+              <a:t>ook</a:t>
+            </a:r>
+            <a:r>
+              <a:rPr lang="en-US" dirty="0"/>
+              <a:t> met while)</a:t>
             </a:r>
           </a:p>
         </p:txBody>
       </p:sp>
       <p:pic>
         <p:nvPicPr>
-          <p:cNvPr id="19461" name="Picture 6"/>
+          <p:cNvPr id="2" name="Afbeelding 1">
+            <a:extLst>
+              <a:ext uri="{FF2B5EF4-FFF2-40B4-BE49-F238E27FC236}">
+                <a16:creationId xmlns:a16="http://schemas.microsoft.com/office/drawing/2014/main" id="{592B6FBE-C698-4B82-A9FE-1B3FC7238861}"/>
+              </a:ext>
+            </a:extLst>
+          </p:cNvPr>
           <p:cNvPicPr>
-            <a:picLocks noChangeAspect="1" noChangeArrowheads="1"/>
+            <a:picLocks noChangeAspect="1"/>
           </p:cNvPicPr>
           <p:nvPr/>
         </p:nvPicPr>
         <p:blipFill>
-          <a:blip r:embed="rId3">
-            <a:extLst>
-              <a:ext uri="{28A0092B-C50C-407E-A947-70E740481C1C}">
-                <a14:useLocalDpi xmlns:a14="http://schemas.microsoft.com/office/drawing/2010/main" val="0"/>
-              </a:ext>
-            </a:extLst>
-          </a:blip>
-          <a:srcRect/>
+          <a:blip r:embed="rId3"/>
           <a:stretch>
             <a:fillRect/>
           </a:stretch>
         </p:blipFill>
-        <p:spPr bwMode="auto">
+        <p:spPr>
           <a:xfrm>
-            <a:off x="4877186" y="40041"/>
-            <a:ext cx="5865628" cy="6777918"/>
+            <a:off x="1504950" y="2017251"/>
+            <a:ext cx="9064914" cy="2823498"/>
           </a:xfrm>
           <a:prstGeom prst="rect">
             <a:avLst/>
           </a:prstGeom>
-          <a:noFill/>
-          <a:ln>
-            <a:noFill/>
-          </a:ln>
-          <a:extLst>
-            <a:ext uri="{909E8E84-426E-40DD-AFC4-6F175D3DCCD1}">
-              <a14:hiddenFill xmlns:a14="http://schemas.microsoft.com/office/drawing/2010/main">
-                <a:solidFill>
-                  <a:srgbClr val="FFFFFF"/>
-                </a:solidFill>
-              </a14:hiddenFill>
-            </a:ext>
-            <a:ext uri="{91240B29-F687-4F45-9708-019B960494DF}">
-              <a14:hiddenLine xmlns:a14="http://schemas.microsoft.com/office/drawing/2010/main" w="9525">
-                <a:solidFill>
-                  <a:srgbClr val="000000"/>
-                </a:solidFill>
-                <a:miter lim="800000"/>
-                <a:headEnd/>
-                <a:tailEnd/>
-              </a14:hiddenLine>
-            </a:ext>
-          </a:extLst>
         </p:spPr>
       </p:pic>
     </p:spTree>
     <p:extLst>
       <p:ext uri="{BB962C8B-B14F-4D97-AF65-F5344CB8AC3E}">
-        <p14:creationId xmlns:p14="http://schemas.microsoft.com/office/powerpoint/2010/main" val="1778817307"/>
+        <p14:creationId xmlns:p14="http://schemas.microsoft.com/office/powerpoint/2010/main" val="3785941304"/>
       </p:ext>
     </p:extLst>
   </p:cSld>
@@ -23444,7 +22540,7 @@
 </p:sld>
 </file>
 
-<file path=ppt/slides/slide24.xml><?xml version="1.0" encoding="utf-8"?>
+<file path=ppt/slides/slide23.xml><?xml version="1.0" encoding="utf-8"?>
 <p:sld xmlns:a="http://schemas.openxmlformats.org/drawingml/2006/main" xmlns:r="http://schemas.openxmlformats.org/officeDocument/2006/relationships" xmlns:p="http://schemas.openxmlformats.org/presentationml/2006/main">
   <p:cSld>
     <p:spTree>
@@ -23582,7 +22678,7 @@
 </p:sld>
 </file>
 
-<file path=ppt/slides/slide25.xml><?xml version="1.0" encoding="utf-8"?>
+<file path=ppt/slides/slide24.xml><?xml version="1.0" encoding="utf-8"?>
 <p:sld xmlns:a="http://schemas.openxmlformats.org/drawingml/2006/main" xmlns:r="http://schemas.openxmlformats.org/officeDocument/2006/relationships" xmlns:p="http://schemas.openxmlformats.org/presentationml/2006/main">
   <p:cSld>
     <p:spTree>
@@ -23992,7 +23088,7 @@
 </p:sld>
 </file>
 
-<file path=ppt/slides/slide26.xml><?xml version="1.0" encoding="utf-8"?>
+<file path=ppt/slides/slide25.xml><?xml version="1.0" encoding="utf-8"?>
 <p:sld xmlns:a="http://schemas.openxmlformats.org/drawingml/2006/main" xmlns:r="http://schemas.openxmlformats.org/officeDocument/2006/relationships" xmlns:p="http://schemas.openxmlformats.org/presentationml/2006/main">
   <p:cSld>
     <p:spTree>
@@ -24119,7 +23215,7 @@
 </p:sld>
 </file>
 
-<file path=ppt/slides/slide27.xml><?xml version="1.0" encoding="utf-8"?>
+<file path=ppt/slides/slide26.xml><?xml version="1.0" encoding="utf-8"?>
 <p:sld xmlns:a="http://schemas.openxmlformats.org/drawingml/2006/main" xmlns:r="http://schemas.openxmlformats.org/officeDocument/2006/relationships" xmlns:p="http://schemas.openxmlformats.org/presentationml/2006/main">
   <p:cSld>
     <p:spTree>
@@ -24246,1367 +23342,7 @@
 </p:sld>
 </file>
 
-<file path=ppt/slides/slide28.xml><?xml version="1.0" encoding="utf-8"?>
-<p:sld xmlns:a="http://schemas.openxmlformats.org/drawingml/2006/main" xmlns:r="http://schemas.openxmlformats.org/officeDocument/2006/relationships" xmlns:p="http://schemas.openxmlformats.org/presentationml/2006/main">
-  <p:cSld>
-    <p:bg>
-      <p:bgPr>
-        <a:solidFill>
-          <a:schemeClr val="bg1">
-            <a:tint val="95000"/>
-            <a:satMod val="170000"/>
-          </a:schemeClr>
-        </a:solidFill>
-        <a:effectLst/>
-      </p:bgPr>
-    </p:bg>
-    <p:spTree>
-      <p:nvGrpSpPr>
-        <p:cNvPr id="1" name=""/>
-        <p:cNvGrpSpPr/>
-        <p:nvPr/>
-      </p:nvGrpSpPr>
-      <p:grpSpPr>
-        <a:xfrm>
-          <a:off x="0" y="0"/>
-          <a:ext cx="0" cy="0"/>
-          <a:chOff x="0" y="0"/>
-          <a:chExt cx="0" cy="0"/>
-        </a:xfrm>
-      </p:grpSpPr>
-      <p:sp>
-        <p:nvSpPr>
-          <p:cNvPr id="8" name="Freeform: Shape 7">
-            <a:extLst>
-              <a:ext uri="{FF2B5EF4-FFF2-40B4-BE49-F238E27FC236}">
-                <a16:creationId xmlns:a16="http://schemas.microsoft.com/office/drawing/2014/main" id="{6DB7ADBC-26DA-450D-A8BF-E1ACCB46639C}"/>
-              </a:ext>
-              <a:ext uri="{C183D7F6-B498-43B3-948B-1728B52AA6E4}">
-                <adec:decorative xmlns:adec="http://schemas.microsoft.com/office/drawing/2017/decorative" val="1"/>
-              </a:ext>
-            </a:extLst>
-          </p:cNvPr>
-          <p:cNvSpPr>
-            <a:spLocks noGrp="1" noRot="1" noChangeAspect="1" noMove="1" noResize="1" noEditPoints="1" noAdjustHandles="1" noChangeArrowheads="1" noChangeShapeType="1" noTextEdit="1"/>
-          </p:cNvSpPr>
-          <p:nvPr>
-            <p:extLst>
-              <p:ext uri="{386F3935-93C4-4BCD-93E2-E3B085C9AB24}">
-                <p16:designElem xmlns:p16="http://schemas.microsoft.com/office/powerpoint/2015/main" val="1"/>
-              </p:ext>
-            </p:extLst>
-          </p:nvPr>
-        </p:nvSpPr>
-        <p:spPr>
-          <a:xfrm>
-            <a:off x="770234" y="1"/>
-            <a:ext cx="6488456" cy="3036711"/>
-          </a:xfrm>
-          <a:custGeom>
-            <a:avLst/>
-            <a:gdLst>
-              <a:gd name="connsiteX0" fmla="*/ 0 w 6488456"/>
-              <a:gd name="connsiteY0" fmla="*/ 0 h 3036711"/>
-              <a:gd name="connsiteX1" fmla="*/ 6488456 w 6488456"/>
-              <a:gd name="connsiteY1" fmla="*/ 0 h 3036711"/>
-              <a:gd name="connsiteX2" fmla="*/ 6482686 w 6488456"/>
-              <a:gd name="connsiteY2" fmla="*/ 114279 h 3036711"/>
-              <a:gd name="connsiteX3" fmla="*/ 3244228 w 6488456"/>
-              <a:gd name="connsiteY3" fmla="*/ 3036711 h 3036711"/>
-              <a:gd name="connsiteX4" fmla="*/ 5771 w 6488456"/>
-              <a:gd name="connsiteY4" fmla="*/ 114279 h 3036711"/>
-            </a:gdLst>
-            <a:ahLst/>
-            <a:cxnLst>
-              <a:cxn ang="0">
-                <a:pos x="connsiteX0" y="connsiteY0"/>
-              </a:cxn>
-              <a:cxn ang="0">
-                <a:pos x="connsiteX1" y="connsiteY1"/>
-              </a:cxn>
-              <a:cxn ang="0">
-                <a:pos x="connsiteX2" y="connsiteY2"/>
-              </a:cxn>
-              <a:cxn ang="0">
-                <a:pos x="connsiteX3" y="connsiteY3"/>
-              </a:cxn>
-              <a:cxn ang="0">
-                <a:pos x="connsiteX4" y="connsiteY4"/>
-              </a:cxn>
-            </a:cxnLst>
-            <a:rect l="l" t="t" r="r" b="b"/>
-            <a:pathLst>
-              <a:path w="6488456" h="3036711">
-                <a:moveTo>
-                  <a:pt x="0" y="0"/>
-                </a:moveTo>
-                <a:lnTo>
-                  <a:pt x="6488456" y="0"/>
-                </a:lnTo>
-                <a:lnTo>
-                  <a:pt x="6482686" y="114279"/>
-                </a:lnTo>
-                <a:cubicBezTo>
-                  <a:pt x="6315984" y="1755766"/>
-                  <a:pt x="4929697" y="3036711"/>
-                  <a:pt x="3244228" y="3036711"/>
-                </a:cubicBezTo>
-                <a:cubicBezTo>
-                  <a:pt x="1558760" y="3036711"/>
-                  <a:pt x="172473" y="1755766"/>
-                  <a:pt x="5771" y="114279"/>
-                </a:cubicBezTo>
-                <a:close/>
-              </a:path>
-            </a:pathLst>
-          </a:custGeom>
-          <a:solidFill>
-            <a:schemeClr val="tx1">
-              <a:alpha val="80000"/>
-            </a:schemeClr>
-          </a:solidFill>
-          <a:ln>
-            <a:noFill/>
-          </a:ln>
-        </p:spPr>
-        <p:style>
-          <a:lnRef idx="2">
-            <a:schemeClr val="accent1">
-              <a:shade val="50000"/>
-            </a:schemeClr>
-          </a:lnRef>
-          <a:fillRef idx="1">
-            <a:schemeClr val="accent1"/>
-          </a:fillRef>
-          <a:effectRef idx="0">
-            <a:schemeClr val="accent1"/>
-          </a:effectRef>
-          <a:fontRef idx="minor">
-            <a:schemeClr val="lt1"/>
-          </a:fontRef>
-        </p:style>
-        <p:txBody>
-          <a:bodyPr wrap="square" rtlCol="0" anchor="ctr">
-            <a:noAutofit/>
-          </a:bodyPr>
-          <a:lstStyle/>
-          <a:p>
-            <a:pPr algn="ctr"/>
-            <a:endParaRPr lang="en-US"/>
-          </a:p>
-        </p:txBody>
-      </p:sp>
-      <p:sp>
-        <p:nvSpPr>
-          <p:cNvPr id="10" name="Freeform: Shape 9">
-            <a:extLst>
-              <a:ext uri="{FF2B5EF4-FFF2-40B4-BE49-F238E27FC236}">
-                <a16:creationId xmlns:a16="http://schemas.microsoft.com/office/drawing/2014/main" id="{5692FB99-428A-4151-9665-80E56EF03D76}"/>
-              </a:ext>
-              <a:ext uri="{C183D7F6-B498-43B3-948B-1728B52AA6E4}">
-                <adec:decorative xmlns:adec="http://schemas.microsoft.com/office/drawing/2017/decorative" val="1"/>
-              </a:ext>
-            </a:extLst>
-          </p:cNvPr>
-          <p:cNvSpPr>
-            <a:spLocks noGrp="1" noRot="1" noChangeAspect="1" noMove="1" noResize="1" noEditPoints="1" noAdjustHandles="1" noChangeArrowheads="1" noChangeShapeType="1" noTextEdit="1"/>
-          </p:cNvSpPr>
-          <p:nvPr>
-            <p:extLst>
-              <p:ext uri="{386F3935-93C4-4BCD-93E2-E3B085C9AB24}">
-                <p16:designElem xmlns:p16="http://schemas.microsoft.com/office/powerpoint/2015/main" val="1"/>
-              </p:ext>
-            </p:extLst>
-          </p:nvPr>
-        </p:nvSpPr>
-        <p:spPr>
-          <a:xfrm>
-            <a:off x="979870" y="1"/>
-            <a:ext cx="6069184" cy="2839783"/>
-          </a:xfrm>
-          <a:custGeom>
-            <a:avLst/>
-            <a:gdLst>
-              <a:gd name="connsiteX0" fmla="*/ 0 w 6069184"/>
-              <a:gd name="connsiteY0" fmla="*/ 0 h 2839783"/>
-              <a:gd name="connsiteX1" fmla="*/ 6069184 w 6069184"/>
-              <a:gd name="connsiteY1" fmla="*/ 0 h 2839783"/>
-              <a:gd name="connsiteX2" fmla="*/ 6063824 w 6069184"/>
-              <a:gd name="connsiteY2" fmla="*/ 106160 h 2839783"/>
-              <a:gd name="connsiteX3" fmla="*/ 3034592 w 6069184"/>
-              <a:gd name="connsiteY3" fmla="*/ 2839783 h 2839783"/>
-              <a:gd name="connsiteX4" fmla="*/ 5361 w 6069184"/>
-              <a:gd name="connsiteY4" fmla="*/ 106160 h 2839783"/>
-            </a:gdLst>
-            <a:ahLst/>
-            <a:cxnLst>
-              <a:cxn ang="0">
-                <a:pos x="connsiteX0" y="connsiteY0"/>
-              </a:cxn>
-              <a:cxn ang="0">
-                <a:pos x="connsiteX1" y="connsiteY1"/>
-              </a:cxn>
-              <a:cxn ang="0">
-                <a:pos x="connsiteX2" y="connsiteY2"/>
-              </a:cxn>
-              <a:cxn ang="0">
-                <a:pos x="connsiteX3" y="connsiteY3"/>
-              </a:cxn>
-              <a:cxn ang="0">
-                <a:pos x="connsiteX4" y="connsiteY4"/>
-              </a:cxn>
-            </a:cxnLst>
-            <a:rect l="l" t="t" r="r" b="b"/>
-            <a:pathLst>
-              <a:path w="6069184" h="2839783">
-                <a:moveTo>
-                  <a:pt x="0" y="0"/>
-                </a:moveTo>
-                <a:lnTo>
-                  <a:pt x="6069184" y="0"/>
-                </a:lnTo>
-                <a:lnTo>
-                  <a:pt x="6063824" y="106160"/>
-                </a:lnTo>
-                <a:cubicBezTo>
-                  <a:pt x="5907892" y="1641596"/>
-                  <a:pt x="4611168" y="2839783"/>
-                  <a:pt x="3034592" y="2839783"/>
-                </a:cubicBezTo>
-                <a:cubicBezTo>
-                  <a:pt x="1458016" y="2839783"/>
-                  <a:pt x="161293" y="1641596"/>
-                  <a:pt x="5361" y="106160"/>
-                </a:cubicBezTo>
-                <a:close/>
-              </a:path>
-            </a:pathLst>
-          </a:custGeom>
-          <a:solidFill>
-            <a:srgbClr val="E3411B"/>
-          </a:solidFill>
-          <a:ln>
-            <a:noFill/>
-          </a:ln>
-        </p:spPr>
-        <p:style>
-          <a:lnRef idx="2">
-            <a:schemeClr val="accent1">
-              <a:shade val="50000"/>
-            </a:schemeClr>
-          </a:lnRef>
-          <a:fillRef idx="1">
-            <a:schemeClr val="accent1"/>
-          </a:fillRef>
-          <a:effectRef idx="0">
-            <a:schemeClr val="accent1"/>
-          </a:effectRef>
-          <a:fontRef idx="minor">
-            <a:schemeClr val="lt1"/>
-          </a:fontRef>
-        </p:style>
-        <p:txBody>
-          <a:bodyPr wrap="square" rtlCol="0" anchor="ctr">
-            <a:noAutofit/>
-          </a:bodyPr>
-          <a:lstStyle/>
-          <a:p>
-            <a:pPr algn="ctr"/>
-            <a:endParaRPr lang="en-US"/>
-          </a:p>
-        </p:txBody>
-      </p:sp>
-      <p:sp>
-        <p:nvSpPr>
-          <p:cNvPr id="12" name="Freeform: Shape 11">
-            <a:extLst>
-              <a:ext uri="{FF2B5EF4-FFF2-40B4-BE49-F238E27FC236}">
-                <a16:creationId xmlns:a16="http://schemas.microsoft.com/office/drawing/2014/main" id="{5E3C0EDB-60D3-4CEF-8B80-C6D01E08DEC2}"/>
-              </a:ext>
-              <a:ext uri="{C183D7F6-B498-43B3-948B-1728B52AA6E4}">
-                <adec:decorative xmlns:adec="http://schemas.microsoft.com/office/drawing/2017/decorative" val="1"/>
-              </a:ext>
-            </a:extLst>
-          </p:cNvPr>
-          <p:cNvSpPr>
-            <a:spLocks noGrp="1" noRot="1" noChangeAspect="1" noMove="1" noResize="1" noEditPoints="1" noAdjustHandles="1" noChangeArrowheads="1" noChangeShapeType="1" noTextEdit="1"/>
-          </p:cNvSpPr>
-          <p:nvPr>
-            <p:extLst>
-              <p:ext uri="{386F3935-93C4-4BCD-93E2-E3B085C9AB24}">
-                <p16:designElem xmlns:p16="http://schemas.microsoft.com/office/powerpoint/2015/main" val="1"/>
-              </p:ext>
-            </p:extLst>
-          </p:nvPr>
-        </p:nvSpPr>
-        <p:spPr>
-          <a:xfrm>
-            <a:off x="0" y="2896216"/>
-            <a:ext cx="5198011" cy="3957242"/>
-          </a:xfrm>
-          <a:custGeom>
-            <a:avLst/>
-            <a:gdLst>
-              <a:gd name="connsiteX0" fmla="*/ 1942747 w 5198011"/>
-              <a:gd name="connsiteY0" fmla="*/ 0 h 3957242"/>
-              <a:gd name="connsiteX1" fmla="*/ 5198011 w 5198011"/>
-              <a:gd name="connsiteY1" fmla="*/ 3255264 h 3957242"/>
-              <a:gd name="connsiteX2" fmla="*/ 5131876 w 5198011"/>
-              <a:gd name="connsiteY2" fmla="*/ 3911314 h 3957242"/>
-              <a:gd name="connsiteX3" fmla="*/ 5120066 w 5198011"/>
-              <a:gd name="connsiteY3" fmla="*/ 3957242 h 3957242"/>
-              <a:gd name="connsiteX4" fmla="*/ 0 w 5198011"/>
-              <a:gd name="connsiteY4" fmla="*/ 3957242 h 3957242"/>
-              <a:gd name="connsiteX5" fmla="*/ 0 w 5198011"/>
-              <a:gd name="connsiteY5" fmla="*/ 647700 h 3957242"/>
-              <a:gd name="connsiteX6" fmla="*/ 122698 w 5198011"/>
-              <a:gd name="connsiteY6" fmla="*/ 555948 h 3957242"/>
-              <a:gd name="connsiteX7" fmla="*/ 1942747 w 5198011"/>
-              <a:gd name="connsiteY7" fmla="*/ 0 h 3957242"/>
-            </a:gdLst>
-            <a:ahLst/>
-            <a:cxnLst>
-              <a:cxn ang="0">
-                <a:pos x="connsiteX0" y="connsiteY0"/>
-              </a:cxn>
-              <a:cxn ang="0">
-                <a:pos x="connsiteX1" y="connsiteY1"/>
-              </a:cxn>
-              <a:cxn ang="0">
-                <a:pos x="connsiteX2" y="connsiteY2"/>
-              </a:cxn>
-              <a:cxn ang="0">
-                <a:pos x="connsiteX3" y="connsiteY3"/>
-              </a:cxn>
-              <a:cxn ang="0">
-                <a:pos x="connsiteX4" y="connsiteY4"/>
-              </a:cxn>
-              <a:cxn ang="0">
-                <a:pos x="connsiteX5" y="connsiteY5"/>
-              </a:cxn>
-              <a:cxn ang="0">
-                <a:pos x="connsiteX6" y="connsiteY6"/>
-              </a:cxn>
-              <a:cxn ang="0">
-                <a:pos x="connsiteX7" y="connsiteY7"/>
-              </a:cxn>
-            </a:cxnLst>
-            <a:rect l="l" t="t" r="r" b="b"/>
-            <a:pathLst>
-              <a:path w="5198011" h="3957242">
-                <a:moveTo>
-                  <a:pt x="1942747" y="0"/>
-                </a:moveTo>
-                <a:cubicBezTo>
-                  <a:pt x="3740580" y="0"/>
-                  <a:pt x="5198011" y="1457431"/>
-                  <a:pt x="5198011" y="3255264"/>
-                </a:cubicBezTo>
-                <a:cubicBezTo>
-                  <a:pt x="5198011" y="3479993"/>
-                  <a:pt x="5175239" y="3699404"/>
-                  <a:pt x="5131876" y="3911314"/>
-                </a:cubicBezTo>
-                <a:lnTo>
-                  <a:pt x="5120066" y="3957242"/>
-                </a:lnTo>
-                <a:lnTo>
-                  <a:pt x="0" y="3957242"/>
-                </a:lnTo>
-                <a:lnTo>
-                  <a:pt x="0" y="647700"/>
-                </a:lnTo>
-                <a:lnTo>
-                  <a:pt x="122698" y="555948"/>
-                </a:lnTo>
-                <a:cubicBezTo>
-                  <a:pt x="642241" y="204951"/>
-                  <a:pt x="1268560" y="0"/>
-                  <a:pt x="1942747" y="0"/>
-                </a:cubicBezTo>
-                <a:close/>
-              </a:path>
-            </a:pathLst>
-          </a:custGeom>
-          <a:solidFill>
-            <a:schemeClr val="tx1">
-              <a:alpha val="80000"/>
-            </a:schemeClr>
-          </a:solidFill>
-          <a:ln>
-            <a:noFill/>
-          </a:ln>
-        </p:spPr>
-        <p:style>
-          <a:lnRef idx="2">
-            <a:schemeClr val="accent1">
-              <a:shade val="50000"/>
-            </a:schemeClr>
-          </a:lnRef>
-          <a:fillRef idx="1">
-            <a:schemeClr val="accent1"/>
-          </a:fillRef>
-          <a:effectRef idx="0">
-            <a:schemeClr val="accent1"/>
-          </a:effectRef>
-          <a:fontRef idx="minor">
-            <a:schemeClr val="lt1"/>
-          </a:fontRef>
-        </p:style>
-        <p:txBody>
-          <a:bodyPr wrap="square" rtlCol="0" anchor="ctr">
-            <a:noAutofit/>
-          </a:bodyPr>
-          <a:lstStyle/>
-          <a:p>
-            <a:pPr algn="ctr"/>
-            <a:endParaRPr lang="en-US"/>
-          </a:p>
-        </p:txBody>
-      </p:sp>
-      <p:sp>
-        <p:nvSpPr>
-          <p:cNvPr id="14" name="Freeform: Shape 13">
-            <a:extLst>
-              <a:ext uri="{FF2B5EF4-FFF2-40B4-BE49-F238E27FC236}">
-                <a16:creationId xmlns:a16="http://schemas.microsoft.com/office/drawing/2014/main" id="{4B306978-A26E-4AC4-9EAA-BD29BD476A4F}"/>
-              </a:ext>
-              <a:ext uri="{C183D7F6-B498-43B3-948B-1728B52AA6E4}">
-                <adec:decorative xmlns:adec="http://schemas.microsoft.com/office/drawing/2017/decorative" val="1"/>
-              </a:ext>
-            </a:extLst>
-          </p:cNvPr>
-          <p:cNvSpPr>
-            <a:spLocks noGrp="1" noRot="1" noChangeAspect="1" noMove="1" noResize="1" noEditPoints="1" noAdjustHandles="1" noChangeArrowheads="1" noChangeShapeType="1" noTextEdit="1"/>
-          </p:cNvSpPr>
-          <p:nvPr>
-            <p:extLst>
-              <p:ext uri="{386F3935-93C4-4BCD-93E2-E3B085C9AB24}">
-                <p16:designElem xmlns:p16="http://schemas.microsoft.com/office/powerpoint/2015/main" val="1"/>
-              </p:ext>
-            </p:extLst>
-          </p:nvPr>
-        </p:nvSpPr>
-        <p:spPr>
-          <a:xfrm>
-            <a:off x="0" y="3120244"/>
-            <a:ext cx="5001415" cy="3733214"/>
-          </a:xfrm>
-          <a:custGeom>
-            <a:avLst/>
-            <a:gdLst>
-              <a:gd name="connsiteX0" fmla="*/ 1956463 w 5001415"/>
-              <a:gd name="connsiteY0" fmla="*/ 0 h 3733214"/>
-              <a:gd name="connsiteX1" fmla="*/ 5001415 w 5001415"/>
-              <a:gd name="connsiteY1" fmla="*/ 3044952 h 3733214"/>
-              <a:gd name="connsiteX2" fmla="*/ 4939553 w 5001415"/>
-              <a:gd name="connsiteY2" fmla="*/ 3658617 h 3733214"/>
-              <a:gd name="connsiteX3" fmla="*/ 4920372 w 5001415"/>
-              <a:gd name="connsiteY3" fmla="*/ 3733214 h 3733214"/>
-              <a:gd name="connsiteX4" fmla="*/ 0 w 5001415"/>
-              <a:gd name="connsiteY4" fmla="*/ 3733214 h 3733214"/>
-              <a:gd name="connsiteX5" fmla="*/ 0 w 5001415"/>
-              <a:gd name="connsiteY5" fmla="*/ 713124 h 3733214"/>
-              <a:gd name="connsiteX6" fmla="*/ 19591 w 5001415"/>
-              <a:gd name="connsiteY6" fmla="*/ 695319 h 3733214"/>
-              <a:gd name="connsiteX7" fmla="*/ 1956463 w 5001415"/>
-              <a:gd name="connsiteY7" fmla="*/ 0 h 3733214"/>
-            </a:gdLst>
-            <a:ahLst/>
-            <a:cxnLst>
-              <a:cxn ang="0">
-                <a:pos x="connsiteX0" y="connsiteY0"/>
-              </a:cxn>
-              <a:cxn ang="0">
-                <a:pos x="connsiteX1" y="connsiteY1"/>
-              </a:cxn>
-              <a:cxn ang="0">
-                <a:pos x="connsiteX2" y="connsiteY2"/>
-              </a:cxn>
-              <a:cxn ang="0">
-                <a:pos x="connsiteX3" y="connsiteY3"/>
-              </a:cxn>
-              <a:cxn ang="0">
-                <a:pos x="connsiteX4" y="connsiteY4"/>
-              </a:cxn>
-              <a:cxn ang="0">
-                <a:pos x="connsiteX5" y="connsiteY5"/>
-              </a:cxn>
-              <a:cxn ang="0">
-                <a:pos x="connsiteX6" y="connsiteY6"/>
-              </a:cxn>
-              <a:cxn ang="0">
-                <a:pos x="connsiteX7" y="connsiteY7"/>
-              </a:cxn>
-            </a:cxnLst>
-            <a:rect l="l" t="t" r="r" b="b"/>
-            <a:pathLst>
-              <a:path w="5001415" h="3733214">
-                <a:moveTo>
-                  <a:pt x="1956463" y="0"/>
-                </a:moveTo>
-                <a:cubicBezTo>
-                  <a:pt x="3638144" y="0"/>
-                  <a:pt x="5001415" y="1363271"/>
-                  <a:pt x="5001415" y="3044952"/>
-                </a:cubicBezTo>
-                <a:cubicBezTo>
-                  <a:pt x="5001415" y="3255162"/>
-                  <a:pt x="4980114" y="3460397"/>
-                  <a:pt x="4939553" y="3658617"/>
-                </a:cubicBezTo>
-                <a:lnTo>
-                  <a:pt x="4920372" y="3733214"/>
-                </a:lnTo>
-                <a:lnTo>
-                  <a:pt x="0" y="3733214"/>
-                </a:lnTo>
-                <a:lnTo>
-                  <a:pt x="0" y="713124"/>
-                </a:lnTo>
-                <a:lnTo>
-                  <a:pt x="19591" y="695319"/>
-                </a:lnTo>
-                <a:cubicBezTo>
-                  <a:pt x="545938" y="260939"/>
-                  <a:pt x="1220728" y="0"/>
-                  <a:pt x="1956463" y="0"/>
-                </a:cubicBezTo>
-                <a:close/>
-              </a:path>
-            </a:pathLst>
-          </a:custGeom>
-          <a:solidFill>
-            <a:schemeClr val="accent4"/>
-          </a:solidFill>
-          <a:ln>
-            <a:noFill/>
-          </a:ln>
-        </p:spPr>
-        <p:style>
-          <a:lnRef idx="2">
-            <a:schemeClr val="accent1">
-              <a:shade val="50000"/>
-            </a:schemeClr>
-          </a:lnRef>
-          <a:fillRef idx="1">
-            <a:schemeClr val="accent1"/>
-          </a:fillRef>
-          <a:effectRef idx="0">
-            <a:schemeClr val="accent1"/>
-          </a:effectRef>
-          <a:fontRef idx="minor">
-            <a:schemeClr val="lt1"/>
-          </a:fontRef>
-        </p:style>
-        <p:txBody>
-          <a:bodyPr wrap="square" rtlCol="0" anchor="ctr">
-            <a:noAutofit/>
-          </a:bodyPr>
-          <a:lstStyle/>
-          <a:p>
-            <a:pPr algn="ctr"/>
-            <a:endParaRPr lang="en-US"/>
-          </a:p>
-        </p:txBody>
-      </p:sp>
-      <p:sp>
-        <p:nvSpPr>
-          <p:cNvPr id="16" name="Freeform: Shape 15">
-            <a:extLst>
-              <a:ext uri="{FF2B5EF4-FFF2-40B4-BE49-F238E27FC236}">
-                <a16:creationId xmlns:a16="http://schemas.microsoft.com/office/drawing/2014/main" id="{40C269CE-FB56-4D68-8CFB-1CFD5F350518}"/>
-              </a:ext>
-              <a:ext uri="{C183D7F6-B498-43B3-948B-1728B52AA6E4}">
-                <adec:decorative xmlns:adec="http://schemas.microsoft.com/office/drawing/2017/decorative" val="1"/>
-              </a:ext>
-            </a:extLst>
-          </p:cNvPr>
-          <p:cNvSpPr>
-            <a:spLocks noGrp="1" noRot="1" noChangeAspect="1" noMove="1" noResize="1" noEditPoints="1" noAdjustHandles="1" noChangeArrowheads="1" noChangeShapeType="1" noTextEdit="1"/>
-          </p:cNvSpPr>
-          <p:nvPr>
-            <p:extLst>
-              <p:ext uri="{386F3935-93C4-4BCD-93E2-E3B085C9AB24}">
-                <p16:designElem xmlns:p16="http://schemas.microsoft.com/office/powerpoint/2015/main" val="1"/>
-              </p:ext>
-            </p:extLst>
-          </p:nvPr>
-        </p:nvSpPr>
-        <p:spPr>
-          <a:xfrm>
-            <a:off x="5759837" y="495702"/>
-            <a:ext cx="6428625" cy="6357756"/>
-          </a:xfrm>
-          <a:custGeom>
-            <a:avLst/>
-            <a:gdLst>
-              <a:gd name="connsiteX0" fmla="*/ 4279392 w 6428625"/>
-              <a:gd name="connsiteY0" fmla="*/ 0 h 6357756"/>
-              <a:gd name="connsiteX1" fmla="*/ 6319204 w 6428625"/>
-              <a:gd name="connsiteY1" fmla="*/ 516500 h 6357756"/>
-              <a:gd name="connsiteX2" fmla="*/ 6428625 w 6428625"/>
-              <a:gd name="connsiteY2" fmla="*/ 579415 h 6357756"/>
-              <a:gd name="connsiteX3" fmla="*/ 6428625 w 6428625"/>
-              <a:gd name="connsiteY3" fmla="*/ 6357756 h 6357756"/>
-              <a:gd name="connsiteX4" fmla="*/ 539921 w 6428625"/>
-              <a:gd name="connsiteY4" fmla="*/ 6357756 h 6357756"/>
-              <a:gd name="connsiteX5" fmla="*/ 516500 w 6428625"/>
-              <a:gd name="connsiteY5" fmla="*/ 6319205 h 6357756"/>
-              <a:gd name="connsiteX6" fmla="*/ 0 w 6428625"/>
-              <a:gd name="connsiteY6" fmla="*/ 4279392 h 6357756"/>
-              <a:gd name="connsiteX7" fmla="*/ 4279392 w 6428625"/>
-              <a:gd name="connsiteY7" fmla="*/ 0 h 6357756"/>
-            </a:gdLst>
-            <a:ahLst/>
-            <a:cxnLst>
-              <a:cxn ang="0">
-                <a:pos x="connsiteX0" y="connsiteY0"/>
-              </a:cxn>
-              <a:cxn ang="0">
-                <a:pos x="connsiteX1" y="connsiteY1"/>
-              </a:cxn>
-              <a:cxn ang="0">
-                <a:pos x="connsiteX2" y="connsiteY2"/>
-              </a:cxn>
-              <a:cxn ang="0">
-                <a:pos x="connsiteX3" y="connsiteY3"/>
-              </a:cxn>
-              <a:cxn ang="0">
-                <a:pos x="connsiteX4" y="connsiteY4"/>
-              </a:cxn>
-              <a:cxn ang="0">
-                <a:pos x="connsiteX5" y="connsiteY5"/>
-              </a:cxn>
-              <a:cxn ang="0">
-                <a:pos x="connsiteX6" y="connsiteY6"/>
-              </a:cxn>
-              <a:cxn ang="0">
-                <a:pos x="connsiteX7" y="connsiteY7"/>
-              </a:cxn>
-            </a:cxnLst>
-            <a:rect l="l" t="t" r="r" b="b"/>
-            <a:pathLst>
-              <a:path w="6428625" h="6357756">
-                <a:moveTo>
-                  <a:pt x="4279392" y="0"/>
-                </a:moveTo>
-                <a:cubicBezTo>
-                  <a:pt x="5017968" y="0"/>
-                  <a:pt x="5712843" y="187105"/>
-                  <a:pt x="6319204" y="516500"/>
-                </a:cubicBezTo>
-                <a:lnTo>
-                  <a:pt x="6428625" y="579415"/>
-                </a:lnTo>
-                <a:lnTo>
-                  <a:pt x="6428625" y="6357756"/>
-                </a:lnTo>
-                <a:lnTo>
-                  <a:pt x="539921" y="6357756"/>
-                </a:lnTo>
-                <a:lnTo>
-                  <a:pt x="516500" y="6319205"/>
-                </a:lnTo>
-                <a:cubicBezTo>
-                  <a:pt x="187105" y="5712844"/>
-                  <a:pt x="0" y="5017968"/>
-                  <a:pt x="0" y="4279392"/>
-                </a:cubicBezTo>
-                <a:cubicBezTo>
-                  <a:pt x="0" y="1915949"/>
-                  <a:pt x="1915949" y="0"/>
-                  <a:pt x="4279392" y="0"/>
-                </a:cubicBezTo>
-                <a:close/>
-              </a:path>
-            </a:pathLst>
-          </a:custGeom>
-          <a:solidFill>
-            <a:schemeClr val="tx1">
-              <a:alpha val="80000"/>
-            </a:schemeClr>
-          </a:solidFill>
-          <a:ln>
-            <a:noFill/>
-          </a:ln>
-        </p:spPr>
-        <p:style>
-          <a:lnRef idx="2">
-            <a:schemeClr val="accent1">
-              <a:shade val="50000"/>
-            </a:schemeClr>
-          </a:lnRef>
-          <a:fillRef idx="1">
-            <a:schemeClr val="accent1"/>
-          </a:fillRef>
-          <a:effectRef idx="0">
-            <a:schemeClr val="accent1"/>
-          </a:effectRef>
-          <a:fontRef idx="minor">
-            <a:schemeClr val="lt1"/>
-          </a:fontRef>
-        </p:style>
-        <p:txBody>
-          <a:bodyPr wrap="square" rtlCol="0" anchor="ctr">
-            <a:noAutofit/>
-          </a:bodyPr>
-          <a:lstStyle/>
-          <a:p>
-            <a:pPr algn="ctr"/>
-            <a:endParaRPr lang="en-US"/>
-          </a:p>
-        </p:txBody>
-      </p:sp>
-      <p:sp>
-        <p:nvSpPr>
-          <p:cNvPr id="18" name="Freeform: Shape 17">
-            <a:extLst>
-              <a:ext uri="{FF2B5EF4-FFF2-40B4-BE49-F238E27FC236}">
-                <a16:creationId xmlns:a16="http://schemas.microsoft.com/office/drawing/2014/main" id="{A6ED7E7F-75F7-4581-A930-C4DEBC2A8419}"/>
-              </a:ext>
-              <a:ext uri="{C183D7F6-B498-43B3-948B-1728B52AA6E4}">
-                <adec:decorative xmlns:adec="http://schemas.microsoft.com/office/drawing/2017/decorative" val="1"/>
-              </a:ext>
-            </a:extLst>
-          </p:cNvPr>
-          <p:cNvSpPr>
-            <a:spLocks noGrp="1" noRot="1" noChangeAspect="1" noMove="1" noResize="1" noEditPoints="1" noAdjustHandles="1" noChangeArrowheads="1" noChangeShapeType="1" noTextEdit="1"/>
-          </p:cNvSpPr>
-          <p:nvPr>
-            <p:extLst>
-              <p:ext uri="{386F3935-93C4-4BCD-93E2-E3B085C9AB24}">
-                <p16:designElem xmlns:p16="http://schemas.microsoft.com/office/powerpoint/2015/main" val="1"/>
-              </p:ext>
-            </p:extLst>
-          </p:nvPr>
-        </p:nvSpPr>
-        <p:spPr>
-          <a:xfrm>
-            <a:off x="5924429" y="660294"/>
-            <a:ext cx="6264033" cy="6193164"/>
-          </a:xfrm>
-          <a:custGeom>
-            <a:avLst/>
-            <a:gdLst>
-              <a:gd name="connsiteX0" fmla="*/ 4114800 w 6264033"/>
-              <a:gd name="connsiteY0" fmla="*/ 0 h 6193164"/>
-              <a:gd name="connsiteX1" fmla="*/ 6248473 w 6264033"/>
-              <a:gd name="connsiteY1" fmla="*/ 595714 h 6193164"/>
-              <a:gd name="connsiteX2" fmla="*/ 6264033 w 6264033"/>
-              <a:gd name="connsiteY2" fmla="*/ 605689 h 6193164"/>
-              <a:gd name="connsiteX3" fmla="*/ 6264033 w 6264033"/>
-              <a:gd name="connsiteY3" fmla="*/ 6193164 h 6193164"/>
-              <a:gd name="connsiteX4" fmla="*/ 567718 w 6264033"/>
-              <a:gd name="connsiteY4" fmla="*/ 6193164 h 6193164"/>
-              <a:gd name="connsiteX5" fmla="*/ 496635 w 6264033"/>
-              <a:gd name="connsiteY5" fmla="*/ 6076158 h 6193164"/>
-              <a:gd name="connsiteX6" fmla="*/ 0 w 6264033"/>
-              <a:gd name="connsiteY6" fmla="*/ 4114800 h 6193164"/>
-              <a:gd name="connsiteX7" fmla="*/ 4114800 w 6264033"/>
-              <a:gd name="connsiteY7" fmla="*/ 0 h 6193164"/>
-            </a:gdLst>
-            <a:ahLst/>
-            <a:cxnLst>
-              <a:cxn ang="0">
-                <a:pos x="connsiteX0" y="connsiteY0"/>
-              </a:cxn>
-              <a:cxn ang="0">
-                <a:pos x="connsiteX1" y="connsiteY1"/>
-              </a:cxn>
-              <a:cxn ang="0">
-                <a:pos x="connsiteX2" y="connsiteY2"/>
-              </a:cxn>
-              <a:cxn ang="0">
-                <a:pos x="connsiteX3" y="connsiteY3"/>
-              </a:cxn>
-              <a:cxn ang="0">
-                <a:pos x="connsiteX4" y="connsiteY4"/>
-              </a:cxn>
-              <a:cxn ang="0">
-                <a:pos x="connsiteX5" y="connsiteY5"/>
-              </a:cxn>
-              <a:cxn ang="0">
-                <a:pos x="connsiteX6" y="connsiteY6"/>
-              </a:cxn>
-              <a:cxn ang="0">
-                <a:pos x="connsiteX7" y="connsiteY7"/>
-              </a:cxn>
-            </a:cxnLst>
-            <a:rect l="l" t="t" r="r" b="b"/>
-            <a:pathLst>
-              <a:path w="6264033" h="6193164">
-                <a:moveTo>
-                  <a:pt x="4114800" y="0"/>
-                </a:moveTo>
-                <a:cubicBezTo>
-                  <a:pt x="4895986" y="0"/>
-                  <a:pt x="5626328" y="217689"/>
-                  <a:pt x="6248473" y="595714"/>
-                </a:cubicBezTo>
-                <a:lnTo>
-                  <a:pt x="6264033" y="605689"/>
-                </a:lnTo>
-                <a:lnTo>
-                  <a:pt x="6264033" y="6193164"/>
-                </a:lnTo>
-                <a:lnTo>
-                  <a:pt x="567718" y="6193164"/>
-                </a:lnTo>
-                <a:lnTo>
-                  <a:pt x="496635" y="6076158"/>
-                </a:lnTo>
-                <a:cubicBezTo>
-                  <a:pt x="179909" y="5493119"/>
-                  <a:pt x="0" y="4824969"/>
-                  <a:pt x="0" y="4114800"/>
-                </a:cubicBezTo>
-                <a:cubicBezTo>
-                  <a:pt x="0" y="1842259"/>
-                  <a:pt x="1842259" y="0"/>
-                  <a:pt x="4114800" y="0"/>
-                </a:cubicBezTo>
-                <a:close/>
-              </a:path>
-            </a:pathLst>
-          </a:custGeom>
-          <a:solidFill>
-            <a:schemeClr val="accent1"/>
-          </a:solidFill>
-          <a:ln>
-            <a:noFill/>
-          </a:ln>
-        </p:spPr>
-        <p:style>
-          <a:lnRef idx="2">
-            <a:schemeClr val="accent1">
-              <a:shade val="50000"/>
-            </a:schemeClr>
-          </a:lnRef>
-          <a:fillRef idx="1">
-            <a:schemeClr val="accent1"/>
-          </a:fillRef>
-          <a:effectRef idx="0">
-            <a:schemeClr val="accent1"/>
-          </a:effectRef>
-          <a:fontRef idx="minor">
-            <a:schemeClr val="lt1"/>
-          </a:fontRef>
-        </p:style>
-        <p:txBody>
-          <a:bodyPr wrap="square" rtlCol="0" anchor="ctr">
-            <a:noAutofit/>
-          </a:bodyPr>
-          <a:lstStyle/>
-          <a:p>
-            <a:pPr algn="ctr"/>
-            <a:endParaRPr lang="en-US"/>
-          </a:p>
-        </p:txBody>
-      </p:sp>
-      <p:sp>
-        <p:nvSpPr>
-          <p:cNvPr id="2" name="Title 1"/>
-          <p:cNvSpPr>
-            <a:spLocks noGrp="1"/>
-          </p:cNvSpPr>
-          <p:nvPr>
-            <p:ph type="title"/>
-          </p:nvPr>
-        </p:nvSpPr>
-        <p:spPr>
-          <a:xfrm>
-            <a:off x="6789743" y="2530063"/>
-            <a:ext cx="4996329" cy="1936752"/>
-          </a:xfrm>
-        </p:spPr>
-        <p:txBody>
-          <a:bodyPr vert="horz" lIns="91440" tIns="45720" rIns="91440" bIns="45720" rtlCol="0" anchor="b">
-            <a:normAutofit/>
-          </a:bodyPr>
-          <a:lstStyle/>
-          <a:p>
-            <a:pPr algn="ctr"/>
-            <a:r>
-              <a:rPr lang="en-US" kern="1200">
-                <a:solidFill>
-                  <a:srgbClr val="FFFFFF"/>
-                </a:solidFill>
-                <a:latin typeface="+mj-lt"/>
-                <a:ea typeface="+mj-ea"/>
-                <a:cs typeface="+mj-cs"/>
-              </a:rPr>
-              <a:t>Voorbeeld oefening</a:t>
-            </a:r>
-          </a:p>
-        </p:txBody>
-      </p:sp>
-      <p:sp>
-        <p:nvSpPr>
-          <p:cNvPr id="3" name="Text Placeholder 2"/>
-          <p:cNvSpPr>
-            <a:spLocks noGrp="1"/>
-          </p:cNvSpPr>
-          <p:nvPr>
-            <p:ph type="body" idx="1"/>
-          </p:nvPr>
-        </p:nvSpPr>
-        <p:spPr>
-          <a:xfrm>
-            <a:off x="6789743" y="4632160"/>
-            <a:ext cx="4996328" cy="1068293"/>
-          </a:xfrm>
-        </p:spPr>
-        <p:txBody>
-          <a:bodyPr vert="horz" lIns="91440" tIns="45720" rIns="91440" bIns="45720" rtlCol="0">
-            <a:normAutofit/>
-          </a:bodyPr>
-          <a:lstStyle/>
-          <a:p>
-            <a:pPr algn="ctr"/>
-            <a:endParaRPr lang="en-US" sz="2400" kern="1200">
-              <a:solidFill>
-                <a:srgbClr val="FFFFFF"/>
-              </a:solidFill>
-              <a:latin typeface="+mn-lt"/>
-              <a:ea typeface="+mn-ea"/>
-              <a:cs typeface="+mn-cs"/>
-            </a:endParaRPr>
-          </a:p>
-        </p:txBody>
-      </p:sp>
-    </p:spTree>
-    <p:extLst>
-      <p:ext uri="{BB962C8B-B14F-4D97-AF65-F5344CB8AC3E}">
-        <p14:creationId xmlns:p14="http://schemas.microsoft.com/office/powerpoint/2010/main" val="2486635697"/>
-      </p:ext>
-    </p:extLst>
-  </p:cSld>
-  <p:clrMapOvr>
-    <a:overrideClrMapping bg1="dk1" tx1="lt1" bg2="dk2" tx2="lt2" accent1="accent1" accent2="accent2" accent3="accent3" accent4="accent4" accent5="accent5" accent6="accent6" hlink="hlink" folHlink="folHlink"/>
-  </p:clrMapOvr>
-</p:sld>
-</file>
-
-<file path=ppt/slides/slide29.xml><?xml version="1.0" encoding="utf-8"?>
-<p:sld xmlns:a="http://schemas.openxmlformats.org/drawingml/2006/main" xmlns:r="http://schemas.openxmlformats.org/officeDocument/2006/relationships" xmlns:p="http://schemas.openxmlformats.org/presentationml/2006/main">
-  <p:cSld>
-    <p:spTree>
-      <p:nvGrpSpPr>
-        <p:cNvPr id="1" name=""/>
-        <p:cNvGrpSpPr/>
-        <p:nvPr/>
-      </p:nvGrpSpPr>
-      <p:grpSpPr>
-        <a:xfrm>
-          <a:off x="0" y="0"/>
-          <a:ext cx="0" cy="0"/>
-          <a:chOff x="0" y="0"/>
-          <a:chExt cx="0" cy="0"/>
-        </a:xfrm>
-      </p:grpSpPr>
-      <p:sp>
-        <p:nvSpPr>
-          <p:cNvPr id="24580" name="Rectangle 2"/>
-          <p:cNvSpPr>
-            <a:spLocks noGrp="1" noChangeArrowheads="1"/>
-          </p:cNvSpPr>
-          <p:nvPr>
-            <p:ph type="title"/>
-          </p:nvPr>
-        </p:nvSpPr>
-        <p:spPr>
-          <a:xfrm>
-            <a:off x="2057400" y="228600"/>
-            <a:ext cx="8077200" cy="1143000"/>
-          </a:xfrm>
-        </p:spPr>
-        <p:txBody>
-          <a:bodyPr/>
-          <a:lstStyle/>
-          <a:p>
-            <a:pPr eaLnBrk="1" hangingPunct="1"/>
-            <a:r>
-              <a:rPr lang="en-US" dirty="0" err="1"/>
-              <a:t>Totalen</a:t>
-            </a:r>
-            <a:r>
-              <a:rPr lang="en-US" dirty="0"/>
-              <a:t> </a:t>
-            </a:r>
-            <a:r>
-              <a:rPr lang="en-US" dirty="0" err="1"/>
-              <a:t>optellen</a:t>
-            </a:r>
-            <a:r>
-              <a:rPr lang="en-US" dirty="0"/>
-              <a:t>: 1 per </a:t>
-            </a:r>
-            <a:r>
-              <a:rPr lang="en-US" dirty="0" err="1"/>
-              <a:t>keer</a:t>
-            </a:r>
-            <a:endParaRPr lang="en-US" dirty="0"/>
-          </a:p>
-        </p:txBody>
-      </p:sp>
-      <p:pic>
-        <p:nvPicPr>
-          <p:cNvPr id="24581" name="Picture 6"/>
-          <p:cNvPicPr>
-            <a:picLocks noChangeAspect="1" noChangeArrowheads="1"/>
-          </p:cNvPicPr>
-          <p:nvPr/>
-        </p:nvPicPr>
-        <p:blipFill>
-          <a:blip r:embed="rId3">
-            <a:extLst>
-              <a:ext uri="{28A0092B-C50C-407E-A947-70E740481C1C}">
-                <a14:useLocalDpi xmlns:a14="http://schemas.microsoft.com/office/drawing/2010/main" val="0"/>
-              </a:ext>
-            </a:extLst>
-          </a:blip>
-          <a:srcRect/>
-          <a:stretch>
-            <a:fillRect/>
-          </a:stretch>
-        </p:blipFill>
-        <p:spPr bwMode="auto">
-          <a:xfrm>
-            <a:off x="1055528" y="228600"/>
-            <a:ext cx="9079072" cy="6991358"/>
-          </a:xfrm>
-          <a:prstGeom prst="rect">
-            <a:avLst/>
-          </a:prstGeom>
-          <a:noFill/>
-          <a:ln>
-            <a:noFill/>
-          </a:ln>
-          <a:extLst>
-            <a:ext uri="{909E8E84-426E-40DD-AFC4-6F175D3DCCD1}">
-              <a14:hiddenFill xmlns:a14="http://schemas.microsoft.com/office/drawing/2010/main">
-                <a:solidFill>
-                  <a:srgbClr val="FFFFFF"/>
-                </a:solidFill>
-              </a14:hiddenFill>
-            </a:ext>
-            <a:ext uri="{91240B29-F687-4F45-9708-019B960494DF}">
-              <a14:hiddenLine xmlns:a14="http://schemas.microsoft.com/office/drawing/2010/main" w="9525">
-                <a:solidFill>
-                  <a:srgbClr val="000000"/>
-                </a:solidFill>
-                <a:miter lim="800000"/>
-                <a:headEnd/>
-                <a:tailEnd/>
-              </a14:hiddenLine>
-            </a:ext>
-          </a:extLst>
-        </p:spPr>
-      </p:pic>
-    </p:spTree>
-    <p:extLst>
-      <p:ext uri="{BB962C8B-B14F-4D97-AF65-F5344CB8AC3E}">
-        <p14:creationId xmlns:p14="http://schemas.microsoft.com/office/powerpoint/2010/main" val="3871575019"/>
-      </p:ext>
-    </p:extLst>
-  </p:cSld>
-  <p:clrMapOvr>
-    <a:masterClrMapping/>
-  </p:clrMapOvr>
-</p:sld>
-</file>
-
-<file path=ppt/slides/slide3.xml><?xml version="1.0" encoding="utf-8"?>
-<p:sld xmlns:a="http://schemas.openxmlformats.org/drawingml/2006/main" xmlns:r="http://schemas.openxmlformats.org/officeDocument/2006/relationships" xmlns:p="http://schemas.openxmlformats.org/presentationml/2006/main">
-  <p:cSld>
-    <p:spTree>
-      <p:nvGrpSpPr>
-        <p:cNvPr id="1" name=""/>
-        <p:cNvGrpSpPr/>
-        <p:nvPr/>
-      </p:nvGrpSpPr>
-      <p:grpSpPr>
-        <a:xfrm>
-          <a:off x="0" y="0"/>
-          <a:ext cx="0" cy="0"/>
-          <a:chOff x="0" y="0"/>
-          <a:chExt cx="0" cy="0"/>
-        </a:xfrm>
-      </p:grpSpPr>
-      <p:sp>
-        <p:nvSpPr>
-          <p:cNvPr id="2" name="Titel 1">
-            <a:extLst>
-              <a:ext uri="{FF2B5EF4-FFF2-40B4-BE49-F238E27FC236}">
-                <a16:creationId xmlns:a16="http://schemas.microsoft.com/office/drawing/2014/main" id="{9FCFC838-4DC5-4DD7-B7DC-2D26D7602F6C}"/>
-              </a:ext>
-            </a:extLst>
-          </p:cNvPr>
-          <p:cNvSpPr>
-            <a:spLocks noGrp="1"/>
-          </p:cNvSpPr>
-          <p:nvPr>
-            <p:ph type="title"/>
-          </p:nvPr>
-        </p:nvSpPr>
-        <p:spPr/>
-        <p:txBody>
-          <a:bodyPr/>
-          <a:lstStyle/>
-          <a:p>
-            <a:r>
-              <a:rPr lang="nl-BE" dirty="0"/>
-              <a:t>Wanneer zijn loops nuttig?</a:t>
-            </a:r>
-          </a:p>
-        </p:txBody>
-      </p:sp>
-      <p:sp>
-        <p:nvSpPr>
-          <p:cNvPr id="3" name="Tijdelijke aanduiding voor inhoud 2">
-            <a:extLst>
-              <a:ext uri="{FF2B5EF4-FFF2-40B4-BE49-F238E27FC236}">
-                <a16:creationId xmlns:a16="http://schemas.microsoft.com/office/drawing/2014/main" id="{A137F69F-66E0-4F2F-B280-48CFC6D11402}"/>
-              </a:ext>
-            </a:extLst>
-          </p:cNvPr>
-          <p:cNvSpPr>
-            <a:spLocks noGrp="1"/>
-          </p:cNvSpPr>
-          <p:nvPr>
-            <p:ph idx="1"/>
-          </p:nvPr>
-        </p:nvSpPr>
-        <p:spPr/>
-        <p:txBody>
-          <a:bodyPr/>
-          <a:lstStyle/>
-          <a:p>
-            <a:r>
-              <a:rPr lang="nl-BE" dirty="0"/>
-              <a:t>Moet je veel code (1 of meerdere lijnen) onder mekaar copy pasten? Loops </a:t>
-            </a:r>
-            <a:r>
-              <a:rPr lang="nl-BE" dirty="0" err="1"/>
-              <a:t>to</a:t>
-            </a:r>
-            <a:r>
-              <a:rPr lang="nl-BE" dirty="0"/>
-              <a:t> </a:t>
-            </a:r>
-            <a:r>
-              <a:rPr lang="nl-BE" dirty="0" err="1"/>
-              <a:t>the</a:t>
-            </a:r>
-            <a:r>
-              <a:rPr lang="nl-BE" dirty="0"/>
-              <a:t> </a:t>
-            </a:r>
-            <a:r>
-              <a:rPr lang="nl-BE" dirty="0" err="1"/>
-              <a:t>rescue</a:t>
-            </a:r>
-            <a:r>
-              <a:rPr lang="nl-BE" dirty="0"/>
-              <a:t>!</a:t>
-            </a:r>
-          </a:p>
-          <a:p>
-            <a:endParaRPr lang="nl-BE" dirty="0"/>
-          </a:p>
-        </p:txBody>
-      </p:sp>
-      <p:pic>
-        <p:nvPicPr>
-          <p:cNvPr id="2050" name="Picture 2" descr="Image result for loops programming joke">
-            <a:extLst>
-              <a:ext uri="{FF2B5EF4-FFF2-40B4-BE49-F238E27FC236}">
-                <a16:creationId xmlns:a16="http://schemas.microsoft.com/office/drawing/2014/main" id="{E2BBD7A2-625D-4EE3-9EA6-AFE78B6381E7}"/>
-              </a:ext>
-            </a:extLst>
-          </p:cNvPr>
-          <p:cNvPicPr>
-            <a:picLocks noChangeAspect="1" noChangeArrowheads="1"/>
-          </p:cNvPicPr>
-          <p:nvPr/>
-        </p:nvPicPr>
-        <p:blipFill>
-          <a:blip r:embed="rId2">
-            <a:extLst>
-              <a:ext uri="{28A0092B-C50C-407E-A947-70E740481C1C}">
-                <a14:useLocalDpi xmlns:a14="http://schemas.microsoft.com/office/drawing/2010/main" val="0"/>
-              </a:ext>
-            </a:extLst>
-          </a:blip>
-          <a:srcRect/>
-          <a:stretch>
-            <a:fillRect/>
-          </a:stretch>
-        </p:blipFill>
-        <p:spPr bwMode="auto">
-          <a:xfrm>
-            <a:off x="3429170" y="3025296"/>
-            <a:ext cx="5734050" cy="3438525"/>
-          </a:xfrm>
-          <a:prstGeom prst="rect">
-            <a:avLst/>
-          </a:prstGeom>
-          <a:noFill/>
-          <a:extLst>
-            <a:ext uri="{909E8E84-426E-40DD-AFC4-6F175D3DCCD1}">
-              <a14:hiddenFill xmlns:a14="http://schemas.microsoft.com/office/drawing/2010/main">
-                <a:solidFill>
-                  <a:srgbClr val="FFFFFF"/>
-                </a:solidFill>
-              </a14:hiddenFill>
-            </a:ext>
-          </a:extLst>
-        </p:spPr>
-      </p:pic>
-    </p:spTree>
-    <p:extLst>
-      <p:ext uri="{BB962C8B-B14F-4D97-AF65-F5344CB8AC3E}">
-        <p14:creationId xmlns:p14="http://schemas.microsoft.com/office/powerpoint/2010/main" val="2633939698"/>
-      </p:ext>
-    </p:extLst>
-  </p:cSld>
-  <p:clrMapOvr>
-    <a:masterClrMapping/>
-  </p:clrMapOvr>
-</p:sld>
-</file>
-
-<file path=ppt/slides/slide30.xml><?xml version="1.0" encoding="utf-8"?>
-<p:sld xmlns:a="http://schemas.openxmlformats.org/drawingml/2006/main" xmlns:r="http://schemas.openxmlformats.org/officeDocument/2006/relationships" xmlns:p="http://schemas.openxmlformats.org/presentationml/2006/main">
-  <p:cSld>
-    <p:spTree>
-      <p:nvGrpSpPr>
-        <p:cNvPr id="1" name=""/>
-        <p:cNvGrpSpPr/>
-        <p:nvPr/>
-      </p:nvGrpSpPr>
-      <p:grpSpPr>
-        <a:xfrm>
-          <a:off x="0" y="0"/>
-          <a:ext cx="0" cy="0"/>
-          <a:chOff x="0" y="0"/>
-          <a:chExt cx="0" cy="0"/>
-        </a:xfrm>
-      </p:grpSpPr>
-      <p:sp>
-        <p:nvSpPr>
-          <p:cNvPr id="25604" name="Rectangle 2"/>
-          <p:cNvSpPr>
-            <a:spLocks noGrp="1" noChangeArrowheads="1"/>
-          </p:cNvSpPr>
-          <p:nvPr>
-            <p:ph type="title"/>
-          </p:nvPr>
-        </p:nvSpPr>
-        <p:spPr>
-          <a:xfrm>
-            <a:off x="2057400" y="228600"/>
-            <a:ext cx="8077200" cy="1143000"/>
-          </a:xfrm>
-        </p:spPr>
-        <p:txBody>
-          <a:bodyPr/>
-          <a:lstStyle/>
-          <a:p>
-            <a:pPr eaLnBrk="1" hangingPunct="1"/>
-            <a:r>
-              <a:rPr lang="en-US" dirty="0" err="1"/>
-              <a:t>Totalen</a:t>
-            </a:r>
-            <a:r>
-              <a:rPr lang="en-US" dirty="0"/>
-              <a:t> </a:t>
-            </a:r>
-            <a:r>
-              <a:rPr lang="en-US" dirty="0" err="1"/>
-              <a:t>optellen</a:t>
-            </a:r>
-            <a:r>
-              <a:rPr lang="en-US" dirty="0"/>
-              <a:t>: 1 per </a:t>
-            </a:r>
-            <a:r>
-              <a:rPr lang="en-US" dirty="0" err="1"/>
-              <a:t>keer</a:t>
-            </a:r>
-            <a:endParaRPr lang="en-US" dirty="0"/>
-          </a:p>
-        </p:txBody>
-      </p:sp>
-      <p:pic>
-        <p:nvPicPr>
-          <p:cNvPr id="25605" name="Picture 6"/>
-          <p:cNvPicPr>
-            <a:picLocks noChangeAspect="1" noChangeArrowheads="1"/>
-          </p:cNvPicPr>
-          <p:nvPr/>
-        </p:nvPicPr>
-        <p:blipFill>
-          <a:blip r:embed="rId3">
-            <a:extLst>
-              <a:ext uri="{28A0092B-C50C-407E-A947-70E740481C1C}">
-                <a14:useLocalDpi xmlns:a14="http://schemas.microsoft.com/office/drawing/2010/main" val="0"/>
-              </a:ext>
-            </a:extLst>
-          </a:blip>
-          <a:srcRect/>
-          <a:stretch>
-            <a:fillRect/>
-          </a:stretch>
-        </p:blipFill>
-        <p:spPr bwMode="auto">
-          <a:xfrm>
-            <a:off x="3048000" y="1555750"/>
-            <a:ext cx="6096000" cy="4127500"/>
-          </a:xfrm>
-          <a:prstGeom prst="rect">
-            <a:avLst/>
-          </a:prstGeom>
-          <a:noFill/>
-          <a:ln>
-            <a:noFill/>
-          </a:ln>
-          <a:extLst>
-            <a:ext uri="{909E8E84-426E-40DD-AFC4-6F175D3DCCD1}">
-              <a14:hiddenFill xmlns:a14="http://schemas.microsoft.com/office/drawing/2010/main">
-                <a:solidFill>
-                  <a:srgbClr val="FFFFFF"/>
-                </a:solidFill>
-              </a14:hiddenFill>
-            </a:ext>
-            <a:ext uri="{91240B29-F687-4F45-9708-019B960494DF}">
-              <a14:hiddenLine xmlns:a14="http://schemas.microsoft.com/office/drawing/2010/main" w="9525">
-                <a:solidFill>
-                  <a:srgbClr val="000000"/>
-                </a:solidFill>
-                <a:miter lim="800000"/>
-                <a:headEnd/>
-                <a:tailEnd/>
-              </a14:hiddenLine>
-            </a:ext>
-          </a:extLst>
-        </p:spPr>
-      </p:pic>
-    </p:spTree>
-    <p:extLst>
-      <p:ext uri="{BB962C8B-B14F-4D97-AF65-F5344CB8AC3E}">
-        <p14:creationId xmlns:p14="http://schemas.microsoft.com/office/powerpoint/2010/main" val="214841492"/>
-      </p:ext>
-    </p:extLst>
-  </p:cSld>
-  <p:clrMapOvr>
-    <a:masterClrMapping/>
-  </p:clrMapOvr>
-</p:sld>
-</file>
-
-<file path=ppt/slides/slide31.xml><?xml version="1.0" encoding="utf-8"?>
+<file path=ppt/slides/slide27.xml><?xml version="1.0" encoding="utf-8"?>
 <p:sld xmlns:a="http://schemas.openxmlformats.org/drawingml/2006/main" xmlns:r="http://schemas.openxmlformats.org/officeDocument/2006/relationships" xmlns:p="http://schemas.openxmlformats.org/presentationml/2006/main">
   <p:cSld>
     <p:bg>
@@ -25857,7 +23593,7 @@
 </p:sld>
 </file>
 
-<file path=ppt/slides/slide32.xml><?xml version="1.0" encoding="utf-8"?>
+<file path=ppt/slides/slide28.xml><?xml version="1.0" encoding="utf-8"?>
 <p:sld xmlns:a="http://schemas.openxmlformats.org/drawingml/2006/main" xmlns:r="http://schemas.openxmlformats.org/officeDocument/2006/relationships" xmlns:p="http://schemas.openxmlformats.org/presentationml/2006/main">
   <p:cSld>
     <p:spTree>
@@ -26298,7 +24034,7 @@
 </p:sld>
 </file>
 
-<file path=ppt/slides/slide33.xml><?xml version="1.0" encoding="utf-8"?>
+<file path=ppt/slides/slide29.xml><?xml version="1.0" encoding="utf-8"?>
 <p:sld xmlns:a="http://schemas.openxmlformats.org/drawingml/2006/main" xmlns:r="http://schemas.openxmlformats.org/officeDocument/2006/relationships" xmlns:p="http://schemas.openxmlformats.org/presentationml/2006/main">
   <p:cSld>
     <p:spTree>
@@ -26389,7 +24125,7 @@
           <a:p>
             <a:fld id="{E8A62353-F7CD-46ED-8877-B27D0E33FCF8}" type="slidenum">
               <a:rPr lang="nl-BE" smtClean="0"/>
-              <a:t>33</a:t>
+              <a:t>29</a:t>
             </a:fld>
             <a:endParaRPr lang="nl-BE"/>
           </a:p>
@@ -26408,7 +24144,167 @@
 </p:sld>
 </file>
 
-<file path=ppt/slides/slide34.xml><?xml version="1.0" encoding="utf-8"?>
+<file path=ppt/slides/slide3.xml><?xml version="1.0" encoding="utf-8"?>
+<p:sld xmlns:a="http://schemas.openxmlformats.org/drawingml/2006/main" xmlns:r="http://schemas.openxmlformats.org/officeDocument/2006/relationships" xmlns:p="http://schemas.openxmlformats.org/presentationml/2006/main">
+  <p:cSld>
+    <p:spTree>
+      <p:nvGrpSpPr>
+        <p:cNvPr id="1" name=""/>
+        <p:cNvGrpSpPr/>
+        <p:nvPr/>
+      </p:nvGrpSpPr>
+      <p:grpSpPr>
+        <a:xfrm>
+          <a:off x="0" y="0"/>
+          <a:ext cx="0" cy="0"/>
+          <a:chOff x="0" y="0"/>
+          <a:chExt cx="0" cy="0"/>
+        </a:xfrm>
+      </p:grpSpPr>
+      <p:sp>
+        <p:nvSpPr>
+          <p:cNvPr id="2" name="Titel 1">
+            <a:extLst>
+              <a:ext uri="{FF2B5EF4-FFF2-40B4-BE49-F238E27FC236}">
+                <a16:creationId xmlns:a16="http://schemas.microsoft.com/office/drawing/2014/main" id="{9FCFC838-4DC5-4DD7-B7DC-2D26D7602F6C}"/>
+              </a:ext>
+            </a:extLst>
+          </p:cNvPr>
+          <p:cNvSpPr>
+            <a:spLocks noGrp="1"/>
+          </p:cNvSpPr>
+          <p:nvPr>
+            <p:ph type="title"/>
+          </p:nvPr>
+        </p:nvSpPr>
+        <p:spPr/>
+        <p:txBody>
+          <a:bodyPr/>
+          <a:lstStyle/>
+          <a:p>
+            <a:r>
+              <a:rPr lang="nl-BE" dirty="0"/>
+              <a:t>Wanneer zijn loops nuttig?</a:t>
+            </a:r>
+          </a:p>
+        </p:txBody>
+      </p:sp>
+      <p:sp>
+        <p:nvSpPr>
+          <p:cNvPr id="3" name="Tijdelijke aanduiding voor inhoud 2">
+            <a:extLst>
+              <a:ext uri="{FF2B5EF4-FFF2-40B4-BE49-F238E27FC236}">
+                <a16:creationId xmlns:a16="http://schemas.microsoft.com/office/drawing/2014/main" id="{A137F69F-66E0-4F2F-B280-48CFC6D11402}"/>
+              </a:ext>
+            </a:extLst>
+          </p:cNvPr>
+          <p:cNvSpPr>
+            <a:spLocks noGrp="1"/>
+          </p:cNvSpPr>
+          <p:nvPr>
+            <p:ph idx="1"/>
+          </p:nvPr>
+        </p:nvSpPr>
+        <p:spPr/>
+        <p:txBody>
+          <a:bodyPr/>
+          <a:lstStyle/>
+          <a:p>
+            <a:r>
+              <a:rPr lang="nl-BE" dirty="0"/>
+              <a:t>Moet je veel code (1 of meerdere lijnen) onder mekaar copy pasten? Loops </a:t>
+            </a:r>
+            <a:r>
+              <a:rPr lang="nl-BE" dirty="0" err="1"/>
+              <a:t>to</a:t>
+            </a:r>
+            <a:r>
+              <a:rPr lang="nl-BE" dirty="0"/>
+              <a:t> </a:t>
+            </a:r>
+            <a:r>
+              <a:rPr lang="nl-BE" dirty="0" err="1"/>
+              <a:t>the</a:t>
+            </a:r>
+            <a:r>
+              <a:rPr lang="nl-BE" dirty="0"/>
+              <a:t> </a:t>
+            </a:r>
+            <a:r>
+              <a:rPr lang="nl-BE" dirty="0" err="1"/>
+              <a:t>rescue</a:t>
+            </a:r>
+            <a:r>
+              <a:rPr lang="nl-BE" dirty="0"/>
+              <a:t>!</a:t>
+            </a:r>
+          </a:p>
+          <a:p>
+            <a:endParaRPr lang="nl-BE" dirty="0"/>
+          </a:p>
+        </p:txBody>
+      </p:sp>
+      <p:pic>
+        <p:nvPicPr>
+          <p:cNvPr id="2050" name="Picture 2" descr="Image result for loops programming joke">
+            <a:extLst>
+              <a:ext uri="{FF2B5EF4-FFF2-40B4-BE49-F238E27FC236}">
+                <a16:creationId xmlns:a16="http://schemas.microsoft.com/office/drawing/2014/main" id="{E2BBD7A2-625D-4EE3-9EA6-AFE78B6381E7}"/>
+              </a:ext>
+            </a:extLst>
+          </p:cNvPr>
+          <p:cNvPicPr>
+            <a:picLocks noChangeAspect="1" noChangeArrowheads="1"/>
+          </p:cNvPicPr>
+          <p:nvPr/>
+        </p:nvPicPr>
+        <p:blipFill>
+          <a:blip r:embed="rId2">
+            <a:extLst>
+              <a:ext uri="{28A0092B-C50C-407E-A947-70E740481C1C}">
+                <a14:useLocalDpi xmlns:a14="http://schemas.microsoft.com/office/drawing/2010/main" val="0"/>
+              </a:ext>
+            </a:extLst>
+          </a:blip>
+          <a:srcRect/>
+          <a:stretch>
+            <a:fillRect/>
+          </a:stretch>
+        </p:blipFill>
+        <p:spPr bwMode="auto">
+          <a:xfrm>
+            <a:off x="3429170" y="3025296"/>
+            <a:ext cx="5734050" cy="3438525"/>
+          </a:xfrm>
+          <a:prstGeom prst="rect">
+            <a:avLst/>
+          </a:prstGeom>
+          <a:noFill/>
+          <a:extLst>
+            <a:ext uri="{909E8E84-426E-40DD-AFC4-6F175D3DCCD1}">
+              <a14:hiddenFill xmlns:a14="http://schemas.microsoft.com/office/drawing/2010/main">
+                <a:solidFill>
+                  <a:srgbClr val="FFFFFF"/>
+                </a:solidFill>
+              </a14:hiddenFill>
+            </a:ext>
+          </a:extLst>
+        </p:spPr>
+      </p:pic>
+    </p:spTree>
+    <p:extLst>
+      <p:ext uri="{BB962C8B-B14F-4D97-AF65-F5344CB8AC3E}">
+        <p14:creationId xmlns:p14="http://schemas.microsoft.com/office/powerpoint/2010/main" val="2633939698"/>
+      </p:ext>
+    </p:extLst>
+  </p:cSld>
+  <p:clrMapOvr>
+    <a:masterClrMapping/>
+  </p:clrMapOvr>
+</p:sld>
+</file>
+
+<file path=ppt/slides/slide30.xml><?xml version="1.0" encoding="utf-8"?>
 <p:sld xmlns:a="http://schemas.openxmlformats.org/drawingml/2006/main" xmlns:r="http://schemas.openxmlformats.org/officeDocument/2006/relationships" xmlns:p="http://schemas.openxmlformats.org/presentationml/2006/main">
   <p:cSld>
     <p:spTree>
@@ -27710,7 +25606,7 @@
 </p:sld>
 </file>
 
-<file path=ppt/slides/slide35.xml><?xml version="1.0" encoding="utf-8"?>
+<file path=ppt/slides/slide31.xml><?xml version="1.0" encoding="utf-8"?>
 <p:sld xmlns:a="http://schemas.openxmlformats.org/drawingml/2006/main" xmlns:r="http://schemas.openxmlformats.org/officeDocument/2006/relationships" xmlns:p="http://schemas.openxmlformats.org/presentationml/2006/main">
   <p:cSld>
     <p:spTree>
@@ -27813,7 +25709,7 @@
           <a:p>
             <a:fld id="{E8A62353-F7CD-46ED-8877-B27D0E33FCF8}" type="slidenum">
               <a:rPr lang="nl-BE" smtClean="0"/>
-              <a:t>35</a:t>
+              <a:t>31</a:t>
             </a:fld>
             <a:endParaRPr lang="nl-BE"/>
           </a:p>
@@ -28138,7 +26034,7 @@
 </p:sld>
 </file>
 
-<file path=ppt/slides/slide36.xml><?xml version="1.0" encoding="utf-8"?>
+<file path=ppt/slides/slide32.xml><?xml version="1.0" encoding="utf-8"?>
 <p:sld xmlns:a="http://schemas.openxmlformats.org/drawingml/2006/main" xmlns:r="http://schemas.openxmlformats.org/officeDocument/2006/relationships" xmlns:p="http://schemas.openxmlformats.org/presentationml/2006/main">
   <p:cSld>
     <p:spTree>
@@ -28284,7 +26180,7 @@
 </p:sld>
 </file>
 
-<file path=ppt/slides/slide37.xml><?xml version="1.0" encoding="utf-8"?>
+<file path=ppt/slides/slide33.xml><?xml version="1.0" encoding="utf-8"?>
 <p:sld xmlns:a="http://schemas.openxmlformats.org/drawingml/2006/main" xmlns:r="http://schemas.openxmlformats.org/officeDocument/2006/relationships" xmlns:p="http://schemas.openxmlformats.org/presentationml/2006/main">
   <p:cSld>
     <p:spTree>
@@ -28616,7 +26512,7 @@
           <a:p>
             <a:fld id="{E8A62353-F7CD-46ED-8877-B27D0E33FCF8}" type="slidenum">
               <a:rPr lang="nl-BE" smtClean="0"/>
-              <a:t>37</a:t>
+              <a:t>33</a:t>
             </a:fld>
             <a:endParaRPr lang="nl-BE"/>
           </a:p>
@@ -28711,7 +26607,7 @@
 </p:sld>
 </file>
 
-<file path=ppt/slides/slide38.xml><?xml version="1.0" encoding="utf-8"?>
+<file path=ppt/slides/slide34.xml><?xml version="1.0" encoding="utf-8"?>
 <p:sld xmlns:a="http://schemas.openxmlformats.org/drawingml/2006/main" xmlns:r="http://schemas.openxmlformats.org/officeDocument/2006/relationships" xmlns:p="http://schemas.openxmlformats.org/presentationml/2006/main">
   <p:cSld>
     <p:spTree>
@@ -28909,7 +26805,7 @@
           <a:p>
             <a:fld id="{E8A62353-F7CD-46ED-8877-B27D0E33FCF8}" type="slidenum">
               <a:rPr lang="nl-BE" smtClean="0"/>
-              <a:t>38</a:t>
+              <a:t>34</a:t>
             </a:fld>
             <a:endParaRPr lang="nl-BE"/>
           </a:p>
@@ -28928,7 +26824,7 @@
 </p:sld>
 </file>
 
-<file path=ppt/slides/slide39.xml><?xml version="1.0" encoding="utf-8"?>
+<file path=ppt/slides/slide35.xml><?xml version="1.0" encoding="utf-8"?>
 <p:sld xmlns:a="http://schemas.openxmlformats.org/drawingml/2006/main" xmlns:r="http://schemas.openxmlformats.org/officeDocument/2006/relationships" xmlns:p="http://schemas.openxmlformats.org/presentationml/2006/main">
   <p:cSld>
     <p:spTree>
@@ -29044,108 +26940,8 @@
 </p:sld>
 </file>
 
-<file path=ppt/slides/slide4.xml><?xml version="1.0" encoding="utf-8"?>
-<p:sld xmlns:a="http://schemas.openxmlformats.org/drawingml/2006/main" xmlns:r="http://schemas.openxmlformats.org/officeDocument/2006/relationships" xmlns:p="http://schemas.openxmlformats.org/presentationml/2006/main">
-  <p:cSld>
-    <p:bg>
-      <p:bgPr>
-        <a:solidFill>
-          <a:schemeClr val="bg1"/>
-        </a:solidFill>
-        <a:effectLst/>
-      </p:bgPr>
-    </p:bg>
-    <p:spTree>
-      <p:nvGrpSpPr>
-        <p:cNvPr id="1" name=""/>
-        <p:cNvGrpSpPr/>
-        <p:nvPr/>
-      </p:nvGrpSpPr>
-      <p:grpSpPr>
-        <a:xfrm>
-          <a:off x="0" y="0"/>
-          <a:ext cx="0" cy="0"/>
-          <a:chOff x="0" y="0"/>
-          <a:chExt cx="0" cy="0"/>
-        </a:xfrm>
-      </p:grpSpPr>
-      <p:sp>
-        <p:nvSpPr>
-          <p:cNvPr id="12292" name="Rectangle 2"/>
-          <p:cNvSpPr>
-            <a:spLocks noGrp="1" noChangeArrowheads="1"/>
-          </p:cNvSpPr>
-          <p:nvPr>
-            <p:ph type="title"/>
-          </p:nvPr>
-        </p:nvSpPr>
-        <p:spPr>
-          <a:xfrm>
-            <a:off x="838200" y="365125"/>
-            <a:ext cx="10515600" cy="1325563"/>
-          </a:xfrm>
-        </p:spPr>
-        <p:txBody>
-          <a:bodyPr>
-            <a:normAutofit/>
-          </a:bodyPr>
-          <a:lstStyle/>
-          <a:p>
-            <a:pPr eaLnBrk="1" hangingPunct="1"/>
-            <a:r>
-              <a:rPr lang="en-US" dirty="0" err="1"/>
-              <a:t>Soorten</a:t>
-            </a:r>
-            <a:r>
-              <a:rPr lang="en-US" dirty="0"/>
-              <a:t> loops</a:t>
-            </a:r>
-          </a:p>
-        </p:txBody>
-      </p:sp>
-      <p:graphicFrame>
-        <p:nvGraphicFramePr>
-          <p:cNvPr id="12295" name="Rectangle 3">
-            <a:extLst>
-              <a:ext uri="{FF2B5EF4-FFF2-40B4-BE49-F238E27FC236}">
-                <a16:creationId xmlns:a16="http://schemas.microsoft.com/office/drawing/2014/main" id="{A0962FB1-C597-4256-AB6A-7894EEB40AE2}"/>
-              </a:ext>
-            </a:extLst>
-          </p:cNvPr>
-          <p:cNvGraphicFramePr/>
-          <p:nvPr>
-            <p:extLst>
-              <p:ext uri="{D42A27DB-BD31-4B8C-83A1-F6EECF244321}">
-                <p14:modId xmlns:p14="http://schemas.microsoft.com/office/powerpoint/2010/main" val="1579173738"/>
-              </p:ext>
-            </p:extLst>
-          </p:nvPr>
-        </p:nvGraphicFramePr>
-        <p:xfrm>
-          <a:off x="838200" y="1825625"/>
-          <a:ext cx="10515600" cy="4351338"/>
-        </p:xfrm>
-        <a:graphic>
-          <a:graphicData uri="http://schemas.openxmlformats.org/drawingml/2006/diagram">
-            <dgm:relIds xmlns:dgm="http://schemas.openxmlformats.org/drawingml/2006/diagram" xmlns:r="http://schemas.openxmlformats.org/officeDocument/2006/relationships" r:dm="rId3" r:lo="rId4" r:qs="rId5" r:cs="rId6"/>
-          </a:graphicData>
-        </a:graphic>
-      </p:graphicFrame>
-    </p:spTree>
-    <p:extLst>
-      <p:ext uri="{BB962C8B-B14F-4D97-AF65-F5344CB8AC3E}">
-        <p14:creationId xmlns:p14="http://schemas.microsoft.com/office/powerpoint/2010/main" val="2466017062"/>
-      </p:ext>
-    </p:extLst>
-  </p:cSld>
-  <p:clrMapOvr>
-    <a:masterClrMapping/>
-  </p:clrMapOvr>
-</p:sld>
-</file>
-
-<file path=ppt/slides/slide40.xml><?xml version="1.0" encoding="utf-8"?>
-<p:sld xmlns:a="http://schemas.openxmlformats.org/drawingml/2006/main" xmlns:r="http://schemas.openxmlformats.org/officeDocument/2006/relationships" xmlns:p="http://schemas.openxmlformats.org/presentationml/2006/main">
+<file path=ppt/slides/slide36.xml><?xml version="1.0" encoding="utf-8"?>
+<p:sld xmlns:a="http://schemas.openxmlformats.org/drawingml/2006/main" xmlns:r="http://schemas.openxmlformats.org/officeDocument/2006/relationships" xmlns:p="http://schemas.openxmlformats.org/presentationml/2006/main" show="0">
   <p:cSld>
     <p:spTree>
       <p:nvGrpSpPr>
@@ -29228,7 +27024,7 @@
 </p:sld>
 </file>
 
-<file path=ppt/slides/slide41.xml><?xml version="1.0" encoding="utf-8"?>
+<file path=ppt/slides/slide37.xml><?xml version="1.0" encoding="utf-8"?>
 <p:sld xmlns:a="http://schemas.openxmlformats.org/drawingml/2006/main" xmlns:r="http://schemas.openxmlformats.org/officeDocument/2006/relationships" xmlns:p="http://schemas.openxmlformats.org/presentationml/2006/main">
   <p:cSld>
     <p:spTree>
@@ -29331,7 +27127,7 @@
               <a:pPr>
                 <a:defRPr/>
               </a:pPr>
-              <a:t>41</a:t>
+              <a:t>37</a:t>
             </a:fld>
             <a:endParaRPr lang="nl-NL" dirty="0"/>
           </a:p>
@@ -29957,7 +27753,7 @@
 </p:sld>
 </file>
 
-<file path=ppt/slides/slide42.xml><?xml version="1.0" encoding="utf-8"?>
+<file path=ppt/slides/slide38.xml><?xml version="1.0" encoding="utf-8"?>
 <p:sld xmlns:a="http://schemas.openxmlformats.org/drawingml/2006/main" xmlns:r="http://schemas.openxmlformats.org/officeDocument/2006/relationships" xmlns:p="http://schemas.openxmlformats.org/presentationml/2006/main">
   <p:cSld>
     <p:bg>
@@ -30902,7 +28698,7 @@
 </p:sld>
 </file>
 
-<file path=ppt/slides/slide43.xml><?xml version="1.0" encoding="utf-8"?>
+<file path=ppt/slides/slide39.xml><?xml version="1.0" encoding="utf-8"?>
 <p:sld xmlns:a="http://schemas.openxmlformats.org/drawingml/2006/main" xmlns:r="http://schemas.openxmlformats.org/officeDocument/2006/relationships" xmlns:p="http://schemas.openxmlformats.org/presentationml/2006/main">
   <p:cSld>
     <p:bg>
@@ -31201,7 +28997,107 @@
 </p:sld>
 </file>
 
-<file path=ppt/slides/slide44.xml><?xml version="1.0" encoding="utf-8"?>
+<file path=ppt/slides/slide4.xml><?xml version="1.0" encoding="utf-8"?>
+<p:sld xmlns:a="http://schemas.openxmlformats.org/drawingml/2006/main" xmlns:r="http://schemas.openxmlformats.org/officeDocument/2006/relationships" xmlns:p="http://schemas.openxmlformats.org/presentationml/2006/main">
+  <p:cSld>
+    <p:bg>
+      <p:bgPr>
+        <a:solidFill>
+          <a:schemeClr val="bg1"/>
+        </a:solidFill>
+        <a:effectLst/>
+      </p:bgPr>
+    </p:bg>
+    <p:spTree>
+      <p:nvGrpSpPr>
+        <p:cNvPr id="1" name=""/>
+        <p:cNvGrpSpPr/>
+        <p:nvPr/>
+      </p:nvGrpSpPr>
+      <p:grpSpPr>
+        <a:xfrm>
+          <a:off x="0" y="0"/>
+          <a:ext cx="0" cy="0"/>
+          <a:chOff x="0" y="0"/>
+          <a:chExt cx="0" cy="0"/>
+        </a:xfrm>
+      </p:grpSpPr>
+      <p:sp>
+        <p:nvSpPr>
+          <p:cNvPr id="12292" name="Rectangle 2"/>
+          <p:cNvSpPr>
+            <a:spLocks noGrp="1" noChangeArrowheads="1"/>
+          </p:cNvSpPr>
+          <p:nvPr>
+            <p:ph type="title"/>
+          </p:nvPr>
+        </p:nvSpPr>
+        <p:spPr>
+          <a:xfrm>
+            <a:off x="838200" y="365125"/>
+            <a:ext cx="10515600" cy="1325563"/>
+          </a:xfrm>
+        </p:spPr>
+        <p:txBody>
+          <a:bodyPr>
+            <a:normAutofit/>
+          </a:bodyPr>
+          <a:lstStyle/>
+          <a:p>
+            <a:pPr eaLnBrk="1" hangingPunct="1"/>
+            <a:r>
+              <a:rPr lang="en-US" dirty="0" err="1"/>
+              <a:t>Soorten</a:t>
+            </a:r>
+            <a:r>
+              <a:rPr lang="en-US" dirty="0"/>
+              <a:t> loops</a:t>
+            </a:r>
+          </a:p>
+        </p:txBody>
+      </p:sp>
+      <p:graphicFrame>
+        <p:nvGraphicFramePr>
+          <p:cNvPr id="12295" name="Rectangle 3">
+            <a:extLst>
+              <a:ext uri="{FF2B5EF4-FFF2-40B4-BE49-F238E27FC236}">
+                <a16:creationId xmlns:a16="http://schemas.microsoft.com/office/drawing/2014/main" id="{A0962FB1-C597-4256-AB6A-7894EEB40AE2}"/>
+              </a:ext>
+            </a:extLst>
+          </p:cNvPr>
+          <p:cNvGraphicFramePr/>
+          <p:nvPr>
+            <p:extLst>
+              <p:ext uri="{D42A27DB-BD31-4B8C-83A1-F6EECF244321}">
+                <p14:modId xmlns:p14="http://schemas.microsoft.com/office/powerpoint/2010/main" val="1579173738"/>
+              </p:ext>
+            </p:extLst>
+          </p:nvPr>
+        </p:nvGraphicFramePr>
+        <p:xfrm>
+          <a:off x="838200" y="1825625"/>
+          <a:ext cx="10515600" cy="4351338"/>
+        </p:xfrm>
+        <a:graphic>
+          <a:graphicData uri="http://schemas.openxmlformats.org/drawingml/2006/diagram">
+            <dgm:relIds xmlns:dgm="http://schemas.openxmlformats.org/drawingml/2006/diagram" xmlns:r="http://schemas.openxmlformats.org/officeDocument/2006/relationships" r:dm="rId3" r:lo="rId4" r:qs="rId5" r:cs="rId6"/>
+          </a:graphicData>
+        </a:graphic>
+      </p:graphicFrame>
+    </p:spTree>
+    <p:extLst>
+      <p:ext uri="{BB962C8B-B14F-4D97-AF65-F5344CB8AC3E}">
+        <p14:creationId xmlns:p14="http://schemas.microsoft.com/office/powerpoint/2010/main" val="2466017062"/>
+      </p:ext>
+    </p:extLst>
+  </p:cSld>
+  <p:clrMapOvr>
+    <a:masterClrMapping/>
+  </p:clrMapOvr>
+</p:sld>
+</file>
+
+<file path=ppt/slides/slide40.xml><?xml version="1.0" encoding="utf-8"?>
 <p:sld xmlns:a="http://schemas.openxmlformats.org/drawingml/2006/main" xmlns:r="http://schemas.openxmlformats.org/officeDocument/2006/relationships" xmlns:p="http://schemas.openxmlformats.org/presentationml/2006/main">
   <p:cSld>
     <p:spTree>
@@ -31317,7 +29213,7 @@
 </p:sld>
 </file>
 
-<file path=ppt/slides/slide45.xml><?xml version="1.0" encoding="utf-8"?>
+<file path=ppt/slides/slide41.xml><?xml version="1.0" encoding="utf-8"?>
 <p:sld xmlns:a="http://schemas.openxmlformats.org/drawingml/2006/main" xmlns:r="http://schemas.openxmlformats.org/officeDocument/2006/relationships" xmlns:p="http://schemas.openxmlformats.org/presentationml/2006/main">
   <p:cSld>
     <p:spTree>
@@ -32049,7 +29945,7 @@
 </p:sld>
 </file>
 
-<file path=ppt/slides/slide46.xml><?xml version="1.0" encoding="utf-8"?>
+<file path=ppt/slides/slide42.xml><?xml version="1.0" encoding="utf-8"?>
 <p:sld xmlns:a="http://schemas.openxmlformats.org/drawingml/2006/main" xmlns:r="http://schemas.openxmlformats.org/officeDocument/2006/relationships" xmlns:p="http://schemas.openxmlformats.org/presentationml/2006/main">
   <p:cSld>
     <p:spTree>
@@ -32400,7 +30296,7 @@
 </p:sld>
 </file>
 
-<file path=ppt/slides/slide47.xml><?xml version="1.0" encoding="utf-8"?>
+<file path=ppt/slides/slide43.xml><?xml version="1.0" encoding="utf-8"?>
 <p:sld xmlns:a="http://schemas.openxmlformats.org/drawingml/2006/main" xmlns:r="http://schemas.openxmlformats.org/officeDocument/2006/relationships" xmlns:p="http://schemas.openxmlformats.org/presentationml/2006/main">
   <p:cSld>
     <p:spTree>
@@ -33031,7 +30927,7 @@
 </p:sld>
 </file>
 
-<file path=ppt/slides/slide48.xml><?xml version="1.0" encoding="utf-8"?>
+<file path=ppt/slides/slide44.xml><?xml version="1.0" encoding="utf-8"?>
 <p:sld xmlns:a="http://schemas.openxmlformats.org/drawingml/2006/main" xmlns:r="http://schemas.openxmlformats.org/officeDocument/2006/relationships" xmlns:p="http://schemas.openxmlformats.org/presentationml/2006/main">
   <p:cSld>
     <p:spTree>
@@ -33543,7 +31439,7 @@
 </p:sld>
 </file>
 
-<file path=ppt/slides/slide49.xml><?xml version="1.0" encoding="utf-8"?>
+<file path=ppt/slides/slide45.xml><?xml version="1.0" encoding="utf-8"?>
 <p:sld xmlns:a="http://schemas.openxmlformats.org/drawingml/2006/main" xmlns:r="http://schemas.openxmlformats.org/officeDocument/2006/relationships" xmlns:p="http://schemas.openxmlformats.org/presentationml/2006/main">
   <p:cSld>
     <p:spTree>
@@ -33917,6 +31813,1019 @@
     <p:extLst>
       <p:ext uri="{BB962C8B-B14F-4D97-AF65-F5344CB8AC3E}">
         <p14:creationId xmlns:p14="http://schemas.microsoft.com/office/powerpoint/2010/main" val="366688626"/>
+      </p:ext>
+    </p:extLst>
+  </p:cSld>
+  <p:clrMapOvr>
+    <a:masterClrMapping/>
+  </p:clrMapOvr>
+</p:sld>
+</file>
+
+<file path=ppt/slides/slide46.xml><?xml version="1.0" encoding="utf-8"?>
+<p:sld xmlns:a="http://schemas.openxmlformats.org/drawingml/2006/main" xmlns:r="http://schemas.openxmlformats.org/officeDocument/2006/relationships" xmlns:p="http://schemas.openxmlformats.org/presentationml/2006/main">
+  <p:cSld>
+    <p:spTree>
+      <p:nvGrpSpPr>
+        <p:cNvPr id="1" name=""/>
+        <p:cNvGrpSpPr/>
+        <p:nvPr/>
+      </p:nvGrpSpPr>
+      <p:grpSpPr>
+        <a:xfrm>
+          <a:off x="0" y="0"/>
+          <a:ext cx="0" cy="0"/>
+          <a:chOff x="0" y="0"/>
+          <a:chExt cx="0" cy="0"/>
+        </a:xfrm>
+      </p:grpSpPr>
+      <p:sp>
+        <p:nvSpPr>
+          <p:cNvPr id="2" name="Titel 1">
+            <a:extLst>
+              <a:ext uri="{FF2B5EF4-FFF2-40B4-BE49-F238E27FC236}">
+                <a16:creationId xmlns:a16="http://schemas.microsoft.com/office/drawing/2014/main" id="{1D5E5DBE-8D4D-41A3-8EBE-56EBD36BA016}"/>
+              </a:ext>
+            </a:extLst>
+          </p:cNvPr>
+          <p:cNvSpPr>
+            <a:spLocks noGrp="1"/>
+          </p:cNvSpPr>
+          <p:nvPr>
+            <p:ph type="title"/>
+          </p:nvPr>
+        </p:nvSpPr>
+        <p:spPr/>
+        <p:txBody>
+          <a:bodyPr/>
+          <a:lstStyle/>
+          <a:p>
+            <a:r>
+              <a:rPr lang="nl-BE" dirty="0"/>
+              <a:t>break</a:t>
+            </a:r>
+          </a:p>
+        </p:txBody>
+      </p:sp>
+      <p:sp>
+        <p:nvSpPr>
+          <p:cNvPr id="3" name="Tijdelijke aanduiding voor tekst 2">
+            <a:extLst>
+              <a:ext uri="{FF2B5EF4-FFF2-40B4-BE49-F238E27FC236}">
+                <a16:creationId xmlns:a16="http://schemas.microsoft.com/office/drawing/2014/main" id="{69C9D100-DB3B-4A55-9D13-8540208BD3EB}"/>
+              </a:ext>
+            </a:extLst>
+          </p:cNvPr>
+          <p:cNvSpPr>
+            <a:spLocks noGrp="1"/>
+          </p:cNvSpPr>
+          <p:nvPr>
+            <p:ph type="body" idx="1"/>
+          </p:nvPr>
+        </p:nvSpPr>
+        <p:spPr/>
+        <p:txBody>
+          <a:bodyPr/>
+          <a:lstStyle/>
+          <a:p>
+            <a:endParaRPr lang="nl-BE"/>
+          </a:p>
+        </p:txBody>
+      </p:sp>
+      <p:pic>
+        <p:nvPicPr>
+          <p:cNvPr id="4" name="Picture 2" descr="Image result for use own risk">
+            <a:extLst>
+              <a:ext uri="{FF2B5EF4-FFF2-40B4-BE49-F238E27FC236}">
+                <a16:creationId xmlns:a16="http://schemas.microsoft.com/office/drawing/2014/main" id="{531C1D3F-CFE7-45D9-8349-B70411AC54E1}"/>
+              </a:ext>
+            </a:extLst>
+          </p:cNvPr>
+          <p:cNvPicPr>
+            <a:picLocks noChangeAspect="1" noChangeArrowheads="1"/>
+          </p:cNvPicPr>
+          <p:nvPr/>
+        </p:nvPicPr>
+        <p:blipFill>
+          <a:blip r:embed="rId2">
+            <a:extLst>
+              <a:ext uri="{28A0092B-C50C-407E-A947-70E740481C1C}">
+                <a14:useLocalDpi xmlns:a14="http://schemas.microsoft.com/office/drawing/2010/main" val="0"/>
+              </a:ext>
+            </a:extLst>
+          </a:blip>
+          <a:srcRect/>
+          <a:stretch>
+            <a:fillRect/>
+          </a:stretch>
+        </p:blipFill>
+        <p:spPr bwMode="auto">
+          <a:xfrm>
+            <a:off x="5378186" y="671513"/>
+            <a:ext cx="4527813" cy="3277005"/>
+          </a:xfrm>
+          <a:prstGeom prst="rect">
+            <a:avLst/>
+          </a:prstGeom>
+          <a:noFill/>
+          <a:extLst>
+            <a:ext uri="{909E8E84-426E-40DD-AFC4-6F175D3DCCD1}">
+              <a14:hiddenFill xmlns:a14="http://schemas.microsoft.com/office/drawing/2010/main">
+                <a:solidFill>
+                  <a:srgbClr val="FFFFFF"/>
+                </a:solidFill>
+              </a14:hiddenFill>
+            </a:ext>
+          </a:extLst>
+        </p:spPr>
+      </p:pic>
+    </p:spTree>
+    <p:extLst>
+      <p:ext uri="{BB962C8B-B14F-4D97-AF65-F5344CB8AC3E}">
+        <p14:creationId xmlns:p14="http://schemas.microsoft.com/office/powerpoint/2010/main" val="271338067"/>
+      </p:ext>
+    </p:extLst>
+  </p:cSld>
+  <p:clrMapOvr>
+    <a:masterClrMapping/>
+  </p:clrMapOvr>
+</p:sld>
+</file>
+
+<file path=ppt/slides/slide47.xml><?xml version="1.0" encoding="utf-8"?>
+<p:sld xmlns:a="http://schemas.openxmlformats.org/drawingml/2006/main" xmlns:r="http://schemas.openxmlformats.org/officeDocument/2006/relationships" xmlns:p="http://schemas.openxmlformats.org/presentationml/2006/main">
+  <p:cSld>
+    <p:spTree>
+      <p:nvGrpSpPr>
+        <p:cNvPr id="1" name=""/>
+        <p:cNvGrpSpPr/>
+        <p:nvPr/>
+      </p:nvGrpSpPr>
+      <p:grpSpPr>
+        <a:xfrm>
+          <a:off x="0" y="0"/>
+          <a:ext cx="0" cy="0"/>
+          <a:chOff x="0" y="0"/>
+          <a:chExt cx="0" cy="0"/>
+        </a:xfrm>
+      </p:grpSpPr>
+      <p:sp>
+        <p:nvSpPr>
+          <p:cNvPr id="2" name="Titel 1">
+            <a:extLst>
+              <a:ext uri="{FF2B5EF4-FFF2-40B4-BE49-F238E27FC236}">
+                <a16:creationId xmlns:a16="http://schemas.microsoft.com/office/drawing/2014/main" id="{47BD58A2-9FF4-4D45-BD7F-9140D3F3DCD0}"/>
+              </a:ext>
+            </a:extLst>
+          </p:cNvPr>
+          <p:cNvSpPr>
+            <a:spLocks noGrp="1"/>
+          </p:cNvSpPr>
+          <p:nvPr>
+            <p:ph type="title"/>
+          </p:nvPr>
+        </p:nvSpPr>
+        <p:spPr/>
+        <p:txBody>
+          <a:bodyPr/>
+          <a:lstStyle/>
+          <a:p>
+            <a:r>
+              <a:rPr lang="nl-BE" dirty="0"/>
+              <a:t>Break: huidige loop afbreken</a:t>
+            </a:r>
+          </a:p>
+        </p:txBody>
+      </p:sp>
+      <p:sp>
+        <p:nvSpPr>
+          <p:cNvPr id="3" name="Tijdelijke aanduiding voor inhoud 2">
+            <a:extLst>
+              <a:ext uri="{FF2B5EF4-FFF2-40B4-BE49-F238E27FC236}">
+                <a16:creationId xmlns:a16="http://schemas.microsoft.com/office/drawing/2014/main" id="{8A3B6F09-4440-445D-A348-EFCABED4AD07}"/>
+              </a:ext>
+            </a:extLst>
+          </p:cNvPr>
+          <p:cNvSpPr>
+            <a:spLocks noGrp="1"/>
+          </p:cNvSpPr>
+          <p:nvPr>
+            <p:ph idx="1"/>
+          </p:nvPr>
+        </p:nvSpPr>
+        <p:spPr/>
+        <p:txBody>
+          <a:bodyPr/>
+          <a:lstStyle/>
+          <a:p>
+            <a:r>
+              <a:rPr lang="nl-BE" dirty="0"/>
+              <a:t>Gebruiken op eigen risico! </a:t>
+            </a:r>
+          </a:p>
+          <a:p>
+            <a:r>
+              <a:rPr lang="nl-BE" dirty="0"/>
+              <a:t>Break zal je uit de huidige loop halen </a:t>
+            </a:r>
+            <a:r>
+              <a:rPr lang="nl-BE"/>
+              <a:t>zonder pardon:</a:t>
+            </a:r>
+            <a:endParaRPr lang="nl-BE" dirty="0"/>
+          </a:p>
+        </p:txBody>
+      </p:sp>
+      <p:sp>
+        <p:nvSpPr>
+          <p:cNvPr id="4" name="Rechthoek 3">
+            <a:extLst>
+              <a:ext uri="{FF2B5EF4-FFF2-40B4-BE49-F238E27FC236}">
+                <a16:creationId xmlns:a16="http://schemas.microsoft.com/office/drawing/2014/main" id="{29E57365-8F54-45CD-8A30-B29C81662493}"/>
+              </a:ext>
+            </a:extLst>
+          </p:cNvPr>
+          <p:cNvSpPr/>
+          <p:nvPr/>
+        </p:nvSpPr>
+        <p:spPr>
+          <a:xfrm>
+            <a:off x="1736818" y="2902473"/>
+            <a:ext cx="7131238" cy="2308324"/>
+          </a:xfrm>
+          <a:prstGeom prst="rect">
+            <a:avLst/>
+          </a:prstGeom>
+        </p:spPr>
+        <p:txBody>
+          <a:bodyPr wrap="square">
+            <a:spAutoFit/>
+          </a:bodyPr>
+          <a:lstStyle/>
+          <a:p>
+            <a:r>
+              <a:rPr lang="nl-BE" dirty="0">
+                <a:solidFill>
+                  <a:srgbClr val="333333"/>
+                </a:solidFill>
+                <a:latin typeface="Segoe UI" panose="020B0502040204020203" pitchFamily="34" charset="0"/>
+              </a:rPr>
+              <a:t>            </a:t>
+            </a:r>
+            <a:r>
+              <a:rPr lang="nl-BE" dirty="0" err="1">
+                <a:solidFill>
+                  <a:srgbClr val="0000FF"/>
+                </a:solidFill>
+                <a:latin typeface="Segoe UI" panose="020B0502040204020203" pitchFamily="34" charset="0"/>
+              </a:rPr>
+              <a:t>for</a:t>
+            </a:r>
+            <a:r>
+              <a:rPr lang="nl-BE" dirty="0">
+                <a:solidFill>
+                  <a:srgbClr val="333333"/>
+                </a:solidFill>
+                <a:latin typeface="Segoe UI" panose="020B0502040204020203" pitchFamily="34" charset="0"/>
+              </a:rPr>
+              <a:t> (</a:t>
+            </a:r>
+            <a:r>
+              <a:rPr lang="nl-BE" dirty="0">
+                <a:solidFill>
+                  <a:srgbClr val="0000FF"/>
+                </a:solidFill>
+                <a:latin typeface="Segoe UI" panose="020B0502040204020203" pitchFamily="34" charset="0"/>
+              </a:rPr>
+              <a:t>int</a:t>
+            </a:r>
+            <a:r>
+              <a:rPr lang="nl-BE" dirty="0">
+                <a:solidFill>
+                  <a:srgbClr val="333333"/>
+                </a:solidFill>
+                <a:latin typeface="Segoe UI" panose="020B0502040204020203" pitchFamily="34" charset="0"/>
+              </a:rPr>
+              <a:t> i = 1; i &lt;= 4; i++)</a:t>
+            </a:r>
+          </a:p>
+          <a:p>
+            <a:r>
+              <a:rPr lang="nl-BE" dirty="0">
+                <a:solidFill>
+                  <a:srgbClr val="333333"/>
+                </a:solidFill>
+                <a:latin typeface="Segoe UI" panose="020B0502040204020203" pitchFamily="34" charset="0"/>
+              </a:rPr>
+              <a:t>            {</a:t>
+            </a:r>
+          </a:p>
+          <a:p>
+            <a:r>
+              <a:rPr lang="nl-BE" dirty="0">
+                <a:solidFill>
+                  <a:srgbClr val="333333"/>
+                </a:solidFill>
+                <a:latin typeface="Segoe UI" panose="020B0502040204020203" pitchFamily="34" charset="0"/>
+              </a:rPr>
+              <a:t>                </a:t>
+            </a:r>
+            <a:r>
+              <a:rPr lang="nl-BE" dirty="0" err="1">
+                <a:solidFill>
+                  <a:srgbClr val="0000FF"/>
+                </a:solidFill>
+                <a:latin typeface="Segoe UI" panose="020B0502040204020203" pitchFamily="34" charset="0"/>
+              </a:rPr>
+              <a:t>if</a:t>
+            </a:r>
+            <a:r>
+              <a:rPr lang="nl-BE" dirty="0">
+                <a:solidFill>
+                  <a:srgbClr val="333333"/>
+                </a:solidFill>
+                <a:latin typeface="Segoe UI" panose="020B0502040204020203" pitchFamily="34" charset="0"/>
+              </a:rPr>
+              <a:t> (i == 3)</a:t>
+            </a:r>
+          </a:p>
+          <a:p>
+            <a:r>
+              <a:rPr lang="nl-BE" dirty="0">
+                <a:solidFill>
+                  <a:srgbClr val="333333"/>
+                </a:solidFill>
+                <a:latin typeface="Segoe UI" panose="020B0502040204020203" pitchFamily="34" charset="0"/>
+              </a:rPr>
+              <a:t>                    </a:t>
+            </a:r>
+            <a:r>
+              <a:rPr lang="nl-BE" dirty="0">
+                <a:solidFill>
+                  <a:srgbClr val="0000FF"/>
+                </a:solidFill>
+                <a:latin typeface="Segoe UI" panose="020B0502040204020203" pitchFamily="34" charset="0"/>
+              </a:rPr>
+              <a:t>break</a:t>
+            </a:r>
+            <a:r>
+              <a:rPr lang="nl-BE" dirty="0">
+                <a:solidFill>
+                  <a:srgbClr val="333333"/>
+                </a:solidFill>
+                <a:latin typeface="Segoe UI" panose="020B0502040204020203" pitchFamily="34" charset="0"/>
+              </a:rPr>
+              <a:t>;</a:t>
+            </a:r>
+          </a:p>
+          <a:p>
+            <a:r>
+              <a:rPr lang="nl-BE" dirty="0">
+                <a:solidFill>
+                  <a:srgbClr val="333333"/>
+                </a:solidFill>
+                <a:latin typeface="Segoe UI" panose="020B0502040204020203" pitchFamily="34" charset="0"/>
+              </a:rPr>
+              <a:t>                </a:t>
+            </a:r>
+            <a:r>
+              <a:rPr lang="nl-BE" dirty="0" err="1">
+                <a:solidFill>
+                  <a:srgbClr val="2B91AF"/>
+                </a:solidFill>
+                <a:latin typeface="Segoe UI" panose="020B0502040204020203" pitchFamily="34" charset="0"/>
+              </a:rPr>
+              <a:t>Console</a:t>
+            </a:r>
+            <a:r>
+              <a:rPr lang="nl-BE" dirty="0" err="1">
+                <a:solidFill>
+                  <a:srgbClr val="333333"/>
+                </a:solidFill>
+                <a:latin typeface="Segoe UI" panose="020B0502040204020203" pitchFamily="34" charset="0"/>
+              </a:rPr>
+              <a:t>.WriteLine</a:t>
+            </a:r>
+            <a:r>
+              <a:rPr lang="nl-BE" dirty="0">
+                <a:solidFill>
+                  <a:srgbClr val="333333"/>
+                </a:solidFill>
+                <a:latin typeface="Segoe UI" panose="020B0502040204020203" pitchFamily="34" charset="0"/>
+              </a:rPr>
+              <a:t>(</a:t>
+            </a:r>
+            <a:r>
+              <a:rPr lang="nl-BE" dirty="0">
+                <a:solidFill>
+                  <a:srgbClr val="A31515"/>
+                </a:solidFill>
+                <a:latin typeface="Segoe UI" panose="020B0502040204020203" pitchFamily="34" charset="0"/>
+              </a:rPr>
+              <a:t>"i </a:t>
+            </a:r>
+            <a:r>
+              <a:rPr lang="nl-BE" dirty="0" err="1">
+                <a:solidFill>
+                  <a:srgbClr val="A31515"/>
+                </a:solidFill>
+                <a:latin typeface="Segoe UI" panose="020B0502040204020203" pitchFamily="34" charset="0"/>
+              </a:rPr>
+              <a:t>value</a:t>
+            </a:r>
+            <a:r>
+              <a:rPr lang="nl-BE" dirty="0">
+                <a:solidFill>
+                  <a:srgbClr val="A31515"/>
+                </a:solidFill>
+                <a:latin typeface="Segoe UI" panose="020B0502040204020203" pitchFamily="34" charset="0"/>
+              </a:rPr>
+              <a:t>: {0}"</a:t>
+            </a:r>
+            <a:r>
+              <a:rPr lang="nl-BE" dirty="0">
+                <a:solidFill>
+                  <a:srgbClr val="333333"/>
+                </a:solidFill>
+                <a:latin typeface="Segoe UI" panose="020B0502040204020203" pitchFamily="34" charset="0"/>
+              </a:rPr>
+              <a:t>, i);</a:t>
+            </a:r>
+          </a:p>
+          <a:p>
+            <a:r>
+              <a:rPr lang="nl-BE" dirty="0">
+                <a:solidFill>
+                  <a:srgbClr val="333333"/>
+                </a:solidFill>
+                <a:latin typeface="Segoe UI" panose="020B0502040204020203" pitchFamily="34" charset="0"/>
+              </a:rPr>
+              <a:t>            }</a:t>
+            </a:r>
+          </a:p>
+          <a:p>
+            <a:r>
+              <a:rPr lang="nl-BE" dirty="0">
+                <a:solidFill>
+                  <a:srgbClr val="333333"/>
+                </a:solidFill>
+                <a:latin typeface="Segoe UI" panose="020B0502040204020203" pitchFamily="34" charset="0"/>
+              </a:rPr>
+              <a:t>            </a:t>
+            </a:r>
+            <a:r>
+              <a:rPr lang="nl-BE" dirty="0" err="1">
+                <a:solidFill>
+                  <a:srgbClr val="2B91AF"/>
+                </a:solidFill>
+                <a:latin typeface="Segoe UI" panose="020B0502040204020203" pitchFamily="34" charset="0"/>
+              </a:rPr>
+              <a:t>Console</a:t>
+            </a:r>
+            <a:r>
+              <a:rPr lang="nl-BE" dirty="0" err="1">
+                <a:solidFill>
+                  <a:srgbClr val="333333"/>
+                </a:solidFill>
+                <a:latin typeface="Segoe UI" panose="020B0502040204020203" pitchFamily="34" charset="0"/>
+              </a:rPr>
+              <a:t>.WriteLine</a:t>
+            </a:r>
+            <a:r>
+              <a:rPr lang="nl-BE" dirty="0">
+                <a:solidFill>
+                  <a:srgbClr val="333333"/>
+                </a:solidFill>
+                <a:latin typeface="Segoe UI" panose="020B0502040204020203" pitchFamily="34" charset="0"/>
+              </a:rPr>
+              <a:t>(</a:t>
+            </a:r>
+            <a:r>
+              <a:rPr lang="nl-BE" dirty="0">
+                <a:solidFill>
+                  <a:srgbClr val="A31515"/>
+                </a:solidFill>
+                <a:latin typeface="Segoe UI" panose="020B0502040204020203" pitchFamily="34" charset="0"/>
+              </a:rPr>
+              <a:t>"Press Enter </a:t>
+            </a:r>
+            <a:r>
+              <a:rPr lang="nl-BE" dirty="0" err="1">
+                <a:solidFill>
+                  <a:srgbClr val="A31515"/>
+                </a:solidFill>
+                <a:latin typeface="Segoe UI" panose="020B0502040204020203" pitchFamily="34" charset="0"/>
+              </a:rPr>
+              <a:t>Key</a:t>
+            </a:r>
+            <a:r>
+              <a:rPr lang="nl-BE" dirty="0">
+                <a:solidFill>
+                  <a:srgbClr val="A31515"/>
+                </a:solidFill>
+                <a:latin typeface="Segoe UI" panose="020B0502040204020203" pitchFamily="34" charset="0"/>
+              </a:rPr>
+              <a:t> </a:t>
+            </a:r>
+            <a:r>
+              <a:rPr lang="nl-BE" dirty="0" err="1">
+                <a:solidFill>
+                  <a:srgbClr val="A31515"/>
+                </a:solidFill>
+                <a:latin typeface="Segoe UI" panose="020B0502040204020203" pitchFamily="34" charset="0"/>
+              </a:rPr>
+              <a:t>to</a:t>
+            </a:r>
+            <a:r>
+              <a:rPr lang="nl-BE" dirty="0">
+                <a:solidFill>
+                  <a:srgbClr val="A31515"/>
+                </a:solidFill>
+                <a:latin typeface="Segoe UI" panose="020B0502040204020203" pitchFamily="34" charset="0"/>
+              </a:rPr>
+              <a:t> Exit.."</a:t>
+            </a:r>
+            <a:r>
+              <a:rPr lang="nl-BE" dirty="0">
+                <a:solidFill>
+                  <a:srgbClr val="333333"/>
+                </a:solidFill>
+                <a:latin typeface="Segoe UI" panose="020B0502040204020203" pitchFamily="34" charset="0"/>
+              </a:rPr>
+              <a:t>);</a:t>
+            </a:r>
+          </a:p>
+          <a:p>
+            <a:r>
+              <a:rPr lang="nl-BE" dirty="0">
+                <a:solidFill>
+                  <a:srgbClr val="333333"/>
+                </a:solidFill>
+                <a:latin typeface="Segoe UI" panose="020B0502040204020203" pitchFamily="34" charset="0"/>
+              </a:rPr>
+              <a:t>            </a:t>
+            </a:r>
+            <a:r>
+              <a:rPr lang="nl-BE" dirty="0" err="1">
+                <a:solidFill>
+                  <a:srgbClr val="2B91AF"/>
+                </a:solidFill>
+                <a:latin typeface="Segoe UI" panose="020B0502040204020203" pitchFamily="34" charset="0"/>
+              </a:rPr>
+              <a:t>Console</a:t>
+            </a:r>
+            <a:r>
+              <a:rPr lang="nl-BE" dirty="0" err="1">
+                <a:solidFill>
+                  <a:srgbClr val="333333"/>
+                </a:solidFill>
+                <a:latin typeface="Segoe UI" panose="020B0502040204020203" pitchFamily="34" charset="0"/>
+              </a:rPr>
+              <a:t>.ReadLine</a:t>
+            </a:r>
+            <a:r>
+              <a:rPr lang="nl-BE" dirty="0">
+                <a:solidFill>
+                  <a:srgbClr val="333333"/>
+                </a:solidFill>
+                <a:latin typeface="Segoe UI" panose="020B0502040204020203" pitchFamily="34" charset="0"/>
+              </a:rPr>
+              <a:t>();</a:t>
+            </a:r>
+            <a:endParaRPr lang="nl-BE" b="0" i="0" dirty="0">
+              <a:solidFill>
+                <a:srgbClr val="333333"/>
+              </a:solidFill>
+              <a:effectLst/>
+              <a:latin typeface="Segoe UI" panose="020B0502040204020203" pitchFamily="34" charset="0"/>
+            </a:endParaRPr>
+          </a:p>
+        </p:txBody>
+      </p:sp>
+    </p:spTree>
+    <p:extLst>
+      <p:ext uri="{BB962C8B-B14F-4D97-AF65-F5344CB8AC3E}">
+        <p14:creationId xmlns:p14="http://schemas.microsoft.com/office/powerpoint/2010/main" val="241750957"/>
+      </p:ext>
+    </p:extLst>
+  </p:cSld>
+  <p:clrMapOvr>
+    <a:masterClrMapping/>
+  </p:clrMapOvr>
+</p:sld>
+</file>
+
+<file path=ppt/slides/slide48.xml><?xml version="1.0" encoding="utf-8"?>
+<p:sld xmlns:a="http://schemas.openxmlformats.org/drawingml/2006/main" xmlns:r="http://schemas.openxmlformats.org/officeDocument/2006/relationships" xmlns:p="http://schemas.openxmlformats.org/presentationml/2006/main">
+  <p:cSld>
+    <p:bg>
+      <p:bgPr>
+        <a:solidFill>
+          <a:schemeClr val="bg1"/>
+        </a:solidFill>
+        <a:effectLst/>
+      </p:bgPr>
+    </p:bg>
+    <p:spTree>
+      <p:nvGrpSpPr>
+        <p:cNvPr id="1" name=""/>
+        <p:cNvGrpSpPr/>
+        <p:nvPr/>
+      </p:nvGrpSpPr>
+      <p:grpSpPr>
+        <a:xfrm>
+          <a:off x="0" y="0"/>
+          <a:ext cx="0" cy="0"/>
+          <a:chOff x="0" y="0"/>
+          <a:chExt cx="0" cy="0"/>
+        </a:xfrm>
+      </p:grpSpPr>
+      <p:sp>
+        <p:nvSpPr>
+          <p:cNvPr id="71" name="Rectangle 70">
+            <a:extLst>
+              <a:ext uri="{FF2B5EF4-FFF2-40B4-BE49-F238E27FC236}">
+                <a16:creationId xmlns:a16="http://schemas.microsoft.com/office/drawing/2014/main" id="{823AC064-BC96-4F32-8AE1-B2FD38754823}"/>
+              </a:ext>
+              <a:ext uri="{C183D7F6-B498-43B3-948B-1728B52AA6E4}">
+                <adec:decorative xmlns:adec="http://schemas.microsoft.com/office/drawing/2017/decorative" val="1"/>
+              </a:ext>
+            </a:extLst>
+          </p:cNvPr>
+          <p:cNvSpPr>
+            <a:spLocks noGrp="1" noRot="1" noChangeAspect="1" noMove="1" noResize="1" noEditPoints="1" noAdjustHandles="1" noChangeArrowheads="1" noChangeShapeType="1" noTextEdit="1"/>
+          </p:cNvSpPr>
+          <p:nvPr>
+            <p:extLst>
+              <p:ext uri="{386F3935-93C4-4BCD-93E2-E3B085C9AB24}">
+                <p16:designElem xmlns:p16="http://schemas.microsoft.com/office/powerpoint/2015/main" val="1"/>
+              </p:ext>
+            </p:extLst>
+          </p:nvPr>
+        </p:nvSpPr>
+        <p:spPr bwMode="ltGray">
+          <a:xfrm>
+            <a:off x="378068" y="4633546"/>
+            <a:ext cx="11438793" cy="1844256"/>
+          </a:xfrm>
+          <a:prstGeom prst="rect">
+            <a:avLst/>
+          </a:prstGeom>
+          <a:solidFill>
+            <a:srgbClr val="404040"/>
+          </a:solidFill>
+          <a:ln w="127000" cap="sq" cmpd="thinThick">
+            <a:solidFill>
+              <a:srgbClr val="404040"/>
+            </a:solidFill>
+          </a:ln>
+        </p:spPr>
+        <p:style>
+          <a:lnRef idx="2">
+            <a:schemeClr val="accent1">
+              <a:shade val="50000"/>
+            </a:schemeClr>
+          </a:lnRef>
+          <a:fillRef idx="1">
+            <a:schemeClr val="accent1"/>
+          </a:fillRef>
+          <a:effectRef idx="0">
+            <a:schemeClr val="accent1"/>
+          </a:effectRef>
+          <a:fontRef idx="minor">
+            <a:schemeClr val="lt1"/>
+          </a:fontRef>
+        </p:style>
+        <p:txBody>
+          <a:bodyPr rtlCol="0" anchor="ctr"/>
+          <a:lstStyle/>
+          <a:p>
+            <a:pPr marL="0" marR="0" lvl="0" indent="0" algn="ctr" defTabSz="914400" rtl="0" eaLnBrk="1" fontAlgn="auto" latinLnBrk="0" hangingPunct="1">
+              <a:lnSpc>
+                <a:spcPct val="100000"/>
+              </a:lnSpc>
+              <a:spcBef>
+                <a:spcPts val="0"/>
+              </a:spcBef>
+              <a:spcAft>
+                <a:spcPts val="0"/>
+              </a:spcAft>
+              <a:buClrTx/>
+              <a:buSzTx/>
+              <a:buFontTx/>
+              <a:buNone/>
+              <a:tabLst/>
+              <a:defRPr/>
+            </a:pPr>
+            <a:endParaRPr kumimoji="0" lang="en-US" sz="1800" b="0" i="0" u="none" strike="noStrike" kern="1200" cap="none" spc="0" normalizeH="0" baseline="0" noProof="0">
+              <a:ln>
+                <a:noFill/>
+              </a:ln>
+              <a:solidFill>
+                <a:prstClr val="white"/>
+              </a:solidFill>
+              <a:effectLst/>
+              <a:uLnTx/>
+              <a:uFillTx/>
+              <a:latin typeface="Calibri" panose="020F0502020204030204"/>
+              <a:ea typeface="+mn-ea"/>
+              <a:cs typeface="+mn-cs"/>
+            </a:endParaRPr>
+          </a:p>
+        </p:txBody>
+      </p:sp>
+      <p:sp>
+        <p:nvSpPr>
+          <p:cNvPr id="2" name="Titel 1">
+            <a:extLst>
+              <a:ext uri="{FF2B5EF4-FFF2-40B4-BE49-F238E27FC236}">
+                <a16:creationId xmlns:a16="http://schemas.microsoft.com/office/drawing/2014/main" id="{E7255D58-5E96-44E3-9FC7-4E9F9CC5BE3B}"/>
+              </a:ext>
+            </a:extLst>
+          </p:cNvPr>
+          <p:cNvSpPr>
+            <a:spLocks noGrp="1"/>
+          </p:cNvSpPr>
+          <p:nvPr>
+            <p:ph type="ctrTitle"/>
+          </p:nvPr>
+        </p:nvSpPr>
+        <p:spPr>
+          <a:xfrm>
+            <a:off x="526073" y="4756638"/>
+            <a:ext cx="11139854" cy="930447"/>
+          </a:xfrm>
+        </p:spPr>
+        <p:txBody>
+          <a:bodyPr>
+            <a:normAutofit/>
+          </a:bodyPr>
+          <a:lstStyle/>
+          <a:p>
+            <a:r>
+              <a:rPr lang="nl-BE" sz="5400">
+                <a:solidFill>
+                  <a:srgbClr val="FFFFFF"/>
+                </a:solidFill>
+              </a:rPr>
+              <a:t>Gameloop</a:t>
+            </a:r>
+          </a:p>
+        </p:txBody>
+      </p:sp>
+      <p:sp>
+        <p:nvSpPr>
+          <p:cNvPr id="3" name="Ondertitel 2">
+            <a:extLst>
+              <a:ext uri="{FF2B5EF4-FFF2-40B4-BE49-F238E27FC236}">
+                <a16:creationId xmlns:a16="http://schemas.microsoft.com/office/drawing/2014/main" id="{BA7F88F5-4056-4BD8-901C-3B863E4215A2}"/>
+              </a:ext>
+            </a:extLst>
+          </p:cNvPr>
+          <p:cNvSpPr>
+            <a:spLocks noGrp="1"/>
+          </p:cNvSpPr>
+          <p:nvPr>
+            <p:ph type="subTitle" idx="1"/>
+          </p:nvPr>
+        </p:nvSpPr>
+        <p:spPr>
+          <a:xfrm>
+            <a:off x="1524000" y="5815698"/>
+            <a:ext cx="9144000" cy="420001"/>
+          </a:xfrm>
+        </p:spPr>
+        <p:txBody>
+          <a:bodyPr>
+            <a:normAutofit/>
+          </a:bodyPr>
+          <a:lstStyle/>
+          <a:p>
+            <a:endParaRPr lang="nl-BE" sz="2000">
+              <a:solidFill>
+                <a:srgbClr val="E7E6E6"/>
+              </a:solidFill>
+            </a:endParaRPr>
+          </a:p>
+        </p:txBody>
+      </p:sp>
+      <p:pic>
+        <p:nvPicPr>
+          <p:cNvPr id="1026" name="Picture 2" descr="Afbeeldingsresultaat voor game loop">
+            <a:extLst>
+              <a:ext uri="{FF2B5EF4-FFF2-40B4-BE49-F238E27FC236}">
+                <a16:creationId xmlns:a16="http://schemas.microsoft.com/office/drawing/2014/main" id="{CA0F0F77-8767-4E33-8A2B-BF7ADE12B847}"/>
+              </a:ext>
+            </a:extLst>
+          </p:cNvPr>
+          <p:cNvPicPr>
+            <a:picLocks noChangeAspect="1" noChangeArrowheads="1"/>
+          </p:cNvPicPr>
+          <p:nvPr/>
+        </p:nvPicPr>
+        <p:blipFill>
+          <a:blip r:embed="rId2">
+            <a:extLst>
+              <a:ext uri="{28A0092B-C50C-407E-A947-70E740481C1C}">
+                <a14:useLocalDpi xmlns:a14="http://schemas.microsoft.com/office/drawing/2010/main" val="0"/>
+              </a:ext>
+            </a:extLst>
+          </a:blip>
+          <a:srcRect/>
+          <a:stretch>
+            <a:fillRect/>
+          </a:stretch>
+        </p:blipFill>
+        <p:spPr bwMode="auto">
+          <a:xfrm>
+            <a:off x="320040" y="421734"/>
+            <a:ext cx="11496821" cy="3769630"/>
+          </a:xfrm>
+          <a:prstGeom prst="rect">
+            <a:avLst/>
+          </a:prstGeom>
+          <a:noFill/>
+          <a:extLst>
+            <a:ext uri="{909E8E84-426E-40DD-AFC4-6F175D3DCCD1}">
+              <a14:hiddenFill xmlns:a14="http://schemas.microsoft.com/office/drawing/2010/main">
+                <a:solidFill>
+                  <a:srgbClr val="FFFFFF"/>
+                </a:solidFill>
+              </a14:hiddenFill>
+            </a:ext>
+          </a:extLst>
+        </p:spPr>
+      </p:pic>
+      <p:cxnSp>
+        <p:nvCxnSpPr>
+          <p:cNvPr id="73" name="Straight Connector 72">
+            <a:extLst>
+              <a:ext uri="{FF2B5EF4-FFF2-40B4-BE49-F238E27FC236}">
+                <a16:creationId xmlns:a16="http://schemas.microsoft.com/office/drawing/2014/main" id="{7E7C77BC-7138-40B1-A15B-20F57A494629}"/>
+              </a:ext>
+              <a:ext uri="{C183D7F6-B498-43B3-948B-1728B52AA6E4}">
+                <adec:decorative xmlns:adec="http://schemas.microsoft.com/office/drawing/2017/decorative" val="1"/>
+              </a:ext>
+            </a:extLst>
+          </p:cNvPr>
+          <p:cNvCxnSpPr>
+            <a:cxnSpLocks noGrp="1" noRot="1" noChangeAspect="1" noMove="1" noResize="1" noEditPoints="1" noAdjustHandles="1" noChangeArrowheads="1" noChangeShapeType="1"/>
+          </p:cNvCxnSpPr>
+          <p:nvPr>
+            <p:extLst>
+              <p:ext uri="{386F3935-93C4-4BCD-93E2-E3B085C9AB24}">
+                <p16:designElem xmlns:p16="http://schemas.microsoft.com/office/powerpoint/2015/main" val="1"/>
+              </p:ext>
+            </p:extLst>
+          </p:nvPr>
+        </p:nvCxnSpPr>
+        <p:spPr>
+          <a:xfrm>
+            <a:off x="2209800" y="5738691"/>
+            <a:ext cx="7772400" cy="0"/>
+          </a:xfrm>
+          <a:prstGeom prst="line">
+            <a:avLst/>
+          </a:prstGeom>
+          <a:ln w="22225">
+            <a:solidFill>
+              <a:srgbClr val="D9D9D9"/>
+            </a:solidFill>
+          </a:ln>
+        </p:spPr>
+        <p:style>
+          <a:lnRef idx="1">
+            <a:schemeClr val="accent1"/>
+          </a:lnRef>
+          <a:fillRef idx="0">
+            <a:schemeClr val="accent1"/>
+          </a:fillRef>
+          <a:effectRef idx="0">
+            <a:schemeClr val="accent1"/>
+          </a:effectRef>
+          <a:fontRef idx="minor">
+            <a:schemeClr val="tx1"/>
+          </a:fontRef>
+        </p:style>
+      </p:cxnSp>
+    </p:spTree>
+    <p:extLst>
+      <p:ext uri="{BB962C8B-B14F-4D97-AF65-F5344CB8AC3E}">
+        <p14:creationId xmlns:p14="http://schemas.microsoft.com/office/powerpoint/2010/main" val="3104098032"/>
+      </p:ext>
+    </p:extLst>
+  </p:cSld>
+  <p:clrMapOvr>
+    <a:masterClrMapping/>
+  </p:clrMapOvr>
+</p:sld>
+</file>
+
+<file path=ppt/slides/slide49.xml><?xml version="1.0" encoding="utf-8"?>
+<p:sld xmlns:a="http://schemas.openxmlformats.org/drawingml/2006/main" xmlns:r="http://schemas.openxmlformats.org/officeDocument/2006/relationships" xmlns:p="http://schemas.openxmlformats.org/presentationml/2006/main" show="0">
+  <p:cSld>
+    <p:spTree>
+      <p:nvGrpSpPr>
+        <p:cNvPr id="1" name=""/>
+        <p:cNvGrpSpPr/>
+        <p:nvPr/>
+      </p:nvGrpSpPr>
+      <p:grpSpPr>
+        <a:xfrm>
+          <a:off x="0" y="0"/>
+          <a:ext cx="0" cy="0"/>
+          <a:chOff x="0" y="0"/>
+          <a:chExt cx="0" cy="0"/>
+        </a:xfrm>
+      </p:grpSpPr>
+      <p:sp>
+        <p:nvSpPr>
+          <p:cNvPr id="2" name="Titel 1">
+            <a:extLst>
+              <a:ext uri="{FF2B5EF4-FFF2-40B4-BE49-F238E27FC236}">
+                <a16:creationId xmlns:a16="http://schemas.microsoft.com/office/drawing/2014/main" id="{8CA7C98A-62B9-4A13-94B2-18553B453281}"/>
+              </a:ext>
+            </a:extLst>
+          </p:cNvPr>
+          <p:cNvSpPr>
+            <a:spLocks noGrp="1"/>
+          </p:cNvSpPr>
+          <p:nvPr>
+            <p:ph type="title"/>
+          </p:nvPr>
+        </p:nvSpPr>
+        <p:spPr/>
+        <p:txBody>
+          <a:bodyPr/>
+          <a:lstStyle/>
+          <a:p>
+            <a:r>
+              <a:rPr lang="nl-BE" dirty="0"/>
+              <a:t>Console boring?</a:t>
+            </a:r>
+          </a:p>
+        </p:txBody>
+      </p:sp>
+      <p:sp>
+        <p:nvSpPr>
+          <p:cNvPr id="3" name="Tijdelijke aanduiding voor inhoud 2">
+            <a:extLst>
+              <a:ext uri="{FF2B5EF4-FFF2-40B4-BE49-F238E27FC236}">
+                <a16:creationId xmlns:a16="http://schemas.microsoft.com/office/drawing/2014/main" id="{0A110A89-B4A5-4DE1-8DD3-98E45FEE7F95}"/>
+              </a:ext>
+            </a:extLst>
+          </p:cNvPr>
+          <p:cNvSpPr>
+            <a:spLocks noGrp="1"/>
+          </p:cNvSpPr>
+          <p:nvPr>
+            <p:ph idx="1"/>
+          </p:nvPr>
+        </p:nvSpPr>
+        <p:spPr/>
+        <p:txBody>
+          <a:bodyPr/>
+          <a:lstStyle/>
+          <a:p>
+            <a:endParaRPr lang="nl-BE" dirty="0"/>
+          </a:p>
+        </p:txBody>
+      </p:sp>
+      <p:pic>
+        <p:nvPicPr>
+          <p:cNvPr id="4" name="Afbeelding 3">
+            <a:hlinkClick r:id="rId2"/>
+            <a:extLst>
+              <a:ext uri="{FF2B5EF4-FFF2-40B4-BE49-F238E27FC236}">
+                <a16:creationId xmlns:a16="http://schemas.microsoft.com/office/drawing/2014/main" id="{EFF8A734-1C3B-44F8-BE62-47B4F8CE0134}"/>
+              </a:ext>
+            </a:extLst>
+          </p:cNvPr>
+          <p:cNvPicPr>
+            <a:picLocks noChangeAspect="1"/>
+          </p:cNvPicPr>
+          <p:nvPr/>
+        </p:nvPicPr>
+        <p:blipFill>
+          <a:blip r:embed="rId3"/>
+          <a:stretch>
+            <a:fillRect/>
+          </a:stretch>
+        </p:blipFill>
+        <p:spPr>
+          <a:xfrm>
+            <a:off x="0" y="1572190"/>
+            <a:ext cx="12192000" cy="5489289"/>
+          </a:xfrm>
+          <a:prstGeom prst="rect">
+            <a:avLst/>
+          </a:prstGeom>
+        </p:spPr>
+      </p:pic>
+    </p:spTree>
+    <p:extLst>
+      <p:ext uri="{BB962C8B-B14F-4D97-AF65-F5344CB8AC3E}">
+        <p14:creationId xmlns:p14="http://schemas.microsoft.com/office/powerpoint/2010/main" val="3921248829"/>
       </p:ext>
     </p:extLst>
   </p:cSld>
@@ -34435,7 +33344,7 @@
                   <a:srgbClr val="000000"/>
                 </a:solidFill>
               </a:rPr>
-              <a:t>C# types of loops</a:t>
+              <a:t>3 types of loops in C#</a:t>
             </a:r>
           </a:p>
           <a:p>
@@ -34555,1019 +33464,6 @@
 </file>
 
 <file path=ppt/slides/slide50.xml><?xml version="1.0" encoding="utf-8"?>
-<p:sld xmlns:a="http://schemas.openxmlformats.org/drawingml/2006/main" xmlns:r="http://schemas.openxmlformats.org/officeDocument/2006/relationships" xmlns:p="http://schemas.openxmlformats.org/presentationml/2006/main">
-  <p:cSld>
-    <p:spTree>
-      <p:nvGrpSpPr>
-        <p:cNvPr id="1" name=""/>
-        <p:cNvGrpSpPr/>
-        <p:nvPr/>
-      </p:nvGrpSpPr>
-      <p:grpSpPr>
-        <a:xfrm>
-          <a:off x="0" y="0"/>
-          <a:ext cx="0" cy="0"/>
-          <a:chOff x="0" y="0"/>
-          <a:chExt cx="0" cy="0"/>
-        </a:xfrm>
-      </p:grpSpPr>
-      <p:sp>
-        <p:nvSpPr>
-          <p:cNvPr id="2" name="Titel 1">
-            <a:extLst>
-              <a:ext uri="{FF2B5EF4-FFF2-40B4-BE49-F238E27FC236}">
-                <a16:creationId xmlns:a16="http://schemas.microsoft.com/office/drawing/2014/main" id="{1D5E5DBE-8D4D-41A3-8EBE-56EBD36BA016}"/>
-              </a:ext>
-            </a:extLst>
-          </p:cNvPr>
-          <p:cNvSpPr>
-            <a:spLocks noGrp="1"/>
-          </p:cNvSpPr>
-          <p:nvPr>
-            <p:ph type="title"/>
-          </p:nvPr>
-        </p:nvSpPr>
-        <p:spPr/>
-        <p:txBody>
-          <a:bodyPr/>
-          <a:lstStyle/>
-          <a:p>
-            <a:r>
-              <a:rPr lang="nl-BE" dirty="0"/>
-              <a:t>break</a:t>
-            </a:r>
-          </a:p>
-        </p:txBody>
-      </p:sp>
-      <p:sp>
-        <p:nvSpPr>
-          <p:cNvPr id="3" name="Tijdelijke aanduiding voor tekst 2">
-            <a:extLst>
-              <a:ext uri="{FF2B5EF4-FFF2-40B4-BE49-F238E27FC236}">
-                <a16:creationId xmlns:a16="http://schemas.microsoft.com/office/drawing/2014/main" id="{69C9D100-DB3B-4A55-9D13-8540208BD3EB}"/>
-              </a:ext>
-            </a:extLst>
-          </p:cNvPr>
-          <p:cNvSpPr>
-            <a:spLocks noGrp="1"/>
-          </p:cNvSpPr>
-          <p:nvPr>
-            <p:ph type="body" idx="1"/>
-          </p:nvPr>
-        </p:nvSpPr>
-        <p:spPr/>
-        <p:txBody>
-          <a:bodyPr/>
-          <a:lstStyle/>
-          <a:p>
-            <a:endParaRPr lang="nl-BE"/>
-          </a:p>
-        </p:txBody>
-      </p:sp>
-      <p:pic>
-        <p:nvPicPr>
-          <p:cNvPr id="4" name="Picture 2" descr="Image result for use own risk">
-            <a:extLst>
-              <a:ext uri="{FF2B5EF4-FFF2-40B4-BE49-F238E27FC236}">
-                <a16:creationId xmlns:a16="http://schemas.microsoft.com/office/drawing/2014/main" id="{531C1D3F-CFE7-45D9-8349-B70411AC54E1}"/>
-              </a:ext>
-            </a:extLst>
-          </p:cNvPr>
-          <p:cNvPicPr>
-            <a:picLocks noChangeAspect="1" noChangeArrowheads="1"/>
-          </p:cNvPicPr>
-          <p:nvPr/>
-        </p:nvPicPr>
-        <p:blipFill>
-          <a:blip r:embed="rId2">
-            <a:extLst>
-              <a:ext uri="{28A0092B-C50C-407E-A947-70E740481C1C}">
-                <a14:useLocalDpi xmlns:a14="http://schemas.microsoft.com/office/drawing/2010/main" val="0"/>
-              </a:ext>
-            </a:extLst>
-          </a:blip>
-          <a:srcRect/>
-          <a:stretch>
-            <a:fillRect/>
-          </a:stretch>
-        </p:blipFill>
-        <p:spPr bwMode="auto">
-          <a:xfrm>
-            <a:off x="5378186" y="671513"/>
-            <a:ext cx="4527813" cy="3277005"/>
-          </a:xfrm>
-          <a:prstGeom prst="rect">
-            <a:avLst/>
-          </a:prstGeom>
-          <a:noFill/>
-          <a:extLst>
-            <a:ext uri="{909E8E84-426E-40DD-AFC4-6F175D3DCCD1}">
-              <a14:hiddenFill xmlns:a14="http://schemas.microsoft.com/office/drawing/2010/main">
-                <a:solidFill>
-                  <a:srgbClr val="FFFFFF"/>
-                </a:solidFill>
-              </a14:hiddenFill>
-            </a:ext>
-          </a:extLst>
-        </p:spPr>
-      </p:pic>
-    </p:spTree>
-    <p:extLst>
-      <p:ext uri="{BB962C8B-B14F-4D97-AF65-F5344CB8AC3E}">
-        <p14:creationId xmlns:p14="http://schemas.microsoft.com/office/powerpoint/2010/main" val="271338067"/>
-      </p:ext>
-    </p:extLst>
-  </p:cSld>
-  <p:clrMapOvr>
-    <a:masterClrMapping/>
-  </p:clrMapOvr>
-</p:sld>
-</file>
-
-<file path=ppt/slides/slide51.xml><?xml version="1.0" encoding="utf-8"?>
-<p:sld xmlns:a="http://schemas.openxmlformats.org/drawingml/2006/main" xmlns:r="http://schemas.openxmlformats.org/officeDocument/2006/relationships" xmlns:p="http://schemas.openxmlformats.org/presentationml/2006/main">
-  <p:cSld>
-    <p:spTree>
-      <p:nvGrpSpPr>
-        <p:cNvPr id="1" name=""/>
-        <p:cNvGrpSpPr/>
-        <p:nvPr/>
-      </p:nvGrpSpPr>
-      <p:grpSpPr>
-        <a:xfrm>
-          <a:off x="0" y="0"/>
-          <a:ext cx="0" cy="0"/>
-          <a:chOff x="0" y="0"/>
-          <a:chExt cx="0" cy="0"/>
-        </a:xfrm>
-      </p:grpSpPr>
-      <p:sp>
-        <p:nvSpPr>
-          <p:cNvPr id="2" name="Titel 1">
-            <a:extLst>
-              <a:ext uri="{FF2B5EF4-FFF2-40B4-BE49-F238E27FC236}">
-                <a16:creationId xmlns:a16="http://schemas.microsoft.com/office/drawing/2014/main" id="{47BD58A2-9FF4-4D45-BD7F-9140D3F3DCD0}"/>
-              </a:ext>
-            </a:extLst>
-          </p:cNvPr>
-          <p:cNvSpPr>
-            <a:spLocks noGrp="1"/>
-          </p:cNvSpPr>
-          <p:nvPr>
-            <p:ph type="title"/>
-          </p:nvPr>
-        </p:nvSpPr>
-        <p:spPr/>
-        <p:txBody>
-          <a:bodyPr/>
-          <a:lstStyle/>
-          <a:p>
-            <a:r>
-              <a:rPr lang="nl-BE" dirty="0"/>
-              <a:t>Break: huidige loop afbreken</a:t>
-            </a:r>
-          </a:p>
-        </p:txBody>
-      </p:sp>
-      <p:sp>
-        <p:nvSpPr>
-          <p:cNvPr id="3" name="Tijdelijke aanduiding voor inhoud 2">
-            <a:extLst>
-              <a:ext uri="{FF2B5EF4-FFF2-40B4-BE49-F238E27FC236}">
-                <a16:creationId xmlns:a16="http://schemas.microsoft.com/office/drawing/2014/main" id="{8A3B6F09-4440-445D-A348-EFCABED4AD07}"/>
-              </a:ext>
-            </a:extLst>
-          </p:cNvPr>
-          <p:cNvSpPr>
-            <a:spLocks noGrp="1"/>
-          </p:cNvSpPr>
-          <p:nvPr>
-            <p:ph idx="1"/>
-          </p:nvPr>
-        </p:nvSpPr>
-        <p:spPr/>
-        <p:txBody>
-          <a:bodyPr/>
-          <a:lstStyle/>
-          <a:p>
-            <a:r>
-              <a:rPr lang="nl-BE" dirty="0"/>
-              <a:t>Gebruiken op eigen risico! </a:t>
-            </a:r>
-          </a:p>
-          <a:p>
-            <a:r>
-              <a:rPr lang="nl-BE" dirty="0"/>
-              <a:t>Break zal je uit de huidige loop halen </a:t>
-            </a:r>
-            <a:r>
-              <a:rPr lang="nl-BE"/>
-              <a:t>zonder pardon:</a:t>
-            </a:r>
-            <a:endParaRPr lang="nl-BE" dirty="0"/>
-          </a:p>
-        </p:txBody>
-      </p:sp>
-      <p:sp>
-        <p:nvSpPr>
-          <p:cNvPr id="4" name="Rechthoek 3">
-            <a:extLst>
-              <a:ext uri="{FF2B5EF4-FFF2-40B4-BE49-F238E27FC236}">
-                <a16:creationId xmlns:a16="http://schemas.microsoft.com/office/drawing/2014/main" id="{29E57365-8F54-45CD-8A30-B29C81662493}"/>
-              </a:ext>
-            </a:extLst>
-          </p:cNvPr>
-          <p:cNvSpPr/>
-          <p:nvPr/>
-        </p:nvSpPr>
-        <p:spPr>
-          <a:xfrm>
-            <a:off x="1736818" y="2902473"/>
-            <a:ext cx="7131238" cy="2308324"/>
-          </a:xfrm>
-          <a:prstGeom prst="rect">
-            <a:avLst/>
-          </a:prstGeom>
-        </p:spPr>
-        <p:txBody>
-          <a:bodyPr wrap="square">
-            <a:spAutoFit/>
-          </a:bodyPr>
-          <a:lstStyle/>
-          <a:p>
-            <a:r>
-              <a:rPr lang="nl-BE" dirty="0">
-                <a:solidFill>
-                  <a:srgbClr val="333333"/>
-                </a:solidFill>
-                <a:latin typeface="Segoe UI" panose="020B0502040204020203" pitchFamily="34" charset="0"/>
-              </a:rPr>
-              <a:t>            </a:t>
-            </a:r>
-            <a:r>
-              <a:rPr lang="nl-BE" dirty="0" err="1">
-                <a:solidFill>
-                  <a:srgbClr val="0000FF"/>
-                </a:solidFill>
-                <a:latin typeface="Segoe UI" panose="020B0502040204020203" pitchFamily="34" charset="0"/>
-              </a:rPr>
-              <a:t>for</a:t>
-            </a:r>
-            <a:r>
-              <a:rPr lang="nl-BE" dirty="0">
-                <a:solidFill>
-                  <a:srgbClr val="333333"/>
-                </a:solidFill>
-                <a:latin typeface="Segoe UI" panose="020B0502040204020203" pitchFamily="34" charset="0"/>
-              </a:rPr>
-              <a:t> (</a:t>
-            </a:r>
-            <a:r>
-              <a:rPr lang="nl-BE" dirty="0">
-                <a:solidFill>
-                  <a:srgbClr val="0000FF"/>
-                </a:solidFill>
-                <a:latin typeface="Segoe UI" panose="020B0502040204020203" pitchFamily="34" charset="0"/>
-              </a:rPr>
-              <a:t>int</a:t>
-            </a:r>
-            <a:r>
-              <a:rPr lang="nl-BE" dirty="0">
-                <a:solidFill>
-                  <a:srgbClr val="333333"/>
-                </a:solidFill>
-                <a:latin typeface="Segoe UI" panose="020B0502040204020203" pitchFamily="34" charset="0"/>
-              </a:rPr>
-              <a:t> i = 1; i &lt;= 4; i++)</a:t>
-            </a:r>
-          </a:p>
-          <a:p>
-            <a:r>
-              <a:rPr lang="nl-BE" dirty="0">
-                <a:solidFill>
-                  <a:srgbClr val="333333"/>
-                </a:solidFill>
-                <a:latin typeface="Segoe UI" panose="020B0502040204020203" pitchFamily="34" charset="0"/>
-              </a:rPr>
-              <a:t>            {</a:t>
-            </a:r>
-          </a:p>
-          <a:p>
-            <a:r>
-              <a:rPr lang="nl-BE" dirty="0">
-                <a:solidFill>
-                  <a:srgbClr val="333333"/>
-                </a:solidFill>
-                <a:latin typeface="Segoe UI" panose="020B0502040204020203" pitchFamily="34" charset="0"/>
-              </a:rPr>
-              <a:t>                </a:t>
-            </a:r>
-            <a:r>
-              <a:rPr lang="nl-BE" dirty="0" err="1">
-                <a:solidFill>
-                  <a:srgbClr val="0000FF"/>
-                </a:solidFill>
-                <a:latin typeface="Segoe UI" panose="020B0502040204020203" pitchFamily="34" charset="0"/>
-              </a:rPr>
-              <a:t>if</a:t>
-            </a:r>
-            <a:r>
-              <a:rPr lang="nl-BE" dirty="0">
-                <a:solidFill>
-                  <a:srgbClr val="333333"/>
-                </a:solidFill>
-                <a:latin typeface="Segoe UI" panose="020B0502040204020203" pitchFamily="34" charset="0"/>
-              </a:rPr>
-              <a:t> (i == 3)</a:t>
-            </a:r>
-          </a:p>
-          <a:p>
-            <a:r>
-              <a:rPr lang="nl-BE" dirty="0">
-                <a:solidFill>
-                  <a:srgbClr val="333333"/>
-                </a:solidFill>
-                <a:latin typeface="Segoe UI" panose="020B0502040204020203" pitchFamily="34" charset="0"/>
-              </a:rPr>
-              <a:t>                    </a:t>
-            </a:r>
-            <a:r>
-              <a:rPr lang="nl-BE" dirty="0">
-                <a:solidFill>
-                  <a:srgbClr val="0000FF"/>
-                </a:solidFill>
-                <a:latin typeface="Segoe UI" panose="020B0502040204020203" pitchFamily="34" charset="0"/>
-              </a:rPr>
-              <a:t>break</a:t>
-            </a:r>
-            <a:r>
-              <a:rPr lang="nl-BE" dirty="0">
-                <a:solidFill>
-                  <a:srgbClr val="333333"/>
-                </a:solidFill>
-                <a:latin typeface="Segoe UI" panose="020B0502040204020203" pitchFamily="34" charset="0"/>
-              </a:rPr>
-              <a:t>;</a:t>
-            </a:r>
-          </a:p>
-          <a:p>
-            <a:r>
-              <a:rPr lang="nl-BE" dirty="0">
-                <a:solidFill>
-                  <a:srgbClr val="333333"/>
-                </a:solidFill>
-                <a:latin typeface="Segoe UI" panose="020B0502040204020203" pitchFamily="34" charset="0"/>
-              </a:rPr>
-              <a:t>                </a:t>
-            </a:r>
-            <a:r>
-              <a:rPr lang="nl-BE" dirty="0" err="1">
-                <a:solidFill>
-                  <a:srgbClr val="2B91AF"/>
-                </a:solidFill>
-                <a:latin typeface="Segoe UI" panose="020B0502040204020203" pitchFamily="34" charset="0"/>
-              </a:rPr>
-              <a:t>Console</a:t>
-            </a:r>
-            <a:r>
-              <a:rPr lang="nl-BE" dirty="0" err="1">
-                <a:solidFill>
-                  <a:srgbClr val="333333"/>
-                </a:solidFill>
-                <a:latin typeface="Segoe UI" panose="020B0502040204020203" pitchFamily="34" charset="0"/>
-              </a:rPr>
-              <a:t>.WriteLine</a:t>
-            </a:r>
-            <a:r>
-              <a:rPr lang="nl-BE" dirty="0">
-                <a:solidFill>
-                  <a:srgbClr val="333333"/>
-                </a:solidFill>
-                <a:latin typeface="Segoe UI" panose="020B0502040204020203" pitchFamily="34" charset="0"/>
-              </a:rPr>
-              <a:t>(</a:t>
-            </a:r>
-            <a:r>
-              <a:rPr lang="nl-BE" dirty="0">
-                <a:solidFill>
-                  <a:srgbClr val="A31515"/>
-                </a:solidFill>
-                <a:latin typeface="Segoe UI" panose="020B0502040204020203" pitchFamily="34" charset="0"/>
-              </a:rPr>
-              <a:t>"i </a:t>
-            </a:r>
-            <a:r>
-              <a:rPr lang="nl-BE" dirty="0" err="1">
-                <a:solidFill>
-                  <a:srgbClr val="A31515"/>
-                </a:solidFill>
-                <a:latin typeface="Segoe UI" panose="020B0502040204020203" pitchFamily="34" charset="0"/>
-              </a:rPr>
-              <a:t>value</a:t>
-            </a:r>
-            <a:r>
-              <a:rPr lang="nl-BE" dirty="0">
-                <a:solidFill>
-                  <a:srgbClr val="A31515"/>
-                </a:solidFill>
-                <a:latin typeface="Segoe UI" panose="020B0502040204020203" pitchFamily="34" charset="0"/>
-              </a:rPr>
-              <a:t>: {0}"</a:t>
-            </a:r>
-            <a:r>
-              <a:rPr lang="nl-BE" dirty="0">
-                <a:solidFill>
-                  <a:srgbClr val="333333"/>
-                </a:solidFill>
-                <a:latin typeface="Segoe UI" panose="020B0502040204020203" pitchFamily="34" charset="0"/>
-              </a:rPr>
-              <a:t>, i);</a:t>
-            </a:r>
-          </a:p>
-          <a:p>
-            <a:r>
-              <a:rPr lang="nl-BE" dirty="0">
-                <a:solidFill>
-                  <a:srgbClr val="333333"/>
-                </a:solidFill>
-                <a:latin typeface="Segoe UI" panose="020B0502040204020203" pitchFamily="34" charset="0"/>
-              </a:rPr>
-              <a:t>            }</a:t>
-            </a:r>
-          </a:p>
-          <a:p>
-            <a:r>
-              <a:rPr lang="nl-BE" dirty="0">
-                <a:solidFill>
-                  <a:srgbClr val="333333"/>
-                </a:solidFill>
-                <a:latin typeface="Segoe UI" panose="020B0502040204020203" pitchFamily="34" charset="0"/>
-              </a:rPr>
-              <a:t>            </a:t>
-            </a:r>
-            <a:r>
-              <a:rPr lang="nl-BE" dirty="0" err="1">
-                <a:solidFill>
-                  <a:srgbClr val="2B91AF"/>
-                </a:solidFill>
-                <a:latin typeface="Segoe UI" panose="020B0502040204020203" pitchFamily="34" charset="0"/>
-              </a:rPr>
-              <a:t>Console</a:t>
-            </a:r>
-            <a:r>
-              <a:rPr lang="nl-BE" dirty="0" err="1">
-                <a:solidFill>
-                  <a:srgbClr val="333333"/>
-                </a:solidFill>
-                <a:latin typeface="Segoe UI" panose="020B0502040204020203" pitchFamily="34" charset="0"/>
-              </a:rPr>
-              <a:t>.WriteLine</a:t>
-            </a:r>
-            <a:r>
-              <a:rPr lang="nl-BE" dirty="0">
-                <a:solidFill>
-                  <a:srgbClr val="333333"/>
-                </a:solidFill>
-                <a:latin typeface="Segoe UI" panose="020B0502040204020203" pitchFamily="34" charset="0"/>
-              </a:rPr>
-              <a:t>(</a:t>
-            </a:r>
-            <a:r>
-              <a:rPr lang="nl-BE" dirty="0">
-                <a:solidFill>
-                  <a:srgbClr val="A31515"/>
-                </a:solidFill>
-                <a:latin typeface="Segoe UI" panose="020B0502040204020203" pitchFamily="34" charset="0"/>
-              </a:rPr>
-              <a:t>"Press Enter </a:t>
-            </a:r>
-            <a:r>
-              <a:rPr lang="nl-BE" dirty="0" err="1">
-                <a:solidFill>
-                  <a:srgbClr val="A31515"/>
-                </a:solidFill>
-                <a:latin typeface="Segoe UI" panose="020B0502040204020203" pitchFamily="34" charset="0"/>
-              </a:rPr>
-              <a:t>Key</a:t>
-            </a:r>
-            <a:r>
-              <a:rPr lang="nl-BE" dirty="0">
-                <a:solidFill>
-                  <a:srgbClr val="A31515"/>
-                </a:solidFill>
-                <a:latin typeface="Segoe UI" panose="020B0502040204020203" pitchFamily="34" charset="0"/>
-              </a:rPr>
-              <a:t> </a:t>
-            </a:r>
-            <a:r>
-              <a:rPr lang="nl-BE" dirty="0" err="1">
-                <a:solidFill>
-                  <a:srgbClr val="A31515"/>
-                </a:solidFill>
-                <a:latin typeface="Segoe UI" panose="020B0502040204020203" pitchFamily="34" charset="0"/>
-              </a:rPr>
-              <a:t>to</a:t>
-            </a:r>
-            <a:r>
-              <a:rPr lang="nl-BE" dirty="0">
-                <a:solidFill>
-                  <a:srgbClr val="A31515"/>
-                </a:solidFill>
-                <a:latin typeface="Segoe UI" panose="020B0502040204020203" pitchFamily="34" charset="0"/>
-              </a:rPr>
-              <a:t> Exit.."</a:t>
-            </a:r>
-            <a:r>
-              <a:rPr lang="nl-BE" dirty="0">
-                <a:solidFill>
-                  <a:srgbClr val="333333"/>
-                </a:solidFill>
-                <a:latin typeface="Segoe UI" panose="020B0502040204020203" pitchFamily="34" charset="0"/>
-              </a:rPr>
-              <a:t>);</a:t>
-            </a:r>
-          </a:p>
-          <a:p>
-            <a:r>
-              <a:rPr lang="nl-BE" dirty="0">
-                <a:solidFill>
-                  <a:srgbClr val="333333"/>
-                </a:solidFill>
-                <a:latin typeface="Segoe UI" panose="020B0502040204020203" pitchFamily="34" charset="0"/>
-              </a:rPr>
-              <a:t>            </a:t>
-            </a:r>
-            <a:r>
-              <a:rPr lang="nl-BE" dirty="0" err="1">
-                <a:solidFill>
-                  <a:srgbClr val="2B91AF"/>
-                </a:solidFill>
-                <a:latin typeface="Segoe UI" panose="020B0502040204020203" pitchFamily="34" charset="0"/>
-              </a:rPr>
-              <a:t>Console</a:t>
-            </a:r>
-            <a:r>
-              <a:rPr lang="nl-BE" dirty="0" err="1">
-                <a:solidFill>
-                  <a:srgbClr val="333333"/>
-                </a:solidFill>
-                <a:latin typeface="Segoe UI" panose="020B0502040204020203" pitchFamily="34" charset="0"/>
-              </a:rPr>
-              <a:t>.ReadLine</a:t>
-            </a:r>
-            <a:r>
-              <a:rPr lang="nl-BE" dirty="0">
-                <a:solidFill>
-                  <a:srgbClr val="333333"/>
-                </a:solidFill>
-                <a:latin typeface="Segoe UI" panose="020B0502040204020203" pitchFamily="34" charset="0"/>
-              </a:rPr>
-              <a:t>();</a:t>
-            </a:r>
-            <a:endParaRPr lang="nl-BE" b="0" i="0" dirty="0">
-              <a:solidFill>
-                <a:srgbClr val="333333"/>
-              </a:solidFill>
-              <a:effectLst/>
-              <a:latin typeface="Segoe UI" panose="020B0502040204020203" pitchFamily="34" charset="0"/>
-            </a:endParaRPr>
-          </a:p>
-        </p:txBody>
-      </p:sp>
-    </p:spTree>
-    <p:extLst>
-      <p:ext uri="{BB962C8B-B14F-4D97-AF65-F5344CB8AC3E}">
-        <p14:creationId xmlns:p14="http://schemas.microsoft.com/office/powerpoint/2010/main" val="241750957"/>
-      </p:ext>
-    </p:extLst>
-  </p:cSld>
-  <p:clrMapOvr>
-    <a:masterClrMapping/>
-  </p:clrMapOvr>
-</p:sld>
-</file>
-
-<file path=ppt/slides/slide52.xml><?xml version="1.0" encoding="utf-8"?>
-<p:sld xmlns:a="http://schemas.openxmlformats.org/drawingml/2006/main" xmlns:r="http://schemas.openxmlformats.org/officeDocument/2006/relationships" xmlns:p="http://schemas.openxmlformats.org/presentationml/2006/main">
-  <p:cSld>
-    <p:bg>
-      <p:bgPr>
-        <a:solidFill>
-          <a:schemeClr val="bg1"/>
-        </a:solidFill>
-        <a:effectLst/>
-      </p:bgPr>
-    </p:bg>
-    <p:spTree>
-      <p:nvGrpSpPr>
-        <p:cNvPr id="1" name=""/>
-        <p:cNvGrpSpPr/>
-        <p:nvPr/>
-      </p:nvGrpSpPr>
-      <p:grpSpPr>
-        <a:xfrm>
-          <a:off x="0" y="0"/>
-          <a:ext cx="0" cy="0"/>
-          <a:chOff x="0" y="0"/>
-          <a:chExt cx="0" cy="0"/>
-        </a:xfrm>
-      </p:grpSpPr>
-      <p:sp>
-        <p:nvSpPr>
-          <p:cNvPr id="71" name="Rectangle 70">
-            <a:extLst>
-              <a:ext uri="{FF2B5EF4-FFF2-40B4-BE49-F238E27FC236}">
-                <a16:creationId xmlns:a16="http://schemas.microsoft.com/office/drawing/2014/main" id="{823AC064-BC96-4F32-8AE1-B2FD38754823}"/>
-              </a:ext>
-              <a:ext uri="{C183D7F6-B498-43B3-948B-1728B52AA6E4}">
-                <adec:decorative xmlns:adec="http://schemas.microsoft.com/office/drawing/2017/decorative" val="1"/>
-              </a:ext>
-            </a:extLst>
-          </p:cNvPr>
-          <p:cNvSpPr>
-            <a:spLocks noGrp="1" noRot="1" noChangeAspect="1" noMove="1" noResize="1" noEditPoints="1" noAdjustHandles="1" noChangeArrowheads="1" noChangeShapeType="1" noTextEdit="1"/>
-          </p:cNvSpPr>
-          <p:nvPr>
-            <p:extLst>
-              <p:ext uri="{386F3935-93C4-4BCD-93E2-E3B085C9AB24}">
-                <p16:designElem xmlns:p16="http://schemas.microsoft.com/office/powerpoint/2015/main" val="1"/>
-              </p:ext>
-            </p:extLst>
-          </p:nvPr>
-        </p:nvSpPr>
-        <p:spPr bwMode="ltGray">
-          <a:xfrm>
-            <a:off x="378068" y="4633546"/>
-            <a:ext cx="11438793" cy="1844256"/>
-          </a:xfrm>
-          <a:prstGeom prst="rect">
-            <a:avLst/>
-          </a:prstGeom>
-          <a:solidFill>
-            <a:srgbClr val="404040"/>
-          </a:solidFill>
-          <a:ln w="127000" cap="sq" cmpd="thinThick">
-            <a:solidFill>
-              <a:srgbClr val="404040"/>
-            </a:solidFill>
-          </a:ln>
-        </p:spPr>
-        <p:style>
-          <a:lnRef idx="2">
-            <a:schemeClr val="accent1">
-              <a:shade val="50000"/>
-            </a:schemeClr>
-          </a:lnRef>
-          <a:fillRef idx="1">
-            <a:schemeClr val="accent1"/>
-          </a:fillRef>
-          <a:effectRef idx="0">
-            <a:schemeClr val="accent1"/>
-          </a:effectRef>
-          <a:fontRef idx="minor">
-            <a:schemeClr val="lt1"/>
-          </a:fontRef>
-        </p:style>
-        <p:txBody>
-          <a:bodyPr rtlCol="0" anchor="ctr"/>
-          <a:lstStyle/>
-          <a:p>
-            <a:pPr marL="0" marR="0" lvl="0" indent="0" algn="ctr" defTabSz="914400" rtl="0" eaLnBrk="1" fontAlgn="auto" latinLnBrk="0" hangingPunct="1">
-              <a:lnSpc>
-                <a:spcPct val="100000"/>
-              </a:lnSpc>
-              <a:spcBef>
-                <a:spcPts val="0"/>
-              </a:spcBef>
-              <a:spcAft>
-                <a:spcPts val="0"/>
-              </a:spcAft>
-              <a:buClrTx/>
-              <a:buSzTx/>
-              <a:buFontTx/>
-              <a:buNone/>
-              <a:tabLst/>
-              <a:defRPr/>
-            </a:pPr>
-            <a:endParaRPr kumimoji="0" lang="en-US" sz="1800" b="0" i="0" u="none" strike="noStrike" kern="1200" cap="none" spc="0" normalizeH="0" baseline="0" noProof="0">
-              <a:ln>
-                <a:noFill/>
-              </a:ln>
-              <a:solidFill>
-                <a:prstClr val="white"/>
-              </a:solidFill>
-              <a:effectLst/>
-              <a:uLnTx/>
-              <a:uFillTx/>
-              <a:latin typeface="Calibri" panose="020F0502020204030204"/>
-              <a:ea typeface="+mn-ea"/>
-              <a:cs typeface="+mn-cs"/>
-            </a:endParaRPr>
-          </a:p>
-        </p:txBody>
-      </p:sp>
-      <p:sp>
-        <p:nvSpPr>
-          <p:cNvPr id="2" name="Titel 1">
-            <a:extLst>
-              <a:ext uri="{FF2B5EF4-FFF2-40B4-BE49-F238E27FC236}">
-                <a16:creationId xmlns:a16="http://schemas.microsoft.com/office/drawing/2014/main" id="{E7255D58-5E96-44E3-9FC7-4E9F9CC5BE3B}"/>
-              </a:ext>
-            </a:extLst>
-          </p:cNvPr>
-          <p:cNvSpPr>
-            <a:spLocks noGrp="1"/>
-          </p:cNvSpPr>
-          <p:nvPr>
-            <p:ph type="ctrTitle"/>
-          </p:nvPr>
-        </p:nvSpPr>
-        <p:spPr>
-          <a:xfrm>
-            <a:off x="526073" y="4756638"/>
-            <a:ext cx="11139854" cy="930447"/>
-          </a:xfrm>
-        </p:spPr>
-        <p:txBody>
-          <a:bodyPr>
-            <a:normAutofit/>
-          </a:bodyPr>
-          <a:lstStyle/>
-          <a:p>
-            <a:r>
-              <a:rPr lang="nl-BE" sz="5400">
-                <a:solidFill>
-                  <a:srgbClr val="FFFFFF"/>
-                </a:solidFill>
-              </a:rPr>
-              <a:t>Gameloop</a:t>
-            </a:r>
-          </a:p>
-        </p:txBody>
-      </p:sp>
-      <p:sp>
-        <p:nvSpPr>
-          <p:cNvPr id="3" name="Ondertitel 2">
-            <a:extLst>
-              <a:ext uri="{FF2B5EF4-FFF2-40B4-BE49-F238E27FC236}">
-                <a16:creationId xmlns:a16="http://schemas.microsoft.com/office/drawing/2014/main" id="{BA7F88F5-4056-4BD8-901C-3B863E4215A2}"/>
-              </a:ext>
-            </a:extLst>
-          </p:cNvPr>
-          <p:cNvSpPr>
-            <a:spLocks noGrp="1"/>
-          </p:cNvSpPr>
-          <p:nvPr>
-            <p:ph type="subTitle" idx="1"/>
-          </p:nvPr>
-        </p:nvSpPr>
-        <p:spPr>
-          <a:xfrm>
-            <a:off x="1524000" y="5815698"/>
-            <a:ext cx="9144000" cy="420001"/>
-          </a:xfrm>
-        </p:spPr>
-        <p:txBody>
-          <a:bodyPr>
-            <a:normAutofit/>
-          </a:bodyPr>
-          <a:lstStyle/>
-          <a:p>
-            <a:endParaRPr lang="nl-BE" sz="2000">
-              <a:solidFill>
-                <a:srgbClr val="E7E6E6"/>
-              </a:solidFill>
-            </a:endParaRPr>
-          </a:p>
-        </p:txBody>
-      </p:sp>
-      <p:pic>
-        <p:nvPicPr>
-          <p:cNvPr id="1026" name="Picture 2" descr="Afbeeldingsresultaat voor game loop">
-            <a:extLst>
-              <a:ext uri="{FF2B5EF4-FFF2-40B4-BE49-F238E27FC236}">
-                <a16:creationId xmlns:a16="http://schemas.microsoft.com/office/drawing/2014/main" id="{CA0F0F77-8767-4E33-8A2B-BF7ADE12B847}"/>
-              </a:ext>
-            </a:extLst>
-          </p:cNvPr>
-          <p:cNvPicPr>
-            <a:picLocks noChangeAspect="1" noChangeArrowheads="1"/>
-          </p:cNvPicPr>
-          <p:nvPr/>
-        </p:nvPicPr>
-        <p:blipFill>
-          <a:blip r:embed="rId2">
-            <a:extLst>
-              <a:ext uri="{28A0092B-C50C-407E-A947-70E740481C1C}">
-                <a14:useLocalDpi xmlns:a14="http://schemas.microsoft.com/office/drawing/2010/main" val="0"/>
-              </a:ext>
-            </a:extLst>
-          </a:blip>
-          <a:srcRect/>
-          <a:stretch>
-            <a:fillRect/>
-          </a:stretch>
-        </p:blipFill>
-        <p:spPr bwMode="auto">
-          <a:xfrm>
-            <a:off x="320040" y="421734"/>
-            <a:ext cx="11496821" cy="3769630"/>
-          </a:xfrm>
-          <a:prstGeom prst="rect">
-            <a:avLst/>
-          </a:prstGeom>
-          <a:noFill/>
-          <a:extLst>
-            <a:ext uri="{909E8E84-426E-40DD-AFC4-6F175D3DCCD1}">
-              <a14:hiddenFill xmlns:a14="http://schemas.microsoft.com/office/drawing/2010/main">
-                <a:solidFill>
-                  <a:srgbClr val="FFFFFF"/>
-                </a:solidFill>
-              </a14:hiddenFill>
-            </a:ext>
-          </a:extLst>
-        </p:spPr>
-      </p:pic>
-      <p:cxnSp>
-        <p:nvCxnSpPr>
-          <p:cNvPr id="73" name="Straight Connector 72">
-            <a:extLst>
-              <a:ext uri="{FF2B5EF4-FFF2-40B4-BE49-F238E27FC236}">
-                <a16:creationId xmlns:a16="http://schemas.microsoft.com/office/drawing/2014/main" id="{7E7C77BC-7138-40B1-A15B-20F57A494629}"/>
-              </a:ext>
-              <a:ext uri="{C183D7F6-B498-43B3-948B-1728B52AA6E4}">
-                <adec:decorative xmlns:adec="http://schemas.microsoft.com/office/drawing/2017/decorative" val="1"/>
-              </a:ext>
-            </a:extLst>
-          </p:cNvPr>
-          <p:cNvCxnSpPr>
-            <a:cxnSpLocks noGrp="1" noRot="1" noChangeAspect="1" noMove="1" noResize="1" noEditPoints="1" noAdjustHandles="1" noChangeArrowheads="1" noChangeShapeType="1"/>
-          </p:cNvCxnSpPr>
-          <p:nvPr>
-            <p:extLst>
-              <p:ext uri="{386F3935-93C4-4BCD-93E2-E3B085C9AB24}">
-                <p16:designElem xmlns:p16="http://schemas.microsoft.com/office/powerpoint/2015/main" val="1"/>
-              </p:ext>
-            </p:extLst>
-          </p:nvPr>
-        </p:nvCxnSpPr>
-        <p:spPr>
-          <a:xfrm>
-            <a:off x="2209800" y="5738691"/>
-            <a:ext cx="7772400" cy="0"/>
-          </a:xfrm>
-          <a:prstGeom prst="line">
-            <a:avLst/>
-          </a:prstGeom>
-          <a:ln w="22225">
-            <a:solidFill>
-              <a:srgbClr val="D9D9D9"/>
-            </a:solidFill>
-          </a:ln>
-        </p:spPr>
-        <p:style>
-          <a:lnRef idx="1">
-            <a:schemeClr val="accent1"/>
-          </a:lnRef>
-          <a:fillRef idx="0">
-            <a:schemeClr val="accent1"/>
-          </a:fillRef>
-          <a:effectRef idx="0">
-            <a:schemeClr val="accent1"/>
-          </a:effectRef>
-          <a:fontRef idx="minor">
-            <a:schemeClr val="tx1"/>
-          </a:fontRef>
-        </p:style>
-      </p:cxnSp>
-    </p:spTree>
-    <p:extLst>
-      <p:ext uri="{BB962C8B-B14F-4D97-AF65-F5344CB8AC3E}">
-        <p14:creationId xmlns:p14="http://schemas.microsoft.com/office/powerpoint/2010/main" val="3104098032"/>
-      </p:ext>
-    </p:extLst>
-  </p:cSld>
-  <p:clrMapOvr>
-    <a:masterClrMapping/>
-  </p:clrMapOvr>
-</p:sld>
-</file>
-
-<file path=ppt/slides/slide53.xml><?xml version="1.0" encoding="utf-8"?>
-<p:sld xmlns:a="http://schemas.openxmlformats.org/drawingml/2006/main" xmlns:r="http://schemas.openxmlformats.org/officeDocument/2006/relationships" xmlns:p="http://schemas.openxmlformats.org/presentationml/2006/main">
-  <p:cSld>
-    <p:spTree>
-      <p:nvGrpSpPr>
-        <p:cNvPr id="1" name=""/>
-        <p:cNvGrpSpPr/>
-        <p:nvPr/>
-      </p:nvGrpSpPr>
-      <p:grpSpPr>
-        <a:xfrm>
-          <a:off x="0" y="0"/>
-          <a:ext cx="0" cy="0"/>
-          <a:chOff x="0" y="0"/>
-          <a:chExt cx="0" cy="0"/>
-        </a:xfrm>
-      </p:grpSpPr>
-      <p:sp>
-        <p:nvSpPr>
-          <p:cNvPr id="2" name="Titel 1">
-            <a:extLst>
-              <a:ext uri="{FF2B5EF4-FFF2-40B4-BE49-F238E27FC236}">
-                <a16:creationId xmlns:a16="http://schemas.microsoft.com/office/drawing/2014/main" id="{8CA7C98A-62B9-4A13-94B2-18553B453281}"/>
-              </a:ext>
-            </a:extLst>
-          </p:cNvPr>
-          <p:cNvSpPr>
-            <a:spLocks noGrp="1"/>
-          </p:cNvSpPr>
-          <p:nvPr>
-            <p:ph type="title"/>
-          </p:nvPr>
-        </p:nvSpPr>
-        <p:spPr/>
-        <p:txBody>
-          <a:bodyPr/>
-          <a:lstStyle/>
-          <a:p>
-            <a:r>
-              <a:rPr lang="nl-BE" dirty="0"/>
-              <a:t>Console boring?</a:t>
-            </a:r>
-          </a:p>
-        </p:txBody>
-      </p:sp>
-      <p:sp>
-        <p:nvSpPr>
-          <p:cNvPr id="3" name="Tijdelijke aanduiding voor inhoud 2">
-            <a:extLst>
-              <a:ext uri="{FF2B5EF4-FFF2-40B4-BE49-F238E27FC236}">
-                <a16:creationId xmlns:a16="http://schemas.microsoft.com/office/drawing/2014/main" id="{0A110A89-B4A5-4DE1-8DD3-98E45FEE7F95}"/>
-              </a:ext>
-            </a:extLst>
-          </p:cNvPr>
-          <p:cNvSpPr>
-            <a:spLocks noGrp="1"/>
-          </p:cNvSpPr>
-          <p:nvPr>
-            <p:ph idx="1"/>
-          </p:nvPr>
-        </p:nvSpPr>
-        <p:spPr/>
-        <p:txBody>
-          <a:bodyPr/>
-          <a:lstStyle/>
-          <a:p>
-            <a:endParaRPr lang="nl-BE" dirty="0"/>
-          </a:p>
-        </p:txBody>
-      </p:sp>
-      <p:pic>
-        <p:nvPicPr>
-          <p:cNvPr id="4" name="Afbeelding 3">
-            <a:hlinkClick r:id="rId2"/>
-            <a:extLst>
-              <a:ext uri="{FF2B5EF4-FFF2-40B4-BE49-F238E27FC236}">
-                <a16:creationId xmlns:a16="http://schemas.microsoft.com/office/drawing/2014/main" id="{EFF8A734-1C3B-44F8-BE62-47B4F8CE0134}"/>
-              </a:ext>
-            </a:extLst>
-          </p:cNvPr>
-          <p:cNvPicPr>
-            <a:picLocks noChangeAspect="1"/>
-          </p:cNvPicPr>
-          <p:nvPr/>
-        </p:nvPicPr>
-        <p:blipFill>
-          <a:blip r:embed="rId3"/>
-          <a:stretch>
-            <a:fillRect/>
-          </a:stretch>
-        </p:blipFill>
-        <p:spPr>
-          <a:xfrm>
-            <a:off x="0" y="1572190"/>
-            <a:ext cx="12192000" cy="5489289"/>
-          </a:xfrm>
-          <a:prstGeom prst="rect">
-            <a:avLst/>
-          </a:prstGeom>
-        </p:spPr>
-      </p:pic>
-    </p:spTree>
-    <p:extLst>
-      <p:ext uri="{BB962C8B-B14F-4D97-AF65-F5344CB8AC3E}">
-        <p14:creationId xmlns:p14="http://schemas.microsoft.com/office/powerpoint/2010/main" val="3921248829"/>
-      </p:ext>
-    </p:extLst>
-  </p:cSld>
-  <p:clrMapOvr>
-    <a:masterClrMapping/>
-  </p:clrMapOvr>
-</p:sld>
-</file>
-
-<file path=ppt/slides/slide54.xml><?xml version="1.0" encoding="utf-8"?>
 <p:sld xmlns:a="http://schemas.openxmlformats.org/drawingml/2006/main" xmlns:r="http://schemas.openxmlformats.org/officeDocument/2006/relationships" xmlns:p="http://schemas.openxmlformats.org/presentationml/2006/main">
   <p:cSld>
     <p:spTree>
@@ -35681,7 +33577,7 @@
 </p:sld>
 </file>
 
-<file path=ppt/slides/slide55.xml><?xml version="1.0" encoding="utf-8"?>
+<file path=ppt/slides/slide51.xml><?xml version="1.0" encoding="utf-8"?>
 <p:sld xmlns:a="http://schemas.openxmlformats.org/drawingml/2006/main" xmlns:r="http://schemas.openxmlformats.org/officeDocument/2006/relationships" xmlns:p="http://schemas.openxmlformats.org/presentationml/2006/main">
   <p:cSld>
     <p:spTree>
@@ -36214,7 +34110,7 @@
 </p:sld>
 </file>
 
-<file path=ppt/slides/slide56.xml><?xml version="1.0" encoding="utf-8"?>
+<file path=ppt/slides/slide52.xml><?xml version="1.0" encoding="utf-8"?>
 <p:sld xmlns:a="http://schemas.openxmlformats.org/drawingml/2006/main" xmlns:r="http://schemas.openxmlformats.org/officeDocument/2006/relationships" xmlns:p="http://schemas.openxmlformats.org/presentationml/2006/main">
   <p:cSld>
     <p:spTree>
